--- a/Palestra Docker.pptx
+++ b/Palestra Docker.pptx
@@ -37,7 +37,7 @@
     <p:sldId id="293" r:id="rId28"/>
     <p:sldId id="294" r:id="rId29"/>
     <p:sldId id="296" r:id="rId30"/>
-    <p:sldId id="297" r:id="rId31"/>
+    <p:sldId id="298" r:id="rId31"/>
   </p:sldIdLst>
   <p:sldSz cx="12192000" cy="6858000"/>
   <p:notesSz cx="6858000" cy="9144000"/>
@@ -3374,7 +3374,7 @@
         </p:nvSpPr>
         <p:spPr>
           <a:xfrm>
-            <a:off x="222892" y="3898237"/>
+            <a:off x="222892" y="4045719"/>
             <a:ext cx="11746216" cy="1650999"/>
           </a:xfrm>
         </p:spPr>
@@ -3385,84 +3385,99 @@
           <a:lstStyle/>
           <a:p>
             <a:r>
-              <a:rPr lang="pt-BR" sz="4800" b="1" dirty="0">
+              <a:rPr lang="pt-BR" sz="4000" b="1" dirty="0">
                 <a:latin typeface="Avenir Next Condensed" panose="020B0506020202020204" pitchFamily="34" charset="0"/>
                 <a:cs typeface="Al Bayan Plain" pitchFamily="2" charset="-78"/>
               </a:rPr>
-              <a:t>Montando um ambiente de desenvolvimento</a:t>
-            </a:r>
-            <a:br>
-              <a:rPr lang="pt-BR" sz="4800" b="1" dirty="0">
+              <a:t>Criando Ambientes de Desenvolvimento com </a:t>
+            </a:r>
+            <a:r>
+              <a:rPr lang="pt-BR" sz="4000" b="1" dirty="0" err="1">
                 <a:latin typeface="Avenir Next Condensed" panose="020B0506020202020204" pitchFamily="34" charset="0"/>
                 <a:cs typeface="Al Bayan Plain" pitchFamily="2" charset="-78"/>
               </a:rPr>
-            </a:br>
+              <a:t>Docker</a:t>
+            </a:r>
             <a:br>
-              <a:rPr lang="pt-BR" sz="4800" b="1" dirty="0">
+              <a:rPr lang="pt-BR" sz="4000" b="1" dirty="0">
                 <a:latin typeface="Avenir Next Condensed" panose="020B0506020202020204" pitchFamily="34" charset="0"/>
                 <a:cs typeface="Al Bayan Plain" pitchFamily="2" charset="-78"/>
               </a:rPr>
             </a:br>
             <a:r>
-              <a:rPr lang="pt-BR" sz="2400" b="1" dirty="0">
+              <a:rPr lang="pt-BR" sz="4000" b="1" dirty="0">
                 <a:latin typeface="Avenir Next Condensed" panose="020B0506020202020204" pitchFamily="34" charset="0"/>
                 <a:cs typeface="Al Bayan Plain" pitchFamily="2" charset="-78"/>
               </a:rPr>
-              <a:t>disponível em: </a:t>
-            </a:r>
-            <a:r>
-              <a:rPr lang="pt-BR" sz="2400" b="1" dirty="0" err="1">
+              <a:t> </a:t>
+            </a:r>
+            <a:br>
+              <a:rPr lang="pt-BR" sz="4000" b="1" dirty="0">
                 <a:latin typeface="Avenir Next Condensed" panose="020B0506020202020204" pitchFamily="34" charset="0"/>
                 <a:cs typeface="Al Bayan Plain" pitchFamily="2" charset="-78"/>
               </a:rPr>
+            </a:br>
+            <a:r>
+              <a:rPr lang="pt-BR" sz="2800" dirty="0">
+                <a:latin typeface="+mn-lt"/>
+                <a:cs typeface="Al Bayan Plain" pitchFamily="2" charset="-78"/>
+              </a:rPr>
+              <a:t>disponível em: </a:t>
+            </a:r>
+            <a:r>
+              <a:rPr lang="pt-BR" sz="2800" dirty="0" err="1">
+                <a:latin typeface="+mn-lt"/>
+                <a:cs typeface="Al Bayan Plain" pitchFamily="2" charset="-78"/>
+              </a:rPr>
               <a:t>https</a:t>
             </a:r>
             <a:r>
-              <a:rPr lang="pt-BR" sz="2400" b="1" dirty="0">
-                <a:latin typeface="Avenir Next Condensed" panose="020B0506020202020204" pitchFamily="34" charset="0"/>
+              <a:rPr lang="pt-BR" sz="2800" dirty="0">
+                <a:latin typeface="+mn-lt"/>
                 <a:cs typeface="Al Bayan Plain" pitchFamily="2" charset="-78"/>
               </a:rPr>
               <a:t>://</a:t>
             </a:r>
             <a:r>
-              <a:rPr lang="pt-BR" sz="2400" b="1" dirty="0" err="1">
-                <a:latin typeface="Avenir Next Condensed" panose="020B0506020202020204" pitchFamily="34" charset="0"/>
+              <a:rPr lang="pt-BR" sz="2800" dirty="0" err="1">
+                <a:latin typeface="+mn-lt"/>
                 <a:cs typeface="Al Bayan Plain" pitchFamily="2" charset="-78"/>
               </a:rPr>
               <a:t>github.com</a:t>
             </a:r>
             <a:r>
-              <a:rPr lang="pt-BR" sz="2400" b="1" dirty="0">
-                <a:latin typeface="Avenir Next Condensed" panose="020B0506020202020204" pitchFamily="34" charset="0"/>
+              <a:rPr lang="pt-BR" sz="2800" dirty="0">
+                <a:latin typeface="+mn-lt"/>
                 <a:cs typeface="Al Bayan Plain" pitchFamily="2" charset="-78"/>
               </a:rPr>
               <a:t>/</a:t>
             </a:r>
             <a:r>
-              <a:rPr lang="pt-BR" sz="2400" b="1" dirty="0" err="1">
-                <a:latin typeface="Avenir Next Condensed" panose="020B0506020202020204" pitchFamily="34" charset="0"/>
+              <a:rPr lang="pt-BR" sz="2800" dirty="0" err="1">
+                <a:latin typeface="+mn-lt"/>
                 <a:cs typeface="Al Bayan Plain" pitchFamily="2" charset="-78"/>
               </a:rPr>
               <a:t>fsclaro</a:t>
             </a:r>
             <a:r>
-              <a:rPr lang="pt-BR" sz="2400" b="1" dirty="0">
-                <a:latin typeface="Avenir Next Condensed" panose="020B0506020202020204" pitchFamily="34" charset="0"/>
+              <a:rPr lang="pt-BR" sz="2800" dirty="0">
+                <a:latin typeface="+mn-lt"/>
                 <a:cs typeface="Al Bayan Plain" pitchFamily="2" charset="-78"/>
               </a:rPr>
               <a:t>/palestra-</a:t>
             </a:r>
             <a:r>
-              <a:rPr lang="pt-BR" sz="2400" b="1" dirty="0" err="1">
-                <a:latin typeface="Avenir Next Condensed" panose="020B0506020202020204" pitchFamily="34" charset="0"/>
+              <a:rPr lang="pt-BR" sz="2800" dirty="0" err="1">
+                <a:latin typeface="+mn-lt"/>
                 <a:cs typeface="Al Bayan Plain" pitchFamily="2" charset="-78"/>
               </a:rPr>
               <a:t>docker</a:t>
             </a:r>
-            <a:endParaRPr lang="pt-BR" sz="4800" b="1" dirty="0">
+            <a:endParaRPr lang="pt-BR" sz="4000" dirty="0">
               <a:solidFill>
                 <a:srgbClr val="9E050D"/>
               </a:solidFill>
+              <a:latin typeface="+mn-lt"/>
             </a:endParaRPr>
           </a:p>
         </p:txBody>
@@ -4052,6 +4067,15 @@
           <a:p>
             <a:pPr lvl="1"/>
             <a:r>
+              <a:rPr lang="pt-BR" sz="1600" b="1" dirty="0">
+                <a:solidFill>
+                  <a:schemeClr val="bg1"/>
+                </a:solidFill>
+                <a:latin typeface="Avenir Next Condensed" panose="020B0506020202020204" pitchFamily="34" charset="0"/>
+              </a:rPr>
+              <a:t>Criando Ambientes de Desenvolvimento com </a:t>
+            </a:r>
+            <a:r>
               <a:rPr lang="pt-BR" sz="1600" b="1" dirty="0" err="1">
                 <a:solidFill>
                   <a:schemeClr val="bg1"/>
@@ -4067,7 +4091,7 @@
                 </a:solidFill>
                 <a:latin typeface="Avenir Next Condensed" panose="020B0506020202020204" pitchFamily="34" charset="0"/>
               </a:rPr>
-              <a:t>: Montando um ambiente de desenvolvimento | Prof. Me Fernando Salles Claro</a:t>
+              <a:t> | Prof. Me Fernando Salles Claro</a:t>
             </a:r>
           </a:p>
         </p:txBody>
@@ -4266,6 +4290,186 @@
   <p:clrMapOvr>
     <a:masterClrMapping/>
   </p:clrMapOvr>
+  <p:timing>
+    <p:tnLst>
+      <p:par>
+        <p:cTn id="1" dur="indefinite" restart="never" nodeType="tmRoot">
+          <p:childTnLst>
+            <p:seq concurrent="1" nextAc="seek">
+              <p:cTn id="2" dur="indefinite" nodeType="mainSeq">
+                <p:childTnLst>
+                  <p:par>
+                    <p:cTn id="3" fill="hold">
+                      <p:stCondLst>
+                        <p:cond delay="indefinite"/>
+                      </p:stCondLst>
+                      <p:childTnLst>
+                        <p:par>
+                          <p:cTn id="4" fill="hold">
+                            <p:stCondLst>
+                              <p:cond delay="0"/>
+                            </p:stCondLst>
+                            <p:childTnLst>
+                              <p:par>
+                                <p:cTn id="5" presetID="1" presetClass="entr" presetSubtype="0" fill="hold" grpId="0" nodeType="clickEffect">
+                                  <p:stCondLst>
+                                    <p:cond delay="0"/>
+                                  </p:stCondLst>
+                                  <p:childTnLst>
+                                    <p:set>
+                                      <p:cBhvr>
+                                        <p:cTn id="6" dur="1" fill="hold">
+                                          <p:stCondLst>
+                                            <p:cond delay="0"/>
+                                          </p:stCondLst>
+                                        </p:cTn>
+                                        <p:tgtEl>
+                                          <p:spTgt spid="3">
+                                            <p:txEl>
+                                              <p:pRg st="0" end="0"/>
+                                            </p:txEl>
+                                          </p:spTgt>
+                                        </p:tgtEl>
+                                        <p:attrNameLst>
+                                          <p:attrName>style.visibility</p:attrName>
+                                        </p:attrNameLst>
+                                      </p:cBhvr>
+                                      <p:to>
+                                        <p:strVal val="visible"/>
+                                      </p:to>
+                                    </p:set>
+                                  </p:childTnLst>
+                                </p:cTn>
+                              </p:par>
+                            </p:childTnLst>
+                          </p:cTn>
+                        </p:par>
+                      </p:childTnLst>
+                    </p:cTn>
+                  </p:par>
+                  <p:par>
+                    <p:cTn id="7" fill="hold">
+                      <p:stCondLst>
+                        <p:cond delay="indefinite"/>
+                      </p:stCondLst>
+                      <p:childTnLst>
+                        <p:par>
+                          <p:cTn id="8" fill="hold">
+                            <p:stCondLst>
+                              <p:cond delay="0"/>
+                            </p:stCondLst>
+                            <p:childTnLst>
+                              <p:par>
+                                <p:cTn id="9" presetID="1" presetClass="entr" presetSubtype="0" fill="hold" grpId="0" nodeType="clickEffect">
+                                  <p:stCondLst>
+                                    <p:cond delay="0"/>
+                                  </p:stCondLst>
+                                  <p:childTnLst>
+                                    <p:set>
+                                      <p:cBhvr>
+                                        <p:cTn id="10" dur="1" fill="hold">
+                                          <p:stCondLst>
+                                            <p:cond delay="0"/>
+                                          </p:stCondLst>
+                                        </p:cTn>
+                                        <p:tgtEl>
+                                          <p:spTgt spid="3">
+                                            <p:txEl>
+                                              <p:pRg st="2" end="2"/>
+                                            </p:txEl>
+                                          </p:spTgt>
+                                        </p:tgtEl>
+                                        <p:attrNameLst>
+                                          <p:attrName>style.visibility</p:attrName>
+                                        </p:attrNameLst>
+                                      </p:cBhvr>
+                                      <p:to>
+                                        <p:strVal val="visible"/>
+                                      </p:to>
+                                    </p:set>
+                                  </p:childTnLst>
+                                </p:cTn>
+                              </p:par>
+                            </p:childTnLst>
+                          </p:cTn>
+                        </p:par>
+                      </p:childTnLst>
+                    </p:cTn>
+                  </p:par>
+                  <p:par>
+                    <p:cTn id="11" fill="hold">
+                      <p:stCondLst>
+                        <p:cond delay="indefinite"/>
+                      </p:stCondLst>
+                      <p:childTnLst>
+                        <p:par>
+                          <p:cTn id="12" fill="hold">
+                            <p:stCondLst>
+                              <p:cond delay="0"/>
+                            </p:stCondLst>
+                            <p:childTnLst>
+                              <p:par>
+                                <p:cTn id="13" presetID="1" presetClass="entr" presetSubtype="0" fill="hold" grpId="0" nodeType="clickEffect">
+                                  <p:stCondLst>
+                                    <p:cond delay="0"/>
+                                  </p:stCondLst>
+                                  <p:childTnLst>
+                                    <p:set>
+                                      <p:cBhvr>
+                                        <p:cTn id="14" dur="1" fill="hold">
+                                          <p:stCondLst>
+                                            <p:cond delay="0"/>
+                                          </p:stCondLst>
+                                        </p:cTn>
+                                        <p:tgtEl>
+                                          <p:spTgt spid="3">
+                                            <p:txEl>
+                                              <p:pRg st="4" end="4"/>
+                                            </p:txEl>
+                                          </p:spTgt>
+                                        </p:tgtEl>
+                                        <p:attrNameLst>
+                                          <p:attrName>style.visibility</p:attrName>
+                                        </p:attrNameLst>
+                                      </p:cBhvr>
+                                      <p:to>
+                                        <p:strVal val="visible"/>
+                                      </p:to>
+                                    </p:set>
+                                  </p:childTnLst>
+                                </p:cTn>
+                              </p:par>
+                            </p:childTnLst>
+                          </p:cTn>
+                        </p:par>
+                      </p:childTnLst>
+                    </p:cTn>
+                  </p:par>
+                </p:childTnLst>
+              </p:cTn>
+              <p:prevCondLst>
+                <p:cond evt="onPrev" delay="0">
+                  <p:tgtEl>
+                    <p:sldTgt/>
+                  </p:tgtEl>
+                </p:cond>
+              </p:prevCondLst>
+              <p:nextCondLst>
+                <p:cond evt="onNext" delay="0">
+                  <p:tgtEl>
+                    <p:sldTgt/>
+                  </p:tgtEl>
+                </p:cond>
+              </p:nextCondLst>
+            </p:seq>
+          </p:childTnLst>
+        </p:cTn>
+      </p:par>
+    </p:tnLst>
+    <p:bldLst>
+      <p:bldP spid="3" grpId="0" build="p"/>
+    </p:bldLst>
+  </p:timing>
 </p:sld>
 </file>
 
@@ -4752,6 +4956,15 @@
           <a:p>
             <a:pPr lvl="1"/>
             <a:r>
+              <a:rPr lang="pt-BR" sz="1600" b="1" dirty="0">
+                <a:solidFill>
+                  <a:schemeClr val="bg1"/>
+                </a:solidFill>
+                <a:latin typeface="Avenir Next Condensed" panose="020B0506020202020204" pitchFamily="34" charset="0"/>
+              </a:rPr>
+              <a:t>Criando Ambientes de Desenvolvimento com </a:t>
+            </a:r>
+            <a:r>
               <a:rPr lang="pt-BR" sz="1600" b="1" dirty="0" err="1">
                 <a:solidFill>
                   <a:schemeClr val="bg1"/>
@@ -4767,7 +4980,7 @@
                 </a:solidFill>
                 <a:latin typeface="Avenir Next Condensed" panose="020B0506020202020204" pitchFamily="34" charset="0"/>
               </a:rPr>
-              <a:t>: Montando um ambiente de desenvolvimento | Prof. Me Fernando Salles Claro</a:t>
+              <a:t> | Prof. Me Fernando Salles Claro</a:t>
             </a:r>
           </a:p>
         </p:txBody>
@@ -4966,6 +5179,284 @@
   <p:clrMapOvr>
     <a:masterClrMapping/>
   </p:clrMapOvr>
+  <p:timing>
+    <p:tnLst>
+      <p:par>
+        <p:cTn id="1" dur="indefinite" restart="never" nodeType="tmRoot">
+          <p:childTnLst>
+            <p:seq concurrent="1" nextAc="seek">
+              <p:cTn id="2" dur="indefinite" nodeType="mainSeq">
+                <p:childTnLst>
+                  <p:par>
+                    <p:cTn id="3" fill="hold">
+                      <p:stCondLst>
+                        <p:cond delay="indefinite"/>
+                      </p:stCondLst>
+                      <p:childTnLst>
+                        <p:par>
+                          <p:cTn id="4" fill="hold">
+                            <p:stCondLst>
+                              <p:cond delay="0"/>
+                            </p:stCondLst>
+                            <p:childTnLst>
+                              <p:par>
+                                <p:cTn id="5" presetID="1" presetClass="entr" presetSubtype="0" fill="hold" grpId="0" nodeType="clickEffect">
+                                  <p:stCondLst>
+                                    <p:cond delay="0"/>
+                                  </p:stCondLst>
+                                  <p:childTnLst>
+                                    <p:set>
+                                      <p:cBhvr>
+                                        <p:cTn id="6" dur="1" fill="hold">
+                                          <p:stCondLst>
+                                            <p:cond delay="0"/>
+                                          </p:stCondLst>
+                                        </p:cTn>
+                                        <p:tgtEl>
+                                          <p:spTgt spid="3">
+                                            <p:txEl>
+                                              <p:pRg st="0" end="0"/>
+                                            </p:txEl>
+                                          </p:spTgt>
+                                        </p:tgtEl>
+                                        <p:attrNameLst>
+                                          <p:attrName>style.visibility</p:attrName>
+                                        </p:attrNameLst>
+                                      </p:cBhvr>
+                                      <p:to>
+                                        <p:strVal val="visible"/>
+                                      </p:to>
+                                    </p:set>
+                                  </p:childTnLst>
+                                </p:cTn>
+                              </p:par>
+                            </p:childTnLst>
+                          </p:cTn>
+                        </p:par>
+                      </p:childTnLst>
+                    </p:cTn>
+                  </p:par>
+                  <p:par>
+                    <p:cTn id="7" fill="hold">
+                      <p:stCondLst>
+                        <p:cond delay="indefinite"/>
+                      </p:stCondLst>
+                      <p:childTnLst>
+                        <p:par>
+                          <p:cTn id="8" fill="hold">
+                            <p:stCondLst>
+                              <p:cond delay="0"/>
+                            </p:stCondLst>
+                            <p:childTnLst>
+                              <p:par>
+                                <p:cTn id="9" presetID="1" presetClass="entr" presetSubtype="0" fill="hold" grpId="0" nodeType="clickEffect">
+                                  <p:stCondLst>
+                                    <p:cond delay="0"/>
+                                  </p:stCondLst>
+                                  <p:childTnLst>
+                                    <p:set>
+                                      <p:cBhvr>
+                                        <p:cTn id="10" dur="1" fill="hold">
+                                          <p:stCondLst>
+                                            <p:cond delay="0"/>
+                                          </p:stCondLst>
+                                        </p:cTn>
+                                        <p:tgtEl>
+                                          <p:spTgt spid="3">
+                                            <p:txEl>
+                                              <p:pRg st="2" end="2"/>
+                                            </p:txEl>
+                                          </p:spTgt>
+                                        </p:tgtEl>
+                                        <p:attrNameLst>
+                                          <p:attrName>style.visibility</p:attrName>
+                                        </p:attrNameLst>
+                                      </p:cBhvr>
+                                      <p:to>
+                                        <p:strVal val="visible"/>
+                                      </p:to>
+                                    </p:set>
+                                  </p:childTnLst>
+                                </p:cTn>
+                              </p:par>
+                            </p:childTnLst>
+                          </p:cTn>
+                        </p:par>
+                      </p:childTnLst>
+                    </p:cTn>
+                  </p:par>
+                  <p:par>
+                    <p:cTn id="11" fill="hold">
+                      <p:stCondLst>
+                        <p:cond delay="indefinite"/>
+                      </p:stCondLst>
+                      <p:childTnLst>
+                        <p:par>
+                          <p:cTn id="12" fill="hold">
+                            <p:stCondLst>
+                              <p:cond delay="0"/>
+                            </p:stCondLst>
+                            <p:childTnLst>
+                              <p:par>
+                                <p:cTn id="13" presetID="1" presetClass="entr" presetSubtype="0" fill="hold" grpId="0" nodeType="clickEffect">
+                                  <p:stCondLst>
+                                    <p:cond delay="0"/>
+                                  </p:stCondLst>
+                                  <p:childTnLst>
+                                    <p:set>
+                                      <p:cBhvr>
+                                        <p:cTn id="14" dur="1" fill="hold">
+                                          <p:stCondLst>
+                                            <p:cond delay="0"/>
+                                          </p:stCondLst>
+                                        </p:cTn>
+                                        <p:tgtEl>
+                                          <p:spTgt spid="3">
+                                            <p:txEl>
+                                              <p:pRg st="3" end="3"/>
+                                            </p:txEl>
+                                          </p:spTgt>
+                                        </p:tgtEl>
+                                        <p:attrNameLst>
+                                          <p:attrName>style.visibility</p:attrName>
+                                        </p:attrNameLst>
+                                      </p:cBhvr>
+                                      <p:to>
+                                        <p:strVal val="visible"/>
+                                      </p:to>
+                                    </p:set>
+                                  </p:childTnLst>
+                                </p:cTn>
+                              </p:par>
+                            </p:childTnLst>
+                          </p:cTn>
+                        </p:par>
+                      </p:childTnLst>
+                    </p:cTn>
+                  </p:par>
+                  <p:par>
+                    <p:cTn id="15" fill="hold">
+                      <p:stCondLst>
+                        <p:cond delay="indefinite"/>
+                      </p:stCondLst>
+                      <p:childTnLst>
+                        <p:par>
+                          <p:cTn id="16" fill="hold">
+                            <p:stCondLst>
+                              <p:cond delay="0"/>
+                            </p:stCondLst>
+                            <p:childTnLst>
+                              <p:par>
+                                <p:cTn id="17" presetID="1" presetClass="entr" presetSubtype="0" fill="hold" grpId="0" nodeType="clickEffect">
+                                  <p:stCondLst>
+                                    <p:cond delay="0"/>
+                                  </p:stCondLst>
+                                  <p:childTnLst>
+                                    <p:set>
+                                      <p:cBhvr>
+                                        <p:cTn id="18" dur="1" fill="hold">
+                                          <p:stCondLst>
+                                            <p:cond delay="0"/>
+                                          </p:stCondLst>
+                                        </p:cTn>
+                                        <p:tgtEl>
+                                          <p:spTgt spid="3">
+                                            <p:txEl>
+                                              <p:pRg st="4" end="4"/>
+                                            </p:txEl>
+                                          </p:spTgt>
+                                        </p:tgtEl>
+                                        <p:attrNameLst>
+                                          <p:attrName>style.visibility</p:attrName>
+                                        </p:attrNameLst>
+                                      </p:cBhvr>
+                                      <p:to>
+                                        <p:strVal val="visible"/>
+                                      </p:to>
+                                    </p:set>
+                                  </p:childTnLst>
+                                </p:cTn>
+                              </p:par>
+                            </p:childTnLst>
+                          </p:cTn>
+                        </p:par>
+                      </p:childTnLst>
+                    </p:cTn>
+                  </p:par>
+                  <p:par>
+                    <p:cTn id="19" fill="hold">
+                      <p:stCondLst>
+                        <p:cond delay="indefinite"/>
+                      </p:stCondLst>
+                      <p:childTnLst>
+                        <p:par>
+                          <p:cTn id="20" fill="hold">
+                            <p:stCondLst>
+                              <p:cond delay="0"/>
+                            </p:stCondLst>
+                            <p:childTnLst>
+                              <p:par>
+                                <p:cTn id="21" presetID="1" presetClass="entr" presetSubtype="0" fill="hold" grpId="0" nodeType="clickEffect">
+                                  <p:stCondLst>
+                                    <p:cond delay="0"/>
+                                  </p:stCondLst>
+                                  <p:childTnLst>
+                                    <p:set>
+                                      <p:cBhvr>
+                                        <p:cTn id="22" dur="1" fill="hold">
+                                          <p:stCondLst>
+                                            <p:cond delay="0"/>
+                                          </p:stCondLst>
+                                        </p:cTn>
+                                        <p:tgtEl>
+                                          <p:spTgt spid="3">
+                                            <p:txEl>
+                                              <p:pRg st="5" end="5"/>
+                                            </p:txEl>
+                                          </p:spTgt>
+                                        </p:tgtEl>
+                                        <p:attrNameLst>
+                                          <p:attrName>style.visibility</p:attrName>
+                                        </p:attrNameLst>
+                                      </p:cBhvr>
+                                      <p:to>
+                                        <p:strVal val="visible"/>
+                                      </p:to>
+                                    </p:set>
+                                  </p:childTnLst>
+                                </p:cTn>
+                              </p:par>
+                            </p:childTnLst>
+                          </p:cTn>
+                        </p:par>
+                      </p:childTnLst>
+                    </p:cTn>
+                  </p:par>
+                </p:childTnLst>
+              </p:cTn>
+              <p:prevCondLst>
+                <p:cond evt="onPrev" delay="0">
+                  <p:tgtEl>
+                    <p:sldTgt/>
+                  </p:tgtEl>
+                </p:cond>
+              </p:prevCondLst>
+              <p:nextCondLst>
+                <p:cond evt="onNext" delay="0">
+                  <p:tgtEl>
+                    <p:sldTgt/>
+                  </p:tgtEl>
+                </p:cond>
+              </p:nextCondLst>
+            </p:seq>
+          </p:childTnLst>
+        </p:cTn>
+      </p:par>
+    </p:tnLst>
+    <p:bldLst>
+      <p:bldP spid="3" grpId="0" uiExpand="1" build="p"/>
+    </p:bldLst>
+  </p:timing>
 </p:sld>
 </file>
 
@@ -5226,6 +5717,15 @@
           <a:p>
             <a:pPr lvl="1"/>
             <a:r>
+              <a:rPr lang="pt-BR" sz="1600" b="1" dirty="0">
+                <a:solidFill>
+                  <a:schemeClr val="bg1"/>
+                </a:solidFill>
+                <a:latin typeface="Avenir Next Condensed" panose="020B0506020202020204" pitchFamily="34" charset="0"/>
+              </a:rPr>
+              <a:t>Criando Ambientes de Desenvolvimento com </a:t>
+            </a:r>
+            <a:r>
               <a:rPr lang="pt-BR" sz="1600" b="1" dirty="0" err="1">
                 <a:solidFill>
                   <a:schemeClr val="bg1"/>
@@ -5241,7 +5741,7 @@
                 </a:solidFill>
                 <a:latin typeface="Avenir Next Condensed" panose="020B0506020202020204" pitchFamily="34" charset="0"/>
               </a:rPr>
-              <a:t>: Montando um ambiente de desenvolvimento | Prof. Me Fernando Salles Claro</a:t>
+              <a:t> | Prof. Me Fernando Salles Claro</a:t>
             </a:r>
           </a:p>
         </p:txBody>
@@ -5730,6 +6230,15 @@
           <a:p>
             <a:pPr lvl="1"/>
             <a:r>
+              <a:rPr lang="pt-BR" sz="1600" b="1" dirty="0">
+                <a:solidFill>
+                  <a:schemeClr val="bg1"/>
+                </a:solidFill>
+                <a:latin typeface="Avenir Next Condensed" panose="020B0506020202020204" pitchFamily="34" charset="0"/>
+              </a:rPr>
+              <a:t>Criando Ambientes de Desenvolvimento com </a:t>
+            </a:r>
+            <a:r>
               <a:rPr lang="pt-BR" sz="1600" b="1" dirty="0" err="1">
                 <a:solidFill>
                   <a:schemeClr val="bg1"/>
@@ -5745,7 +6254,7 @@
                 </a:solidFill>
                 <a:latin typeface="Avenir Next Condensed" panose="020B0506020202020204" pitchFamily="34" charset="0"/>
               </a:rPr>
-              <a:t>: Montando um ambiente de desenvolvimento | Prof. Me Fernando Salles Claro</a:t>
+              <a:t> | Prof. Me Fernando Salles Claro</a:t>
             </a:r>
           </a:p>
         </p:txBody>
@@ -6278,6 +6787,15 @@
           <a:p>
             <a:pPr lvl="1"/>
             <a:r>
+              <a:rPr lang="pt-BR" sz="1600" b="1" dirty="0">
+                <a:solidFill>
+                  <a:schemeClr val="bg1"/>
+                </a:solidFill>
+                <a:latin typeface="Avenir Next Condensed" panose="020B0506020202020204" pitchFamily="34" charset="0"/>
+              </a:rPr>
+              <a:t>Criando Ambientes de Desenvolvimento com </a:t>
+            </a:r>
+            <a:r>
               <a:rPr lang="pt-BR" sz="1600" b="1" dirty="0" err="1">
                 <a:solidFill>
                   <a:schemeClr val="bg1"/>
@@ -6293,7 +6811,7 @@
                 </a:solidFill>
                 <a:latin typeface="Avenir Next Condensed" panose="020B0506020202020204" pitchFamily="34" charset="0"/>
               </a:rPr>
-              <a:t>: Montando um ambiente de desenvolvimento | Prof. Me Fernando Salles Claro</a:t>
+              <a:t> | Prof. Me Fernando Salles Claro</a:t>
             </a:r>
           </a:p>
         </p:txBody>
@@ -6482,244 +7000,286 @@
           </a:effectLst>
         </p:spPr>
       </p:pic>
-      <p:pic>
-        <p:nvPicPr>
-          <p:cNvPr id="6" name="Imagem 5">
+      <p:grpSp>
+        <p:nvGrpSpPr>
+          <p:cNvPr id="9" name="Agrupar 8">
             <a:extLst>
               <a:ext uri="{FF2B5EF4-FFF2-40B4-BE49-F238E27FC236}">
-                <a16:creationId xmlns:a16="http://schemas.microsoft.com/office/drawing/2014/main" id="{1D791378-11E7-9046-8CD9-155E21986076}"/>
+                <a16:creationId xmlns:a16="http://schemas.microsoft.com/office/drawing/2014/main" id="{E6EC7C8B-EC28-134B-8155-9F5D04E50ED5}"/>
               </a:ext>
             </a:extLst>
           </p:cNvPr>
-          <p:cNvPicPr>
-            <a:picLocks noChangeAspect="1"/>
-          </p:cNvPicPr>
+          <p:cNvGrpSpPr/>
           <p:nvPr/>
-        </p:nvPicPr>
-        <p:blipFill>
-          <a:blip r:embed="rId3"/>
-          <a:stretch>
-            <a:fillRect/>
-          </a:stretch>
-        </p:blipFill>
-        <p:spPr>
+        </p:nvGrpSpPr>
+        <p:grpSpPr>
           <a:xfrm>
-            <a:off x="502366" y="1495927"/>
-            <a:ext cx="4071682" cy="4442747"/>
+            <a:off x="325289" y="1256881"/>
+            <a:ext cx="4248759" cy="4681793"/>
+            <a:chOff x="325289" y="1256881"/>
+            <a:chExt cx="4248759" cy="4681793"/>
           </a:xfrm>
-          <a:prstGeom prst="rect">
-            <a:avLst/>
-          </a:prstGeom>
-        </p:spPr>
-      </p:pic>
-      <p:pic>
-        <p:nvPicPr>
-          <p:cNvPr id="13" name="Imagem 12">
+        </p:grpSpPr>
+        <p:pic>
+          <p:nvPicPr>
+            <p:cNvPr id="6" name="Imagem 5">
+              <a:extLst>
+                <a:ext uri="{FF2B5EF4-FFF2-40B4-BE49-F238E27FC236}">
+                  <a16:creationId xmlns:a16="http://schemas.microsoft.com/office/drawing/2014/main" id="{1D791378-11E7-9046-8CD9-155E21986076}"/>
+                </a:ext>
+              </a:extLst>
+            </p:cNvPr>
+            <p:cNvPicPr>
+              <a:picLocks noChangeAspect="1"/>
+            </p:cNvPicPr>
+            <p:nvPr/>
+          </p:nvPicPr>
+          <p:blipFill>
+            <a:blip r:embed="rId3"/>
+            <a:stretch>
+              <a:fillRect/>
+            </a:stretch>
+          </p:blipFill>
+          <p:spPr>
+            <a:xfrm>
+              <a:off x="502366" y="1495927"/>
+              <a:ext cx="4071682" cy="4442747"/>
+            </a:xfrm>
+            <a:prstGeom prst="rect">
+              <a:avLst/>
+            </a:prstGeom>
+          </p:spPr>
+        </p:pic>
+        <p:pic>
+          <p:nvPicPr>
+            <p:cNvPr id="15" name="Gráfico 14" descr="Dedo Indicador Apontando para a Direita ">
+              <a:extLst>
+                <a:ext uri="{FF2B5EF4-FFF2-40B4-BE49-F238E27FC236}">
+                  <a16:creationId xmlns:a16="http://schemas.microsoft.com/office/drawing/2014/main" id="{BBDAD563-A8D8-3046-945D-5F2061BFD42E}"/>
+                </a:ext>
+              </a:extLst>
+            </p:cNvPr>
+            <p:cNvPicPr>
+              <a:picLocks noChangeAspect="1"/>
+            </p:cNvPicPr>
+            <p:nvPr/>
+          </p:nvPicPr>
+          <p:blipFill>
+            <a:blip r:embed="rId4">
+              <a:extLst>
+                <a:ext uri="{96DAC541-7B7A-43D3-8B79-37D633B846F1}">
+                  <asvg:svgBlip xmlns:asvg="http://schemas.microsoft.com/office/drawing/2016/SVG/main" r:embed="rId5"/>
+                </a:ext>
+              </a:extLst>
+            </a:blip>
+            <a:stretch>
+              <a:fillRect/>
+            </a:stretch>
+          </p:blipFill>
+          <p:spPr>
+            <a:xfrm rot="20655600" flipH="1">
+              <a:off x="3497078" y="2971799"/>
+              <a:ext cx="849349" cy="914400"/>
+            </a:xfrm>
+            <a:prstGeom prst="rect">
+              <a:avLst/>
+            </a:prstGeom>
+          </p:spPr>
+        </p:pic>
+        <p:sp>
+          <p:nvSpPr>
+            <p:cNvPr id="17" name="Oval 16">
+              <a:extLst>
+                <a:ext uri="{FF2B5EF4-FFF2-40B4-BE49-F238E27FC236}">
+                  <a16:creationId xmlns:a16="http://schemas.microsoft.com/office/drawing/2014/main" id="{38B801D2-3FE5-1E4E-AABA-14680740D5D3}"/>
+                </a:ext>
+              </a:extLst>
+            </p:cNvPr>
+            <p:cNvSpPr/>
+            <p:nvPr/>
+          </p:nvSpPr>
+          <p:spPr>
+            <a:xfrm>
+              <a:off x="325289" y="1256881"/>
+              <a:ext cx="595155" cy="595155"/>
+            </a:xfrm>
+            <a:prstGeom prst="ellipse">
+              <a:avLst/>
+            </a:prstGeom>
+            <a:solidFill>
+              <a:srgbClr val="FF0000"/>
+            </a:solidFill>
+          </p:spPr>
+          <p:style>
+            <a:lnRef idx="2">
+              <a:schemeClr val="accent1">
+                <a:shade val="50000"/>
+              </a:schemeClr>
+            </a:lnRef>
+            <a:fillRef idx="1">
+              <a:schemeClr val="accent1"/>
+            </a:fillRef>
+            <a:effectRef idx="0">
+              <a:schemeClr val="accent1"/>
+            </a:effectRef>
+            <a:fontRef idx="minor">
+              <a:schemeClr val="lt1"/>
+            </a:fontRef>
+          </p:style>
+          <p:txBody>
+            <a:bodyPr rtlCol="0" anchor="ctr"/>
+            <a:lstStyle/>
+            <a:p>
+              <a:pPr algn="ctr"/>
+              <a:r>
+                <a:rPr lang="pt-BR" sz="2800" b="1" dirty="0"/>
+                <a:t>1</a:t>
+              </a:r>
+              <a:endParaRPr lang="pt-BR" b="1" dirty="0"/>
+            </a:p>
+          </p:txBody>
+        </p:sp>
+      </p:grpSp>
+      <p:grpSp>
+        <p:nvGrpSpPr>
+          <p:cNvPr id="5" name="Agrupar 4">
             <a:extLst>
               <a:ext uri="{FF2B5EF4-FFF2-40B4-BE49-F238E27FC236}">
-                <a16:creationId xmlns:a16="http://schemas.microsoft.com/office/drawing/2014/main" id="{CB20D7CF-568A-A84B-BB4B-EDF133D1EA27}"/>
+                <a16:creationId xmlns:a16="http://schemas.microsoft.com/office/drawing/2014/main" id="{BC48BA70-FFBB-9441-888F-3969D5C03C51}"/>
               </a:ext>
             </a:extLst>
           </p:cNvPr>
-          <p:cNvPicPr>
-            <a:picLocks noChangeAspect="1"/>
-          </p:cNvPicPr>
+          <p:cNvGrpSpPr/>
           <p:nvPr/>
-        </p:nvPicPr>
-        <p:blipFill>
-          <a:blip r:embed="rId4"/>
-          <a:stretch>
-            <a:fillRect/>
-          </a:stretch>
-        </p:blipFill>
-        <p:spPr>
+        </p:nvGrpSpPr>
+        <p:grpSpPr>
           <a:xfrm>
             <a:off x="5400561" y="1852036"/>
             <a:ext cx="6466150" cy="3520358"/>
+            <a:chOff x="5400561" y="1852036"/>
+            <a:chExt cx="6466150" cy="3520358"/>
           </a:xfrm>
-          <a:prstGeom prst="rect">
-            <a:avLst/>
-          </a:prstGeom>
-        </p:spPr>
-      </p:pic>
-      <p:pic>
-        <p:nvPicPr>
-          <p:cNvPr id="15" name="Gráfico 14" descr="Dedo Indicador Apontando para a Direita ">
-            <a:extLst>
-              <a:ext uri="{FF2B5EF4-FFF2-40B4-BE49-F238E27FC236}">
-                <a16:creationId xmlns:a16="http://schemas.microsoft.com/office/drawing/2014/main" id="{BBDAD563-A8D8-3046-945D-5F2061BFD42E}"/>
-              </a:ext>
-            </a:extLst>
-          </p:cNvPr>
-          <p:cNvPicPr>
-            <a:picLocks noChangeAspect="1"/>
-          </p:cNvPicPr>
-          <p:nvPr/>
-        </p:nvPicPr>
-        <p:blipFill>
-          <a:blip r:embed="rId5">
-            <a:extLst>
-              <a:ext uri="{96DAC541-7B7A-43D3-8B79-37D633B846F1}">
-                <asvg:svgBlip xmlns:asvg="http://schemas.microsoft.com/office/drawing/2016/SVG/main" r:embed="rId6"/>
-              </a:ext>
-            </a:extLst>
-          </a:blip>
-          <a:stretch>
-            <a:fillRect/>
-          </a:stretch>
-        </p:blipFill>
-        <p:spPr>
-          <a:xfrm rot="20655600" flipH="1">
-            <a:off x="3497078" y="2971799"/>
-            <a:ext cx="849349" cy="914400"/>
-          </a:xfrm>
-          <a:prstGeom prst="rect">
-            <a:avLst/>
-          </a:prstGeom>
-        </p:spPr>
-      </p:pic>
-      <p:pic>
-        <p:nvPicPr>
-          <p:cNvPr id="16" name="Gráfico 15" descr="Dedo Indicador Apontando para a Direita ">
-            <a:extLst>
-              <a:ext uri="{FF2B5EF4-FFF2-40B4-BE49-F238E27FC236}">
-                <a16:creationId xmlns:a16="http://schemas.microsoft.com/office/drawing/2014/main" id="{A2D52C35-288C-DA4D-A3A1-0CF6F5D5021E}"/>
-              </a:ext>
-            </a:extLst>
-          </p:cNvPr>
-          <p:cNvPicPr>
-            <a:picLocks noChangeAspect="1"/>
-          </p:cNvPicPr>
-          <p:nvPr/>
-        </p:nvPicPr>
-        <p:blipFill>
-          <a:blip r:embed="rId5">
-            <a:extLst>
-              <a:ext uri="{96DAC541-7B7A-43D3-8B79-37D633B846F1}">
-                <asvg:svgBlip xmlns:asvg="http://schemas.microsoft.com/office/drawing/2016/SVG/main" r:embed="rId6"/>
-              </a:ext>
-            </a:extLst>
-          </a:blip>
-          <a:stretch>
-            <a:fillRect/>
-          </a:stretch>
-        </p:blipFill>
-        <p:spPr>
-          <a:xfrm rot="19206612" flipH="1">
-            <a:off x="10302109" y="3778165"/>
-            <a:ext cx="849349" cy="914400"/>
-          </a:xfrm>
-          <a:prstGeom prst="rect">
-            <a:avLst/>
-          </a:prstGeom>
-        </p:spPr>
-      </p:pic>
-      <p:sp>
-        <p:nvSpPr>
-          <p:cNvPr id="17" name="Oval 16">
-            <a:extLst>
-              <a:ext uri="{FF2B5EF4-FFF2-40B4-BE49-F238E27FC236}">
-                <a16:creationId xmlns:a16="http://schemas.microsoft.com/office/drawing/2014/main" id="{38B801D2-3FE5-1E4E-AABA-14680740D5D3}"/>
-              </a:ext>
-            </a:extLst>
-          </p:cNvPr>
-          <p:cNvSpPr/>
-          <p:nvPr/>
-        </p:nvSpPr>
-        <p:spPr>
-          <a:xfrm>
-            <a:off x="325289" y="1256881"/>
-            <a:ext cx="595155" cy="595155"/>
-          </a:xfrm>
-          <a:prstGeom prst="ellipse">
-            <a:avLst/>
-          </a:prstGeom>
-          <a:solidFill>
-            <a:srgbClr val="FF0000"/>
-          </a:solidFill>
-        </p:spPr>
-        <p:style>
-          <a:lnRef idx="2">
-            <a:schemeClr val="accent1">
-              <a:shade val="50000"/>
-            </a:schemeClr>
-          </a:lnRef>
-          <a:fillRef idx="1">
-            <a:schemeClr val="accent1"/>
-          </a:fillRef>
-          <a:effectRef idx="0">
-            <a:schemeClr val="accent1"/>
-          </a:effectRef>
-          <a:fontRef idx="minor">
-            <a:schemeClr val="lt1"/>
-          </a:fontRef>
-        </p:style>
-        <p:txBody>
-          <a:bodyPr rtlCol="0" anchor="ctr"/>
-          <a:lstStyle/>
-          <a:p>
-            <a:pPr algn="ctr"/>
-            <a:r>
-              <a:rPr lang="pt-BR" sz="2800" b="1" dirty="0"/>
-              <a:t>1</a:t>
-            </a:r>
-            <a:endParaRPr lang="pt-BR" b="1" dirty="0"/>
-          </a:p>
-        </p:txBody>
-      </p:sp>
-      <p:sp>
-        <p:nvSpPr>
-          <p:cNvPr id="18" name="Oval 17">
-            <a:extLst>
-              <a:ext uri="{FF2B5EF4-FFF2-40B4-BE49-F238E27FC236}">
-                <a16:creationId xmlns:a16="http://schemas.microsoft.com/office/drawing/2014/main" id="{82D866D1-E7B0-C641-81C8-E92FDAE3539B}"/>
-              </a:ext>
-            </a:extLst>
-          </p:cNvPr>
-          <p:cNvSpPr/>
-          <p:nvPr/>
-        </p:nvSpPr>
-        <p:spPr>
-          <a:xfrm>
-            <a:off x="6096000" y="1871388"/>
-            <a:ext cx="595155" cy="595155"/>
-          </a:xfrm>
-          <a:prstGeom prst="ellipse">
-            <a:avLst/>
-          </a:prstGeom>
-          <a:solidFill>
-            <a:srgbClr val="FF0000"/>
-          </a:solidFill>
-        </p:spPr>
-        <p:style>
-          <a:lnRef idx="2">
-            <a:schemeClr val="accent1">
-              <a:shade val="50000"/>
-            </a:schemeClr>
-          </a:lnRef>
-          <a:fillRef idx="1">
-            <a:schemeClr val="accent1"/>
-          </a:fillRef>
-          <a:effectRef idx="0">
-            <a:schemeClr val="accent1"/>
-          </a:effectRef>
-          <a:fontRef idx="minor">
-            <a:schemeClr val="lt1"/>
-          </a:fontRef>
-        </p:style>
-        <p:txBody>
-          <a:bodyPr rtlCol="0" anchor="ctr"/>
-          <a:lstStyle/>
-          <a:p>
-            <a:pPr algn="ctr"/>
-            <a:r>
-              <a:rPr lang="pt-BR" sz="2800" b="1" dirty="0"/>
-              <a:t>2</a:t>
-            </a:r>
-            <a:endParaRPr lang="pt-BR" b="1" dirty="0"/>
-          </a:p>
-        </p:txBody>
-      </p:sp>
+        </p:grpSpPr>
+        <p:pic>
+          <p:nvPicPr>
+            <p:cNvPr id="13" name="Imagem 12">
+              <a:extLst>
+                <a:ext uri="{FF2B5EF4-FFF2-40B4-BE49-F238E27FC236}">
+                  <a16:creationId xmlns:a16="http://schemas.microsoft.com/office/drawing/2014/main" id="{CB20D7CF-568A-A84B-BB4B-EDF133D1EA27}"/>
+                </a:ext>
+              </a:extLst>
+            </p:cNvPr>
+            <p:cNvPicPr>
+              <a:picLocks noChangeAspect="1"/>
+            </p:cNvPicPr>
+            <p:nvPr/>
+          </p:nvPicPr>
+          <p:blipFill>
+            <a:blip r:embed="rId6"/>
+            <a:stretch>
+              <a:fillRect/>
+            </a:stretch>
+          </p:blipFill>
+          <p:spPr>
+            <a:xfrm>
+              <a:off x="5400561" y="1852036"/>
+              <a:ext cx="6466150" cy="3520358"/>
+            </a:xfrm>
+            <a:prstGeom prst="rect">
+              <a:avLst/>
+            </a:prstGeom>
+          </p:spPr>
+        </p:pic>
+        <p:pic>
+          <p:nvPicPr>
+            <p:cNvPr id="16" name="Gráfico 15" descr="Dedo Indicador Apontando para a Direita ">
+              <a:extLst>
+                <a:ext uri="{FF2B5EF4-FFF2-40B4-BE49-F238E27FC236}">
+                  <a16:creationId xmlns:a16="http://schemas.microsoft.com/office/drawing/2014/main" id="{A2D52C35-288C-DA4D-A3A1-0CF6F5D5021E}"/>
+                </a:ext>
+              </a:extLst>
+            </p:cNvPr>
+            <p:cNvPicPr>
+              <a:picLocks noChangeAspect="1"/>
+            </p:cNvPicPr>
+            <p:nvPr/>
+          </p:nvPicPr>
+          <p:blipFill>
+            <a:blip r:embed="rId4">
+              <a:extLst>
+                <a:ext uri="{96DAC541-7B7A-43D3-8B79-37D633B846F1}">
+                  <asvg:svgBlip xmlns:asvg="http://schemas.microsoft.com/office/drawing/2016/SVG/main" r:embed="rId5"/>
+                </a:ext>
+              </a:extLst>
+            </a:blip>
+            <a:stretch>
+              <a:fillRect/>
+            </a:stretch>
+          </p:blipFill>
+          <p:spPr>
+            <a:xfrm rot="19206612" flipH="1">
+              <a:off x="10302109" y="3778165"/>
+              <a:ext cx="849349" cy="914400"/>
+            </a:xfrm>
+            <a:prstGeom prst="rect">
+              <a:avLst/>
+            </a:prstGeom>
+          </p:spPr>
+        </p:pic>
+        <p:sp>
+          <p:nvSpPr>
+            <p:cNvPr id="18" name="Oval 17">
+              <a:extLst>
+                <a:ext uri="{FF2B5EF4-FFF2-40B4-BE49-F238E27FC236}">
+                  <a16:creationId xmlns:a16="http://schemas.microsoft.com/office/drawing/2014/main" id="{82D866D1-E7B0-C641-81C8-E92FDAE3539B}"/>
+                </a:ext>
+              </a:extLst>
+            </p:cNvPr>
+            <p:cNvSpPr/>
+            <p:nvPr/>
+          </p:nvSpPr>
+          <p:spPr>
+            <a:xfrm>
+              <a:off x="6096000" y="1871388"/>
+              <a:ext cx="595155" cy="595155"/>
+            </a:xfrm>
+            <a:prstGeom prst="ellipse">
+              <a:avLst/>
+            </a:prstGeom>
+            <a:solidFill>
+              <a:srgbClr val="FF0000"/>
+            </a:solidFill>
+          </p:spPr>
+          <p:style>
+            <a:lnRef idx="2">
+              <a:schemeClr val="accent1">
+                <a:shade val="50000"/>
+              </a:schemeClr>
+            </a:lnRef>
+            <a:fillRef idx="1">
+              <a:schemeClr val="accent1"/>
+            </a:fillRef>
+            <a:effectRef idx="0">
+              <a:schemeClr val="accent1"/>
+            </a:effectRef>
+            <a:fontRef idx="minor">
+              <a:schemeClr val="lt1"/>
+            </a:fontRef>
+          </p:style>
+          <p:txBody>
+            <a:bodyPr rtlCol="0" anchor="ctr"/>
+            <a:lstStyle/>
+            <a:p>
+              <a:pPr algn="ctr"/>
+              <a:r>
+                <a:rPr lang="pt-BR" sz="2800" b="1" dirty="0"/>
+                <a:t>2</a:t>
+              </a:r>
+              <a:endParaRPr lang="pt-BR" b="1" dirty="0"/>
+            </a:p>
+          </p:txBody>
+        </p:sp>
+      </p:grpSp>
     </p:spTree>
     <p:extLst>
       <p:ext uri="{BB962C8B-B14F-4D97-AF65-F5344CB8AC3E}">
@@ -6730,6 +7290,126 @@
   <p:clrMapOvr>
     <a:masterClrMapping/>
   </p:clrMapOvr>
+  <p:timing>
+    <p:tnLst>
+      <p:par>
+        <p:cTn id="1" dur="indefinite" restart="never" nodeType="tmRoot">
+          <p:childTnLst>
+            <p:seq concurrent="1" nextAc="seek">
+              <p:cTn id="2" dur="indefinite" nodeType="mainSeq">
+                <p:childTnLst>
+                  <p:par>
+                    <p:cTn id="3" fill="hold">
+                      <p:stCondLst>
+                        <p:cond delay="indefinite"/>
+                      </p:stCondLst>
+                      <p:childTnLst>
+                        <p:par>
+                          <p:cTn id="4" fill="hold">
+                            <p:stCondLst>
+                              <p:cond delay="0"/>
+                            </p:stCondLst>
+                            <p:childTnLst>
+                              <p:par>
+                                <p:cTn id="5" presetID="1" presetClass="entr" presetSubtype="0" fill="hold" nodeType="clickEffect">
+                                  <p:stCondLst>
+                                    <p:cond delay="0"/>
+                                  </p:stCondLst>
+                                  <p:childTnLst>
+                                    <p:set>
+                                      <p:cBhvr>
+                                        <p:cTn id="6" dur="1" fill="hold">
+                                          <p:stCondLst>
+                                            <p:cond delay="0"/>
+                                          </p:stCondLst>
+                                        </p:cTn>
+                                        <p:tgtEl>
+                                          <p:spTgt spid="9"/>
+                                        </p:tgtEl>
+                                        <p:attrNameLst>
+                                          <p:attrName>style.visibility</p:attrName>
+                                        </p:attrNameLst>
+                                      </p:cBhvr>
+                                      <p:to>
+                                        <p:strVal val="visible"/>
+                                      </p:to>
+                                    </p:set>
+                                  </p:childTnLst>
+                                </p:cTn>
+                              </p:par>
+                            </p:childTnLst>
+                          </p:cTn>
+                        </p:par>
+                      </p:childTnLst>
+                    </p:cTn>
+                  </p:par>
+                  <p:par>
+                    <p:cTn id="7" fill="hold">
+                      <p:stCondLst>
+                        <p:cond delay="indefinite"/>
+                      </p:stCondLst>
+                      <p:childTnLst>
+                        <p:par>
+                          <p:cTn id="8" fill="hold">
+                            <p:stCondLst>
+                              <p:cond delay="0"/>
+                            </p:stCondLst>
+                            <p:childTnLst>
+                              <p:par>
+                                <p:cTn id="9" presetID="1" presetClass="entr" presetSubtype="0" fill="hold" nodeType="clickEffect">
+                                  <p:stCondLst>
+                                    <p:cond delay="0"/>
+                                  </p:stCondLst>
+                                  <p:childTnLst>
+                                    <p:set>
+                                      <p:cBhvr>
+                                        <p:cTn id="10" dur="1" fill="hold">
+                                          <p:stCondLst>
+                                            <p:cond delay="0"/>
+                                          </p:stCondLst>
+                                        </p:cTn>
+                                        <p:tgtEl>
+                                          <p:spTgt spid="5"/>
+                                        </p:tgtEl>
+                                        <p:attrNameLst>
+                                          <p:attrName>style.visibility</p:attrName>
+                                        </p:attrNameLst>
+                                      </p:cBhvr>
+                                      <p:to>
+                                        <p:strVal val="visible"/>
+                                      </p:to>
+                                    </p:set>
+                                  </p:childTnLst>
+                                </p:cTn>
+                              </p:par>
+                            </p:childTnLst>
+                          </p:cTn>
+                        </p:par>
+                      </p:childTnLst>
+                    </p:cTn>
+                  </p:par>
+                </p:childTnLst>
+              </p:cTn>
+              <p:prevCondLst>
+                <p:cond evt="onPrev" delay="0">
+                  <p:tgtEl>
+                    <p:sldTgt/>
+                  </p:tgtEl>
+                </p:cond>
+              </p:prevCondLst>
+              <p:nextCondLst>
+                <p:cond evt="onNext" delay="0">
+                  <p:tgtEl>
+                    <p:sldTgt/>
+                  </p:tgtEl>
+                </p:cond>
+              </p:nextCondLst>
+            </p:seq>
+          </p:childTnLst>
+        </p:cTn>
+      </p:par>
+    </p:tnLst>
+  </p:timing>
 </p:sld>
 </file>
 
@@ -7020,6 +7700,15 @@
           <a:p>
             <a:pPr lvl="1"/>
             <a:r>
+              <a:rPr lang="pt-BR" sz="1600" b="1" dirty="0">
+                <a:solidFill>
+                  <a:schemeClr val="bg1"/>
+                </a:solidFill>
+                <a:latin typeface="Avenir Next Condensed" panose="020B0506020202020204" pitchFamily="34" charset="0"/>
+              </a:rPr>
+              <a:t>Criando Ambientes de Desenvolvimento com </a:t>
+            </a:r>
+            <a:r>
               <a:rPr lang="pt-BR" sz="1600" b="1" dirty="0" err="1">
                 <a:solidFill>
                   <a:schemeClr val="bg1"/>
@@ -7035,7 +7724,7 @@
                 </a:solidFill>
                 <a:latin typeface="Avenir Next Condensed" panose="020B0506020202020204" pitchFamily="34" charset="0"/>
               </a:rPr>
-              <a:t>: Montando um ambiente de desenvolvimento | Prof. Me Fernando Salles Claro</a:t>
+              <a:t> | Prof. Me Fernando Salles Claro</a:t>
             </a:r>
           </a:p>
         </p:txBody>
@@ -7583,6 +8272,15 @@
           <a:p>
             <a:pPr lvl="1"/>
             <a:r>
+              <a:rPr lang="pt-BR" sz="1600" b="1" dirty="0">
+                <a:solidFill>
+                  <a:schemeClr val="bg1"/>
+                </a:solidFill>
+                <a:latin typeface="Avenir Next Condensed" panose="020B0506020202020204" pitchFamily="34" charset="0"/>
+              </a:rPr>
+              <a:t>Criando Ambientes de Desenvolvimento com </a:t>
+            </a:r>
+            <a:r>
               <a:rPr lang="pt-BR" sz="1600" b="1" dirty="0" err="1">
                 <a:solidFill>
                   <a:schemeClr val="bg1"/>
@@ -7598,7 +8296,7 @@
                 </a:solidFill>
                 <a:latin typeface="Avenir Next Condensed" panose="020B0506020202020204" pitchFamily="34" charset="0"/>
               </a:rPr>
-              <a:t>: Montando um ambiente de desenvolvimento | Prof. Me Fernando Salles Claro</a:t>
+              <a:t> | Prof. Me Fernando Salles Claro</a:t>
             </a:r>
           </a:p>
         </p:txBody>
@@ -8208,6 +8906,15 @@
           <a:p>
             <a:pPr lvl="1"/>
             <a:r>
+              <a:rPr lang="pt-BR" sz="1600" b="1" dirty="0">
+                <a:solidFill>
+                  <a:schemeClr val="bg1"/>
+                </a:solidFill>
+                <a:latin typeface="Avenir Next Condensed" panose="020B0506020202020204" pitchFamily="34" charset="0"/>
+              </a:rPr>
+              <a:t>Criando Ambientes de Desenvolvimento com </a:t>
+            </a:r>
+            <a:r>
               <a:rPr lang="pt-BR" sz="1600" b="1" dirty="0" err="1">
                 <a:solidFill>
                   <a:schemeClr val="bg1"/>
@@ -8223,7 +8930,7 @@
                 </a:solidFill>
                 <a:latin typeface="Avenir Next Condensed" panose="020B0506020202020204" pitchFamily="34" charset="0"/>
               </a:rPr>
-              <a:t>: Montando um ambiente de desenvolvimento | Prof. Me Fernando Salles Claro</a:t>
+              <a:t> | Prof. Me Fernando Salles Claro</a:t>
             </a:r>
           </a:p>
         </p:txBody>
@@ -8903,6 +9610,15 @@
           <a:p>
             <a:pPr lvl="1"/>
             <a:r>
+              <a:rPr lang="pt-BR" sz="1600" b="1" dirty="0">
+                <a:solidFill>
+                  <a:schemeClr val="bg1"/>
+                </a:solidFill>
+                <a:latin typeface="Avenir Next Condensed" panose="020B0506020202020204" pitchFamily="34" charset="0"/>
+              </a:rPr>
+              <a:t>Criando Ambientes de Desenvolvimento com </a:t>
+            </a:r>
+            <a:r>
               <a:rPr lang="pt-BR" sz="1600" b="1" dirty="0" err="1">
                 <a:solidFill>
                   <a:schemeClr val="bg1"/>
@@ -8918,7 +9634,7 @@
                 </a:solidFill>
                 <a:latin typeface="Avenir Next Condensed" panose="020B0506020202020204" pitchFamily="34" charset="0"/>
               </a:rPr>
-              <a:t>: Montando um ambiente de desenvolvimento | Prof. Me Fernando Salles Claro</a:t>
+              <a:t> | Prof. Me Fernando Salles Claro</a:t>
             </a:r>
           </a:p>
         </p:txBody>
@@ -9117,6 +9833,196 @@
   <p:clrMapOvr>
     <a:masterClrMapping/>
   </p:clrMapOvr>
+  <p:timing>
+    <p:tnLst>
+      <p:par>
+        <p:cTn id="1" dur="indefinite" restart="never" nodeType="tmRoot">
+          <p:childTnLst>
+            <p:seq concurrent="1" nextAc="seek">
+              <p:cTn id="2" dur="indefinite" nodeType="mainSeq">
+                <p:childTnLst>
+                  <p:par>
+                    <p:cTn id="3" fill="hold">
+                      <p:stCondLst>
+                        <p:cond delay="indefinite"/>
+                      </p:stCondLst>
+                      <p:childTnLst>
+                        <p:par>
+                          <p:cTn id="4" fill="hold">
+                            <p:stCondLst>
+                              <p:cond delay="0"/>
+                            </p:stCondLst>
+                            <p:childTnLst>
+                              <p:par>
+                                <p:cTn id="5" presetID="1" presetClass="entr" presetSubtype="0" fill="hold" nodeType="clickEffect">
+                                  <p:stCondLst>
+                                    <p:cond delay="0"/>
+                                  </p:stCondLst>
+                                  <p:childTnLst>
+                                    <p:set>
+                                      <p:cBhvr>
+                                        <p:cTn id="6" dur="1" fill="hold">
+                                          <p:stCondLst>
+                                            <p:cond delay="0"/>
+                                          </p:stCondLst>
+                                        </p:cTn>
+                                        <p:tgtEl>
+                                          <p:spTgt spid="3">
+                                            <p:txEl>
+                                              <p:pRg st="0" end="0"/>
+                                            </p:txEl>
+                                          </p:spTgt>
+                                        </p:tgtEl>
+                                        <p:attrNameLst>
+                                          <p:attrName>style.visibility</p:attrName>
+                                        </p:attrNameLst>
+                                      </p:cBhvr>
+                                      <p:to>
+                                        <p:strVal val="visible"/>
+                                      </p:to>
+                                    </p:set>
+                                  </p:childTnLst>
+                                </p:cTn>
+                              </p:par>
+                              <p:par>
+                                <p:cTn id="7" presetID="1" presetClass="entr" presetSubtype="0" fill="hold" nodeType="withEffect">
+                                  <p:stCondLst>
+                                    <p:cond delay="0"/>
+                                  </p:stCondLst>
+                                  <p:childTnLst>
+                                    <p:set>
+                                      <p:cBhvr>
+                                        <p:cTn id="8" dur="1" fill="hold">
+                                          <p:stCondLst>
+                                            <p:cond delay="0"/>
+                                          </p:stCondLst>
+                                        </p:cTn>
+                                        <p:tgtEl>
+                                          <p:spTgt spid="3">
+                                            <p:txEl>
+                                              <p:pRg st="2" end="2"/>
+                                            </p:txEl>
+                                          </p:spTgt>
+                                        </p:tgtEl>
+                                        <p:attrNameLst>
+                                          <p:attrName>style.visibility</p:attrName>
+                                        </p:attrNameLst>
+                                      </p:cBhvr>
+                                      <p:to>
+                                        <p:strVal val="visible"/>
+                                      </p:to>
+                                    </p:set>
+                                  </p:childTnLst>
+                                </p:cTn>
+                              </p:par>
+                            </p:childTnLst>
+                          </p:cTn>
+                        </p:par>
+                      </p:childTnLst>
+                    </p:cTn>
+                  </p:par>
+                  <p:par>
+                    <p:cTn id="9" fill="hold">
+                      <p:stCondLst>
+                        <p:cond delay="indefinite"/>
+                      </p:stCondLst>
+                      <p:childTnLst>
+                        <p:par>
+                          <p:cTn id="10" fill="hold">
+                            <p:stCondLst>
+                              <p:cond delay="0"/>
+                            </p:stCondLst>
+                            <p:childTnLst>
+                              <p:par>
+                                <p:cTn id="11" presetID="1" presetClass="entr" presetSubtype="0" fill="hold" nodeType="clickEffect">
+                                  <p:stCondLst>
+                                    <p:cond delay="0"/>
+                                  </p:stCondLst>
+                                  <p:childTnLst>
+                                    <p:set>
+                                      <p:cBhvr>
+                                        <p:cTn id="12" dur="1" fill="hold">
+                                          <p:stCondLst>
+                                            <p:cond delay="0"/>
+                                          </p:stCondLst>
+                                        </p:cTn>
+                                        <p:tgtEl>
+                                          <p:spTgt spid="3">
+                                            <p:txEl>
+                                              <p:pRg st="4" end="4"/>
+                                            </p:txEl>
+                                          </p:spTgt>
+                                        </p:tgtEl>
+                                        <p:attrNameLst>
+                                          <p:attrName>style.visibility</p:attrName>
+                                        </p:attrNameLst>
+                                      </p:cBhvr>
+                                      <p:to>
+                                        <p:strVal val="visible"/>
+                                      </p:to>
+                                    </p:set>
+                                  </p:childTnLst>
+                                </p:cTn>
+                              </p:par>
+                              <p:par>
+                                <p:cTn id="13" presetID="1" presetClass="entr" presetSubtype="0" fill="hold" nodeType="withEffect">
+                                  <p:stCondLst>
+                                    <p:cond delay="0"/>
+                                  </p:stCondLst>
+                                  <p:childTnLst>
+                                    <p:set>
+                                      <p:cBhvr>
+                                        <p:cTn id="14" dur="1" fill="hold">
+                                          <p:stCondLst>
+                                            <p:cond delay="0"/>
+                                          </p:stCondLst>
+                                        </p:cTn>
+                                        <p:tgtEl>
+                                          <p:spTgt spid="3">
+                                            <p:txEl>
+                                              <p:pRg st="6" end="6"/>
+                                            </p:txEl>
+                                          </p:spTgt>
+                                        </p:tgtEl>
+                                        <p:attrNameLst>
+                                          <p:attrName>style.visibility</p:attrName>
+                                        </p:attrNameLst>
+                                      </p:cBhvr>
+                                      <p:to>
+                                        <p:strVal val="visible"/>
+                                      </p:to>
+                                    </p:set>
+                                  </p:childTnLst>
+                                </p:cTn>
+                              </p:par>
+                            </p:childTnLst>
+                          </p:cTn>
+                        </p:par>
+                      </p:childTnLst>
+                    </p:cTn>
+                  </p:par>
+                </p:childTnLst>
+              </p:cTn>
+              <p:prevCondLst>
+                <p:cond evt="onPrev" delay="0">
+                  <p:tgtEl>
+                    <p:sldTgt/>
+                  </p:tgtEl>
+                </p:cond>
+              </p:prevCondLst>
+              <p:nextCondLst>
+                <p:cond evt="onNext" delay="0">
+                  <p:tgtEl>
+                    <p:sldTgt/>
+                  </p:tgtEl>
+                </p:cond>
+              </p:nextCondLst>
+            </p:seq>
+          </p:childTnLst>
+        </p:cTn>
+      </p:par>
+    </p:tnLst>
+  </p:timing>
 </p:sld>
 </file>
 
@@ -9508,6 +10414,15 @@
           <a:p>
             <a:pPr lvl="1"/>
             <a:r>
+              <a:rPr lang="pt-BR" sz="1600" b="1" dirty="0">
+                <a:solidFill>
+                  <a:schemeClr val="bg1"/>
+                </a:solidFill>
+                <a:latin typeface="Avenir Next Condensed" panose="020B0506020202020204" pitchFamily="34" charset="0"/>
+              </a:rPr>
+              <a:t>Criando Ambientes de Desenvolvimento com </a:t>
+            </a:r>
+            <a:r>
               <a:rPr lang="pt-BR" sz="1600" b="1" dirty="0" err="1">
                 <a:solidFill>
                   <a:schemeClr val="bg1"/>
@@ -9523,7 +10438,7 @@
                 </a:solidFill>
                 <a:latin typeface="Avenir Next Condensed" panose="020B0506020202020204" pitchFamily="34" charset="0"/>
               </a:rPr>
-              <a:t>: Montando um ambiente de desenvolvimento | Prof. Me Fernando Salles Claro</a:t>
+              <a:t> | Prof. Me Fernando Salles Claro</a:t>
             </a:r>
           </a:p>
         </p:txBody>
@@ -9722,6 +10637,196 @@
   <p:clrMapOvr>
     <a:masterClrMapping/>
   </p:clrMapOvr>
+  <p:timing>
+    <p:tnLst>
+      <p:par>
+        <p:cTn id="1" dur="indefinite" restart="never" nodeType="tmRoot">
+          <p:childTnLst>
+            <p:seq concurrent="1" nextAc="seek">
+              <p:cTn id="2" dur="indefinite" nodeType="mainSeq">
+                <p:childTnLst>
+                  <p:par>
+                    <p:cTn id="3" fill="hold">
+                      <p:stCondLst>
+                        <p:cond delay="indefinite"/>
+                      </p:stCondLst>
+                      <p:childTnLst>
+                        <p:par>
+                          <p:cTn id="4" fill="hold">
+                            <p:stCondLst>
+                              <p:cond delay="0"/>
+                            </p:stCondLst>
+                            <p:childTnLst>
+                              <p:par>
+                                <p:cTn id="5" presetID="1" presetClass="entr" presetSubtype="0" fill="hold" nodeType="clickEffect">
+                                  <p:stCondLst>
+                                    <p:cond delay="0"/>
+                                  </p:stCondLst>
+                                  <p:childTnLst>
+                                    <p:set>
+                                      <p:cBhvr>
+                                        <p:cTn id="6" dur="1" fill="hold">
+                                          <p:stCondLst>
+                                            <p:cond delay="0"/>
+                                          </p:stCondLst>
+                                        </p:cTn>
+                                        <p:tgtEl>
+                                          <p:spTgt spid="3">
+                                            <p:txEl>
+                                              <p:pRg st="0" end="0"/>
+                                            </p:txEl>
+                                          </p:spTgt>
+                                        </p:tgtEl>
+                                        <p:attrNameLst>
+                                          <p:attrName>style.visibility</p:attrName>
+                                        </p:attrNameLst>
+                                      </p:cBhvr>
+                                      <p:to>
+                                        <p:strVal val="visible"/>
+                                      </p:to>
+                                    </p:set>
+                                  </p:childTnLst>
+                                </p:cTn>
+                              </p:par>
+                              <p:par>
+                                <p:cTn id="7" presetID="1" presetClass="entr" presetSubtype="0" fill="hold" nodeType="withEffect">
+                                  <p:stCondLst>
+                                    <p:cond delay="0"/>
+                                  </p:stCondLst>
+                                  <p:childTnLst>
+                                    <p:set>
+                                      <p:cBhvr>
+                                        <p:cTn id="8" dur="1" fill="hold">
+                                          <p:stCondLst>
+                                            <p:cond delay="0"/>
+                                          </p:stCondLst>
+                                        </p:cTn>
+                                        <p:tgtEl>
+                                          <p:spTgt spid="3">
+                                            <p:txEl>
+                                              <p:pRg st="2" end="2"/>
+                                            </p:txEl>
+                                          </p:spTgt>
+                                        </p:tgtEl>
+                                        <p:attrNameLst>
+                                          <p:attrName>style.visibility</p:attrName>
+                                        </p:attrNameLst>
+                                      </p:cBhvr>
+                                      <p:to>
+                                        <p:strVal val="visible"/>
+                                      </p:to>
+                                    </p:set>
+                                  </p:childTnLst>
+                                </p:cTn>
+                              </p:par>
+                            </p:childTnLst>
+                          </p:cTn>
+                        </p:par>
+                      </p:childTnLst>
+                    </p:cTn>
+                  </p:par>
+                  <p:par>
+                    <p:cTn id="9" fill="hold">
+                      <p:stCondLst>
+                        <p:cond delay="indefinite"/>
+                      </p:stCondLst>
+                      <p:childTnLst>
+                        <p:par>
+                          <p:cTn id="10" fill="hold">
+                            <p:stCondLst>
+                              <p:cond delay="0"/>
+                            </p:stCondLst>
+                            <p:childTnLst>
+                              <p:par>
+                                <p:cTn id="11" presetID="1" presetClass="entr" presetSubtype="0" fill="hold" nodeType="clickEffect">
+                                  <p:stCondLst>
+                                    <p:cond delay="0"/>
+                                  </p:stCondLst>
+                                  <p:childTnLst>
+                                    <p:set>
+                                      <p:cBhvr>
+                                        <p:cTn id="12" dur="1" fill="hold">
+                                          <p:stCondLst>
+                                            <p:cond delay="0"/>
+                                          </p:stCondLst>
+                                        </p:cTn>
+                                        <p:tgtEl>
+                                          <p:spTgt spid="3">
+                                            <p:txEl>
+                                              <p:pRg st="4" end="4"/>
+                                            </p:txEl>
+                                          </p:spTgt>
+                                        </p:tgtEl>
+                                        <p:attrNameLst>
+                                          <p:attrName>style.visibility</p:attrName>
+                                        </p:attrNameLst>
+                                      </p:cBhvr>
+                                      <p:to>
+                                        <p:strVal val="visible"/>
+                                      </p:to>
+                                    </p:set>
+                                  </p:childTnLst>
+                                </p:cTn>
+                              </p:par>
+                              <p:par>
+                                <p:cTn id="13" presetID="1" presetClass="entr" presetSubtype="0" fill="hold" nodeType="withEffect">
+                                  <p:stCondLst>
+                                    <p:cond delay="0"/>
+                                  </p:stCondLst>
+                                  <p:childTnLst>
+                                    <p:set>
+                                      <p:cBhvr>
+                                        <p:cTn id="14" dur="1" fill="hold">
+                                          <p:stCondLst>
+                                            <p:cond delay="0"/>
+                                          </p:stCondLst>
+                                        </p:cTn>
+                                        <p:tgtEl>
+                                          <p:spTgt spid="3">
+                                            <p:txEl>
+                                              <p:pRg st="6" end="6"/>
+                                            </p:txEl>
+                                          </p:spTgt>
+                                        </p:tgtEl>
+                                        <p:attrNameLst>
+                                          <p:attrName>style.visibility</p:attrName>
+                                        </p:attrNameLst>
+                                      </p:cBhvr>
+                                      <p:to>
+                                        <p:strVal val="visible"/>
+                                      </p:to>
+                                    </p:set>
+                                  </p:childTnLst>
+                                </p:cTn>
+                              </p:par>
+                            </p:childTnLst>
+                          </p:cTn>
+                        </p:par>
+                      </p:childTnLst>
+                    </p:cTn>
+                  </p:par>
+                </p:childTnLst>
+              </p:cTn>
+              <p:prevCondLst>
+                <p:cond evt="onPrev" delay="0">
+                  <p:tgtEl>
+                    <p:sldTgt/>
+                  </p:tgtEl>
+                </p:cond>
+              </p:prevCondLst>
+              <p:nextCondLst>
+                <p:cond evt="onNext" delay="0">
+                  <p:tgtEl>
+                    <p:sldTgt/>
+                  </p:tgtEl>
+                </p:cond>
+              </p:nextCondLst>
+            </p:seq>
+          </p:childTnLst>
+        </p:cTn>
+      </p:par>
+    </p:tnLst>
+  </p:timing>
 </p:sld>
 </file>
 
@@ -9759,12 +10864,12 @@
           </a:xfrm>
         </p:spPr>
         <p:txBody>
-          <a:bodyPr>
+          <a:bodyPr numCol="2">
             <a:noAutofit/>
           </a:bodyPr>
           <a:lstStyle/>
           <a:p>
-            <a:pPr indent="-516600">
+            <a:pPr marL="518400" indent="-516600">
               <a:lnSpc>
                 <a:spcPct val="150000"/>
               </a:lnSpc>
@@ -9782,7 +10887,7 @@
             <a:endParaRPr lang="pt-BR" sz="3200" dirty="0"/>
           </a:p>
           <a:p>
-            <a:pPr indent="-516600">
+            <a:pPr marL="518400" indent="-516600">
               <a:lnSpc>
                 <a:spcPct val="150000"/>
               </a:lnSpc>
@@ -9797,10 +10902,117 @@
               <a:rPr lang="pt-BR" sz="3200" dirty="0" err="1"/>
               <a:t>Machine</a:t>
             </a:r>
+            <a:r>
+              <a:rPr lang="pt-BR" sz="3200" dirty="0"/>
+              <a:t>?</a:t>
+            </a:r>
+          </a:p>
+          <a:p>
+            <a:pPr marL="518400" indent="-516600">
+              <a:lnSpc>
+                <a:spcPct val="150000"/>
+              </a:lnSpc>
+              <a:buFont typeface="Wingdings" pitchFamily="2" charset="2"/>
+              <a:buChar char="ü"/>
+            </a:pPr>
+            <a:r>
+              <a:rPr lang="pt-BR" sz="3200" dirty="0"/>
+              <a:t>VM </a:t>
+            </a:r>
+            <a:r>
+              <a:rPr lang="pt-BR" sz="3200" dirty="0" err="1"/>
+              <a:t>vs</a:t>
+            </a:r>
+            <a:r>
+              <a:rPr lang="pt-BR" sz="3200" dirty="0"/>
+              <a:t> </a:t>
+            </a:r>
+            <a:r>
+              <a:rPr lang="pt-BR" sz="3200" dirty="0" err="1"/>
+              <a:t>Docker</a:t>
+            </a:r>
             <a:endParaRPr lang="pt-BR" sz="3200" dirty="0"/>
           </a:p>
           <a:p>
-            <a:pPr indent="-516600">
+            <a:pPr marL="518400" indent="-516600">
+              <a:lnSpc>
+                <a:spcPct val="150000"/>
+              </a:lnSpc>
+              <a:buFont typeface="Wingdings" pitchFamily="2" charset="2"/>
+              <a:buChar char="ü"/>
+            </a:pPr>
+            <a:r>
+              <a:rPr lang="pt-BR" sz="3200" dirty="0"/>
+              <a:t>Container</a:t>
+            </a:r>
+          </a:p>
+          <a:p>
+            <a:pPr marL="518400" indent="-516600">
+              <a:lnSpc>
+                <a:spcPct val="150000"/>
+              </a:lnSpc>
+              <a:buFont typeface="Wingdings" pitchFamily="2" charset="2"/>
+              <a:buChar char="ü"/>
+            </a:pPr>
+            <a:r>
+              <a:rPr lang="pt-BR" sz="3200" dirty="0"/>
+              <a:t>Imagens </a:t>
+            </a:r>
+            <a:r>
+              <a:rPr lang="pt-BR" sz="3200" dirty="0" err="1"/>
+              <a:t>Docker</a:t>
+            </a:r>
+            <a:endParaRPr lang="pt-BR" sz="3200" dirty="0"/>
+          </a:p>
+          <a:p>
+            <a:pPr marL="518400" indent="-516600">
+              <a:lnSpc>
+                <a:spcPct val="150000"/>
+              </a:lnSpc>
+              <a:buFont typeface="Wingdings" pitchFamily="2" charset="2"/>
+              <a:buChar char="ü"/>
+            </a:pPr>
+            <a:r>
+              <a:rPr lang="pt-BR" sz="3200" dirty="0"/>
+              <a:t>Imagens </a:t>
+            </a:r>
+            <a:r>
+              <a:rPr lang="pt-BR" sz="3200" dirty="0" err="1"/>
+              <a:t>vs</a:t>
+            </a:r>
+            <a:r>
+              <a:rPr lang="pt-BR" sz="3200" dirty="0"/>
+              <a:t> Container</a:t>
+            </a:r>
+          </a:p>
+          <a:p>
+            <a:pPr marL="518400" indent="-516600">
+              <a:lnSpc>
+                <a:spcPct val="150000"/>
+              </a:lnSpc>
+              <a:buFont typeface="Wingdings" pitchFamily="2" charset="2"/>
+              <a:buChar char="ü"/>
+            </a:pPr>
+            <a:r>
+              <a:rPr lang="pt-BR" sz="3200" dirty="0"/>
+              <a:t>Arquitetura</a:t>
+            </a:r>
+          </a:p>
+          <a:p>
+            <a:pPr marL="518400" indent="-516600">
+              <a:lnSpc>
+                <a:spcPct val="150000"/>
+              </a:lnSpc>
+              <a:buFont typeface="Wingdings" pitchFamily="2" charset="2"/>
+              <a:buChar char="ü"/>
+            </a:pPr>
+            <a:r>
+              <a:rPr lang="pt-BR" sz="3200" dirty="0"/>
+              <a:t>Demonstração prática</a:t>
+            </a:r>
+          </a:p>
+          <a:p>
+            <a:pPr marL="518400" indent="-516600">
               <a:lnSpc>
                 <a:spcPct val="150000"/>
               </a:lnSpc>
@@ -9810,7 +11022,7 @@
             <a:endParaRPr lang="pt-BR" sz="3200" dirty="0"/>
           </a:p>
           <a:p>
-            <a:pPr indent="-516600">
+            <a:pPr marL="518400" indent="-516600">
               <a:lnSpc>
                 <a:spcPct val="150000"/>
               </a:lnSpc>
@@ -10018,6 +11230,15 @@
           <a:p>
             <a:pPr lvl="1"/>
             <a:r>
+              <a:rPr lang="pt-BR" sz="1600" b="1" dirty="0">
+                <a:solidFill>
+                  <a:schemeClr val="bg1"/>
+                </a:solidFill>
+                <a:latin typeface="Avenir Next Condensed" panose="020B0506020202020204" pitchFamily="34" charset="0"/>
+              </a:rPr>
+              <a:t>Criando Ambientes de Desenvolvimento com </a:t>
+            </a:r>
+            <a:r>
               <a:rPr lang="pt-BR" sz="1600" b="1" dirty="0" err="1">
                 <a:solidFill>
                   <a:schemeClr val="bg1"/>
@@ -10033,7 +11254,7 @@
                 </a:solidFill>
                 <a:latin typeface="Avenir Next Condensed" panose="020B0506020202020204" pitchFamily="34" charset="0"/>
               </a:rPr>
-              <a:t>: Montando um ambiente de desenvolvimento | Prof. Me Fernando Salles Claro</a:t>
+              <a:t> | Prof. Me Fernando Salles Claro</a:t>
             </a:r>
           </a:p>
         </p:txBody>
@@ -10232,6 +11453,431 @@
   <p:clrMapOvr>
     <a:masterClrMapping/>
   </p:clrMapOvr>
+  <p:timing>
+    <p:tnLst>
+      <p:par>
+        <p:cTn id="1" dur="indefinite" restart="never" nodeType="tmRoot">
+          <p:childTnLst>
+            <p:seq concurrent="1" nextAc="seek">
+              <p:cTn id="2" dur="indefinite" nodeType="mainSeq">
+                <p:childTnLst>
+                  <p:par>
+                    <p:cTn id="3" fill="hold">
+                      <p:stCondLst>
+                        <p:cond delay="indefinite"/>
+                      </p:stCondLst>
+                      <p:childTnLst>
+                        <p:par>
+                          <p:cTn id="4" fill="hold">
+                            <p:stCondLst>
+                              <p:cond delay="0"/>
+                            </p:stCondLst>
+                            <p:childTnLst>
+                              <p:par>
+                                <p:cTn id="5" presetID="1" presetClass="entr" presetSubtype="0" fill="hold" grpId="0" nodeType="clickEffect">
+                                  <p:stCondLst>
+                                    <p:cond delay="0"/>
+                                  </p:stCondLst>
+                                  <p:childTnLst>
+                                    <p:set>
+                                      <p:cBhvr>
+                                        <p:cTn id="6" dur="1" fill="hold">
+                                          <p:stCondLst>
+                                            <p:cond delay="0"/>
+                                          </p:stCondLst>
+                                        </p:cTn>
+                                        <p:tgtEl>
+                                          <p:spTgt spid="3">
+                                            <p:txEl>
+                                              <p:pRg st="0" end="0"/>
+                                            </p:txEl>
+                                          </p:spTgt>
+                                        </p:tgtEl>
+                                        <p:attrNameLst>
+                                          <p:attrName>style.visibility</p:attrName>
+                                        </p:attrNameLst>
+                                      </p:cBhvr>
+                                      <p:to>
+                                        <p:strVal val="visible"/>
+                                      </p:to>
+                                    </p:set>
+                                  </p:childTnLst>
+                                </p:cTn>
+                              </p:par>
+                            </p:childTnLst>
+                          </p:cTn>
+                        </p:par>
+                      </p:childTnLst>
+                    </p:cTn>
+                  </p:par>
+                  <p:par>
+                    <p:cTn id="7" fill="hold">
+                      <p:stCondLst>
+                        <p:cond delay="indefinite"/>
+                      </p:stCondLst>
+                      <p:childTnLst>
+                        <p:par>
+                          <p:cTn id="8" fill="hold">
+                            <p:stCondLst>
+                              <p:cond delay="0"/>
+                            </p:stCondLst>
+                            <p:childTnLst>
+                              <p:par>
+                                <p:cTn id="9" presetID="1" presetClass="entr" presetSubtype="0" fill="hold" grpId="0" nodeType="clickEffect">
+                                  <p:stCondLst>
+                                    <p:cond delay="0"/>
+                                  </p:stCondLst>
+                                  <p:childTnLst>
+                                    <p:set>
+                                      <p:cBhvr>
+                                        <p:cTn id="10" dur="1" fill="hold">
+                                          <p:stCondLst>
+                                            <p:cond delay="0"/>
+                                          </p:stCondLst>
+                                        </p:cTn>
+                                        <p:tgtEl>
+                                          <p:spTgt spid="3">
+                                            <p:txEl>
+                                              <p:pRg st="1" end="1"/>
+                                            </p:txEl>
+                                          </p:spTgt>
+                                        </p:tgtEl>
+                                        <p:attrNameLst>
+                                          <p:attrName>style.visibility</p:attrName>
+                                        </p:attrNameLst>
+                                      </p:cBhvr>
+                                      <p:to>
+                                        <p:strVal val="visible"/>
+                                      </p:to>
+                                    </p:set>
+                                  </p:childTnLst>
+                                </p:cTn>
+                              </p:par>
+                            </p:childTnLst>
+                          </p:cTn>
+                        </p:par>
+                      </p:childTnLst>
+                    </p:cTn>
+                  </p:par>
+                  <p:par>
+                    <p:cTn id="11" fill="hold">
+                      <p:stCondLst>
+                        <p:cond delay="indefinite"/>
+                      </p:stCondLst>
+                      <p:childTnLst>
+                        <p:par>
+                          <p:cTn id="12" fill="hold">
+                            <p:stCondLst>
+                              <p:cond delay="0"/>
+                            </p:stCondLst>
+                            <p:childTnLst>
+                              <p:par>
+                                <p:cTn id="13" presetID="1" presetClass="entr" presetSubtype="0" fill="hold" grpId="0" nodeType="clickEffect">
+                                  <p:stCondLst>
+                                    <p:cond delay="0"/>
+                                  </p:stCondLst>
+                                  <p:childTnLst>
+                                    <p:set>
+                                      <p:cBhvr>
+                                        <p:cTn id="14" dur="1" fill="hold">
+                                          <p:stCondLst>
+                                            <p:cond delay="0"/>
+                                          </p:stCondLst>
+                                        </p:cTn>
+                                        <p:tgtEl>
+                                          <p:spTgt spid="3">
+                                            <p:txEl>
+                                              <p:pRg st="2" end="2"/>
+                                            </p:txEl>
+                                          </p:spTgt>
+                                        </p:tgtEl>
+                                        <p:attrNameLst>
+                                          <p:attrName>style.visibility</p:attrName>
+                                        </p:attrNameLst>
+                                      </p:cBhvr>
+                                      <p:to>
+                                        <p:strVal val="visible"/>
+                                      </p:to>
+                                    </p:set>
+                                  </p:childTnLst>
+                                </p:cTn>
+                              </p:par>
+                            </p:childTnLst>
+                          </p:cTn>
+                        </p:par>
+                      </p:childTnLst>
+                    </p:cTn>
+                  </p:par>
+                  <p:par>
+                    <p:cTn id="15" fill="hold">
+                      <p:stCondLst>
+                        <p:cond delay="indefinite"/>
+                      </p:stCondLst>
+                      <p:childTnLst>
+                        <p:par>
+                          <p:cTn id="16" fill="hold">
+                            <p:stCondLst>
+                              <p:cond delay="0"/>
+                            </p:stCondLst>
+                            <p:childTnLst>
+                              <p:par>
+                                <p:cTn id="17" presetID="1" presetClass="entr" presetSubtype="0" fill="hold" grpId="0" nodeType="clickEffect">
+                                  <p:stCondLst>
+                                    <p:cond delay="0"/>
+                                  </p:stCondLst>
+                                  <p:childTnLst>
+                                    <p:set>
+                                      <p:cBhvr>
+                                        <p:cTn id="18" dur="1" fill="hold">
+                                          <p:stCondLst>
+                                            <p:cond delay="0"/>
+                                          </p:stCondLst>
+                                        </p:cTn>
+                                        <p:tgtEl>
+                                          <p:spTgt spid="3">
+                                            <p:txEl>
+                                              <p:pRg st="3" end="3"/>
+                                            </p:txEl>
+                                          </p:spTgt>
+                                        </p:tgtEl>
+                                        <p:attrNameLst>
+                                          <p:attrName>style.visibility</p:attrName>
+                                        </p:attrNameLst>
+                                      </p:cBhvr>
+                                      <p:to>
+                                        <p:strVal val="visible"/>
+                                      </p:to>
+                                    </p:set>
+                                  </p:childTnLst>
+                                </p:cTn>
+                              </p:par>
+                            </p:childTnLst>
+                          </p:cTn>
+                        </p:par>
+                      </p:childTnLst>
+                    </p:cTn>
+                  </p:par>
+                  <p:par>
+                    <p:cTn id="19" fill="hold">
+                      <p:stCondLst>
+                        <p:cond delay="indefinite"/>
+                      </p:stCondLst>
+                      <p:childTnLst>
+                        <p:par>
+                          <p:cTn id="20" fill="hold">
+                            <p:stCondLst>
+                              <p:cond delay="0"/>
+                            </p:stCondLst>
+                            <p:childTnLst>
+                              <p:par>
+                                <p:cTn id="21" presetID="1" presetClass="entr" presetSubtype="0" fill="hold" grpId="0" nodeType="clickEffect">
+                                  <p:stCondLst>
+                                    <p:cond delay="0"/>
+                                  </p:stCondLst>
+                                  <p:childTnLst>
+                                    <p:set>
+                                      <p:cBhvr>
+                                        <p:cTn id="22" dur="1" fill="hold">
+                                          <p:stCondLst>
+                                            <p:cond delay="0"/>
+                                          </p:stCondLst>
+                                        </p:cTn>
+                                        <p:tgtEl>
+                                          <p:spTgt spid="3">
+                                            <p:txEl>
+                                              <p:pRg st="4" end="4"/>
+                                            </p:txEl>
+                                          </p:spTgt>
+                                        </p:tgtEl>
+                                        <p:attrNameLst>
+                                          <p:attrName>style.visibility</p:attrName>
+                                        </p:attrNameLst>
+                                      </p:cBhvr>
+                                      <p:to>
+                                        <p:strVal val="visible"/>
+                                      </p:to>
+                                    </p:set>
+                                  </p:childTnLst>
+                                </p:cTn>
+                              </p:par>
+                            </p:childTnLst>
+                          </p:cTn>
+                        </p:par>
+                      </p:childTnLst>
+                    </p:cTn>
+                  </p:par>
+                  <p:par>
+                    <p:cTn id="23" fill="hold">
+                      <p:stCondLst>
+                        <p:cond delay="indefinite"/>
+                      </p:stCondLst>
+                      <p:childTnLst>
+                        <p:par>
+                          <p:cTn id="24" fill="hold">
+                            <p:stCondLst>
+                              <p:cond delay="0"/>
+                            </p:stCondLst>
+                            <p:childTnLst>
+                              <p:par>
+                                <p:cTn id="25" presetID="1" presetClass="entr" presetSubtype="0" fill="hold" grpId="0" nodeType="clickEffect">
+                                  <p:stCondLst>
+                                    <p:cond delay="0"/>
+                                  </p:stCondLst>
+                                  <p:childTnLst>
+                                    <p:set>
+                                      <p:cBhvr>
+                                        <p:cTn id="26" dur="1" fill="hold">
+                                          <p:stCondLst>
+                                            <p:cond delay="0"/>
+                                          </p:stCondLst>
+                                        </p:cTn>
+                                        <p:tgtEl>
+                                          <p:spTgt spid="3">
+                                            <p:txEl>
+                                              <p:pRg st="5" end="5"/>
+                                            </p:txEl>
+                                          </p:spTgt>
+                                        </p:tgtEl>
+                                        <p:attrNameLst>
+                                          <p:attrName>style.visibility</p:attrName>
+                                        </p:attrNameLst>
+                                      </p:cBhvr>
+                                      <p:to>
+                                        <p:strVal val="visible"/>
+                                      </p:to>
+                                    </p:set>
+                                  </p:childTnLst>
+                                </p:cTn>
+                              </p:par>
+                            </p:childTnLst>
+                          </p:cTn>
+                        </p:par>
+                      </p:childTnLst>
+                    </p:cTn>
+                  </p:par>
+                  <p:par>
+                    <p:cTn id="27" fill="hold">
+                      <p:stCondLst>
+                        <p:cond delay="indefinite"/>
+                      </p:stCondLst>
+                      <p:childTnLst>
+                        <p:par>
+                          <p:cTn id="28" fill="hold">
+                            <p:stCondLst>
+                              <p:cond delay="0"/>
+                            </p:stCondLst>
+                            <p:childTnLst>
+                              <p:par>
+                                <p:cTn id="29" presetID="1" presetClass="entr" presetSubtype="0" fill="hold" grpId="0" nodeType="clickEffect">
+                                  <p:stCondLst>
+                                    <p:cond delay="0"/>
+                                  </p:stCondLst>
+                                  <p:childTnLst>
+                                    <p:set>
+                                      <p:cBhvr>
+                                        <p:cTn id="30" dur="1" fill="hold">
+                                          <p:stCondLst>
+                                            <p:cond delay="0"/>
+                                          </p:stCondLst>
+                                        </p:cTn>
+                                        <p:tgtEl>
+                                          <p:spTgt spid="3">
+                                            <p:txEl>
+                                              <p:pRg st="6" end="6"/>
+                                            </p:txEl>
+                                          </p:spTgt>
+                                        </p:tgtEl>
+                                        <p:attrNameLst>
+                                          <p:attrName>style.visibility</p:attrName>
+                                        </p:attrNameLst>
+                                      </p:cBhvr>
+                                      <p:to>
+                                        <p:strVal val="visible"/>
+                                      </p:to>
+                                    </p:set>
+                                  </p:childTnLst>
+                                </p:cTn>
+                              </p:par>
+                            </p:childTnLst>
+                          </p:cTn>
+                        </p:par>
+                      </p:childTnLst>
+                    </p:cTn>
+                  </p:par>
+                  <p:par>
+                    <p:cTn id="31" fill="hold">
+                      <p:stCondLst>
+                        <p:cond delay="indefinite"/>
+                      </p:stCondLst>
+                      <p:childTnLst>
+                        <p:par>
+                          <p:cTn id="32" fill="hold">
+                            <p:stCondLst>
+                              <p:cond delay="0"/>
+                            </p:stCondLst>
+                            <p:childTnLst>
+                              <p:par>
+                                <p:cTn id="33" presetID="1" presetClass="entr" presetSubtype="0" fill="hold" grpId="0" nodeType="clickEffect">
+                                  <p:stCondLst>
+                                    <p:cond delay="0"/>
+                                  </p:stCondLst>
+                                  <p:childTnLst>
+                                    <p:set>
+                                      <p:cBhvr>
+                                        <p:cTn id="34" dur="1" fill="hold">
+                                          <p:stCondLst>
+                                            <p:cond delay="0"/>
+                                          </p:stCondLst>
+                                        </p:cTn>
+                                        <p:tgtEl>
+                                          <p:spTgt spid="3">
+                                            <p:txEl>
+                                              <p:pRg st="7" end="7"/>
+                                            </p:txEl>
+                                          </p:spTgt>
+                                        </p:tgtEl>
+                                        <p:attrNameLst>
+                                          <p:attrName>style.visibility</p:attrName>
+                                        </p:attrNameLst>
+                                      </p:cBhvr>
+                                      <p:to>
+                                        <p:strVal val="visible"/>
+                                      </p:to>
+                                    </p:set>
+                                  </p:childTnLst>
+                                </p:cTn>
+                              </p:par>
+                            </p:childTnLst>
+                          </p:cTn>
+                        </p:par>
+                      </p:childTnLst>
+                    </p:cTn>
+                  </p:par>
+                </p:childTnLst>
+              </p:cTn>
+              <p:prevCondLst>
+                <p:cond evt="onPrev" delay="0">
+                  <p:tgtEl>
+                    <p:sldTgt/>
+                  </p:tgtEl>
+                </p:cond>
+              </p:prevCondLst>
+              <p:nextCondLst>
+                <p:cond evt="onNext" delay="0">
+                  <p:tgtEl>
+                    <p:sldTgt/>
+                  </p:tgtEl>
+                </p:cond>
+              </p:nextCondLst>
+            </p:seq>
+          </p:childTnLst>
+        </p:cTn>
+      </p:par>
+    </p:tnLst>
+    <p:bldLst>
+      <p:bldP spid="3" grpId="0" build="p"/>
+    </p:bldLst>
+  </p:timing>
 </p:sld>
 </file>
 
@@ -10627,6 +12273,15 @@
           <a:p>
             <a:pPr lvl="1"/>
             <a:r>
+              <a:rPr lang="pt-BR" sz="1600" b="1" dirty="0">
+                <a:solidFill>
+                  <a:schemeClr val="bg1"/>
+                </a:solidFill>
+                <a:latin typeface="Avenir Next Condensed" panose="020B0506020202020204" pitchFamily="34" charset="0"/>
+              </a:rPr>
+              <a:t>Criando Ambientes de Desenvolvimento com </a:t>
+            </a:r>
+            <a:r>
               <a:rPr lang="pt-BR" sz="1600" b="1" dirty="0" err="1">
                 <a:solidFill>
                   <a:schemeClr val="bg1"/>
@@ -10642,7 +12297,7 @@
                 </a:solidFill>
                 <a:latin typeface="Avenir Next Condensed" panose="020B0506020202020204" pitchFamily="34" charset="0"/>
               </a:rPr>
-              <a:t>: Montando um ambiente de desenvolvimento | Prof. Me Fernando Salles Claro</a:t>
+              <a:t> | Prof. Me Fernando Salles Claro</a:t>
             </a:r>
           </a:p>
         </p:txBody>
@@ -10841,6 +12496,196 @@
   <p:clrMapOvr>
     <a:masterClrMapping/>
   </p:clrMapOvr>
+  <p:timing>
+    <p:tnLst>
+      <p:par>
+        <p:cTn id="1" dur="indefinite" restart="never" nodeType="tmRoot">
+          <p:childTnLst>
+            <p:seq concurrent="1" nextAc="seek">
+              <p:cTn id="2" dur="indefinite" nodeType="mainSeq">
+                <p:childTnLst>
+                  <p:par>
+                    <p:cTn id="3" fill="hold">
+                      <p:stCondLst>
+                        <p:cond delay="indefinite"/>
+                      </p:stCondLst>
+                      <p:childTnLst>
+                        <p:par>
+                          <p:cTn id="4" fill="hold">
+                            <p:stCondLst>
+                              <p:cond delay="0"/>
+                            </p:stCondLst>
+                            <p:childTnLst>
+                              <p:par>
+                                <p:cTn id="5" presetID="1" presetClass="entr" presetSubtype="0" fill="hold" nodeType="clickEffect">
+                                  <p:stCondLst>
+                                    <p:cond delay="0"/>
+                                  </p:stCondLst>
+                                  <p:childTnLst>
+                                    <p:set>
+                                      <p:cBhvr>
+                                        <p:cTn id="6" dur="1" fill="hold">
+                                          <p:stCondLst>
+                                            <p:cond delay="0"/>
+                                          </p:stCondLst>
+                                        </p:cTn>
+                                        <p:tgtEl>
+                                          <p:spTgt spid="3">
+                                            <p:txEl>
+                                              <p:pRg st="0" end="0"/>
+                                            </p:txEl>
+                                          </p:spTgt>
+                                        </p:tgtEl>
+                                        <p:attrNameLst>
+                                          <p:attrName>style.visibility</p:attrName>
+                                        </p:attrNameLst>
+                                      </p:cBhvr>
+                                      <p:to>
+                                        <p:strVal val="visible"/>
+                                      </p:to>
+                                    </p:set>
+                                  </p:childTnLst>
+                                </p:cTn>
+                              </p:par>
+                              <p:par>
+                                <p:cTn id="7" presetID="1" presetClass="entr" presetSubtype="0" fill="hold" nodeType="withEffect">
+                                  <p:stCondLst>
+                                    <p:cond delay="0"/>
+                                  </p:stCondLst>
+                                  <p:childTnLst>
+                                    <p:set>
+                                      <p:cBhvr>
+                                        <p:cTn id="8" dur="1" fill="hold">
+                                          <p:stCondLst>
+                                            <p:cond delay="0"/>
+                                          </p:stCondLst>
+                                        </p:cTn>
+                                        <p:tgtEl>
+                                          <p:spTgt spid="3">
+                                            <p:txEl>
+                                              <p:pRg st="2" end="2"/>
+                                            </p:txEl>
+                                          </p:spTgt>
+                                        </p:tgtEl>
+                                        <p:attrNameLst>
+                                          <p:attrName>style.visibility</p:attrName>
+                                        </p:attrNameLst>
+                                      </p:cBhvr>
+                                      <p:to>
+                                        <p:strVal val="visible"/>
+                                      </p:to>
+                                    </p:set>
+                                  </p:childTnLst>
+                                </p:cTn>
+                              </p:par>
+                            </p:childTnLst>
+                          </p:cTn>
+                        </p:par>
+                      </p:childTnLst>
+                    </p:cTn>
+                  </p:par>
+                  <p:par>
+                    <p:cTn id="9" fill="hold">
+                      <p:stCondLst>
+                        <p:cond delay="indefinite"/>
+                      </p:stCondLst>
+                      <p:childTnLst>
+                        <p:par>
+                          <p:cTn id="10" fill="hold">
+                            <p:stCondLst>
+                              <p:cond delay="0"/>
+                            </p:stCondLst>
+                            <p:childTnLst>
+                              <p:par>
+                                <p:cTn id="11" presetID="1" presetClass="entr" presetSubtype="0" fill="hold" nodeType="clickEffect">
+                                  <p:stCondLst>
+                                    <p:cond delay="0"/>
+                                  </p:stCondLst>
+                                  <p:childTnLst>
+                                    <p:set>
+                                      <p:cBhvr>
+                                        <p:cTn id="12" dur="1" fill="hold">
+                                          <p:stCondLst>
+                                            <p:cond delay="0"/>
+                                          </p:stCondLst>
+                                        </p:cTn>
+                                        <p:tgtEl>
+                                          <p:spTgt spid="3">
+                                            <p:txEl>
+                                              <p:pRg st="4" end="4"/>
+                                            </p:txEl>
+                                          </p:spTgt>
+                                        </p:tgtEl>
+                                        <p:attrNameLst>
+                                          <p:attrName>style.visibility</p:attrName>
+                                        </p:attrNameLst>
+                                      </p:cBhvr>
+                                      <p:to>
+                                        <p:strVal val="visible"/>
+                                      </p:to>
+                                    </p:set>
+                                  </p:childTnLst>
+                                </p:cTn>
+                              </p:par>
+                              <p:par>
+                                <p:cTn id="13" presetID="1" presetClass="entr" presetSubtype="0" fill="hold" nodeType="withEffect">
+                                  <p:stCondLst>
+                                    <p:cond delay="0"/>
+                                  </p:stCondLst>
+                                  <p:childTnLst>
+                                    <p:set>
+                                      <p:cBhvr>
+                                        <p:cTn id="14" dur="1" fill="hold">
+                                          <p:stCondLst>
+                                            <p:cond delay="0"/>
+                                          </p:stCondLst>
+                                        </p:cTn>
+                                        <p:tgtEl>
+                                          <p:spTgt spid="3">
+                                            <p:txEl>
+                                              <p:pRg st="6" end="6"/>
+                                            </p:txEl>
+                                          </p:spTgt>
+                                        </p:tgtEl>
+                                        <p:attrNameLst>
+                                          <p:attrName>style.visibility</p:attrName>
+                                        </p:attrNameLst>
+                                      </p:cBhvr>
+                                      <p:to>
+                                        <p:strVal val="visible"/>
+                                      </p:to>
+                                    </p:set>
+                                  </p:childTnLst>
+                                </p:cTn>
+                              </p:par>
+                            </p:childTnLst>
+                          </p:cTn>
+                        </p:par>
+                      </p:childTnLst>
+                    </p:cTn>
+                  </p:par>
+                </p:childTnLst>
+              </p:cTn>
+              <p:prevCondLst>
+                <p:cond evt="onPrev" delay="0">
+                  <p:tgtEl>
+                    <p:sldTgt/>
+                  </p:tgtEl>
+                </p:cond>
+              </p:prevCondLst>
+              <p:nextCondLst>
+                <p:cond evt="onNext" delay="0">
+                  <p:tgtEl>
+                    <p:sldTgt/>
+                  </p:tgtEl>
+                </p:cond>
+              </p:nextCondLst>
+            </p:seq>
+          </p:childTnLst>
+        </p:cTn>
+      </p:par>
+    </p:tnLst>
+  </p:timing>
 </p:sld>
 </file>
 
@@ -11199,6 +13044,15 @@
           <a:p>
             <a:pPr lvl="1"/>
             <a:r>
+              <a:rPr lang="pt-BR" sz="1600" b="1" dirty="0">
+                <a:solidFill>
+                  <a:schemeClr val="bg1"/>
+                </a:solidFill>
+                <a:latin typeface="Avenir Next Condensed" panose="020B0506020202020204" pitchFamily="34" charset="0"/>
+              </a:rPr>
+              <a:t>Criando Ambientes de Desenvolvimento com </a:t>
+            </a:r>
+            <a:r>
               <a:rPr lang="pt-BR" sz="1600" b="1" dirty="0" err="1">
                 <a:solidFill>
                   <a:schemeClr val="bg1"/>
@@ -11214,7 +13068,7 @@
                 </a:solidFill>
                 <a:latin typeface="Avenir Next Condensed" panose="020B0506020202020204" pitchFamily="34" charset="0"/>
               </a:rPr>
-              <a:t>: Montando um ambiente de desenvolvimento | Prof. Me Fernando Salles Claro</a:t>
+              <a:t> | Prof. Me Fernando Salles Claro</a:t>
             </a:r>
           </a:p>
         </p:txBody>
@@ -11413,6 +13267,196 @@
   <p:clrMapOvr>
     <a:masterClrMapping/>
   </p:clrMapOvr>
+  <p:timing>
+    <p:tnLst>
+      <p:par>
+        <p:cTn id="1" dur="indefinite" restart="never" nodeType="tmRoot">
+          <p:childTnLst>
+            <p:seq concurrent="1" nextAc="seek">
+              <p:cTn id="2" dur="indefinite" nodeType="mainSeq">
+                <p:childTnLst>
+                  <p:par>
+                    <p:cTn id="3" fill="hold">
+                      <p:stCondLst>
+                        <p:cond delay="indefinite"/>
+                      </p:stCondLst>
+                      <p:childTnLst>
+                        <p:par>
+                          <p:cTn id="4" fill="hold">
+                            <p:stCondLst>
+                              <p:cond delay="0"/>
+                            </p:stCondLst>
+                            <p:childTnLst>
+                              <p:par>
+                                <p:cTn id="5" presetID="1" presetClass="entr" presetSubtype="0" fill="hold" nodeType="clickEffect">
+                                  <p:stCondLst>
+                                    <p:cond delay="0"/>
+                                  </p:stCondLst>
+                                  <p:childTnLst>
+                                    <p:set>
+                                      <p:cBhvr>
+                                        <p:cTn id="6" dur="1" fill="hold">
+                                          <p:stCondLst>
+                                            <p:cond delay="0"/>
+                                          </p:stCondLst>
+                                        </p:cTn>
+                                        <p:tgtEl>
+                                          <p:spTgt spid="3">
+                                            <p:txEl>
+                                              <p:pRg st="0" end="0"/>
+                                            </p:txEl>
+                                          </p:spTgt>
+                                        </p:tgtEl>
+                                        <p:attrNameLst>
+                                          <p:attrName>style.visibility</p:attrName>
+                                        </p:attrNameLst>
+                                      </p:cBhvr>
+                                      <p:to>
+                                        <p:strVal val="visible"/>
+                                      </p:to>
+                                    </p:set>
+                                  </p:childTnLst>
+                                </p:cTn>
+                              </p:par>
+                              <p:par>
+                                <p:cTn id="7" presetID="1" presetClass="entr" presetSubtype="0" fill="hold" nodeType="withEffect">
+                                  <p:stCondLst>
+                                    <p:cond delay="0"/>
+                                  </p:stCondLst>
+                                  <p:childTnLst>
+                                    <p:set>
+                                      <p:cBhvr>
+                                        <p:cTn id="8" dur="1" fill="hold">
+                                          <p:stCondLst>
+                                            <p:cond delay="0"/>
+                                          </p:stCondLst>
+                                        </p:cTn>
+                                        <p:tgtEl>
+                                          <p:spTgt spid="3">
+                                            <p:txEl>
+                                              <p:pRg st="2" end="2"/>
+                                            </p:txEl>
+                                          </p:spTgt>
+                                        </p:tgtEl>
+                                        <p:attrNameLst>
+                                          <p:attrName>style.visibility</p:attrName>
+                                        </p:attrNameLst>
+                                      </p:cBhvr>
+                                      <p:to>
+                                        <p:strVal val="visible"/>
+                                      </p:to>
+                                    </p:set>
+                                  </p:childTnLst>
+                                </p:cTn>
+                              </p:par>
+                            </p:childTnLst>
+                          </p:cTn>
+                        </p:par>
+                      </p:childTnLst>
+                    </p:cTn>
+                  </p:par>
+                  <p:par>
+                    <p:cTn id="9" fill="hold">
+                      <p:stCondLst>
+                        <p:cond delay="indefinite"/>
+                      </p:stCondLst>
+                      <p:childTnLst>
+                        <p:par>
+                          <p:cTn id="10" fill="hold">
+                            <p:stCondLst>
+                              <p:cond delay="0"/>
+                            </p:stCondLst>
+                            <p:childTnLst>
+                              <p:par>
+                                <p:cTn id="11" presetID="1" presetClass="entr" presetSubtype="0" fill="hold" nodeType="clickEffect">
+                                  <p:stCondLst>
+                                    <p:cond delay="0"/>
+                                  </p:stCondLst>
+                                  <p:childTnLst>
+                                    <p:set>
+                                      <p:cBhvr>
+                                        <p:cTn id="12" dur="1" fill="hold">
+                                          <p:stCondLst>
+                                            <p:cond delay="0"/>
+                                          </p:stCondLst>
+                                        </p:cTn>
+                                        <p:tgtEl>
+                                          <p:spTgt spid="3">
+                                            <p:txEl>
+                                              <p:pRg st="4" end="4"/>
+                                            </p:txEl>
+                                          </p:spTgt>
+                                        </p:tgtEl>
+                                        <p:attrNameLst>
+                                          <p:attrName>style.visibility</p:attrName>
+                                        </p:attrNameLst>
+                                      </p:cBhvr>
+                                      <p:to>
+                                        <p:strVal val="visible"/>
+                                      </p:to>
+                                    </p:set>
+                                  </p:childTnLst>
+                                </p:cTn>
+                              </p:par>
+                              <p:par>
+                                <p:cTn id="13" presetID="1" presetClass="entr" presetSubtype="0" fill="hold" nodeType="withEffect">
+                                  <p:stCondLst>
+                                    <p:cond delay="0"/>
+                                  </p:stCondLst>
+                                  <p:childTnLst>
+                                    <p:set>
+                                      <p:cBhvr>
+                                        <p:cTn id="14" dur="1" fill="hold">
+                                          <p:stCondLst>
+                                            <p:cond delay="0"/>
+                                          </p:stCondLst>
+                                        </p:cTn>
+                                        <p:tgtEl>
+                                          <p:spTgt spid="3">
+                                            <p:txEl>
+                                              <p:pRg st="6" end="6"/>
+                                            </p:txEl>
+                                          </p:spTgt>
+                                        </p:tgtEl>
+                                        <p:attrNameLst>
+                                          <p:attrName>style.visibility</p:attrName>
+                                        </p:attrNameLst>
+                                      </p:cBhvr>
+                                      <p:to>
+                                        <p:strVal val="visible"/>
+                                      </p:to>
+                                    </p:set>
+                                  </p:childTnLst>
+                                </p:cTn>
+                              </p:par>
+                            </p:childTnLst>
+                          </p:cTn>
+                        </p:par>
+                      </p:childTnLst>
+                    </p:cTn>
+                  </p:par>
+                </p:childTnLst>
+              </p:cTn>
+              <p:prevCondLst>
+                <p:cond evt="onPrev" delay="0">
+                  <p:tgtEl>
+                    <p:sldTgt/>
+                  </p:tgtEl>
+                </p:cond>
+              </p:prevCondLst>
+              <p:nextCondLst>
+                <p:cond evt="onNext" delay="0">
+                  <p:tgtEl>
+                    <p:sldTgt/>
+                  </p:tgtEl>
+                </p:cond>
+              </p:nextCondLst>
+            </p:seq>
+          </p:childTnLst>
+        </p:cTn>
+      </p:par>
+    </p:tnLst>
+  </p:timing>
 </p:sld>
 </file>
 
@@ -11804,6 +13848,15 @@
           <a:p>
             <a:pPr lvl="1"/>
             <a:r>
+              <a:rPr lang="pt-BR" sz="1600" b="1" dirty="0">
+                <a:solidFill>
+                  <a:schemeClr val="bg1"/>
+                </a:solidFill>
+                <a:latin typeface="Avenir Next Condensed" panose="020B0506020202020204" pitchFamily="34" charset="0"/>
+              </a:rPr>
+              <a:t>Criando Ambientes de Desenvolvimento com </a:t>
+            </a:r>
+            <a:r>
               <a:rPr lang="pt-BR" sz="1600" b="1" dirty="0" err="1">
                 <a:solidFill>
                   <a:schemeClr val="bg1"/>
@@ -11819,7 +13872,7 @@
                 </a:solidFill>
                 <a:latin typeface="Avenir Next Condensed" panose="020B0506020202020204" pitchFamily="34" charset="0"/>
               </a:rPr>
-              <a:t>: Montando um ambiente de desenvolvimento | Prof. Me Fernando Salles Claro</a:t>
+              <a:t> | Prof. Me Fernando Salles Claro</a:t>
             </a:r>
           </a:p>
         </p:txBody>
@@ -12018,6 +14071,196 @@
   <p:clrMapOvr>
     <a:masterClrMapping/>
   </p:clrMapOvr>
+  <p:timing>
+    <p:tnLst>
+      <p:par>
+        <p:cTn id="1" dur="indefinite" restart="never" nodeType="tmRoot">
+          <p:childTnLst>
+            <p:seq concurrent="1" nextAc="seek">
+              <p:cTn id="2" dur="indefinite" nodeType="mainSeq">
+                <p:childTnLst>
+                  <p:par>
+                    <p:cTn id="3" fill="hold">
+                      <p:stCondLst>
+                        <p:cond delay="indefinite"/>
+                      </p:stCondLst>
+                      <p:childTnLst>
+                        <p:par>
+                          <p:cTn id="4" fill="hold">
+                            <p:stCondLst>
+                              <p:cond delay="0"/>
+                            </p:stCondLst>
+                            <p:childTnLst>
+                              <p:par>
+                                <p:cTn id="5" presetID="1" presetClass="entr" presetSubtype="0" fill="hold" nodeType="clickEffect">
+                                  <p:stCondLst>
+                                    <p:cond delay="0"/>
+                                  </p:stCondLst>
+                                  <p:childTnLst>
+                                    <p:set>
+                                      <p:cBhvr>
+                                        <p:cTn id="6" dur="1" fill="hold">
+                                          <p:stCondLst>
+                                            <p:cond delay="0"/>
+                                          </p:stCondLst>
+                                        </p:cTn>
+                                        <p:tgtEl>
+                                          <p:spTgt spid="3">
+                                            <p:txEl>
+                                              <p:pRg st="0" end="0"/>
+                                            </p:txEl>
+                                          </p:spTgt>
+                                        </p:tgtEl>
+                                        <p:attrNameLst>
+                                          <p:attrName>style.visibility</p:attrName>
+                                        </p:attrNameLst>
+                                      </p:cBhvr>
+                                      <p:to>
+                                        <p:strVal val="visible"/>
+                                      </p:to>
+                                    </p:set>
+                                  </p:childTnLst>
+                                </p:cTn>
+                              </p:par>
+                              <p:par>
+                                <p:cTn id="7" presetID="1" presetClass="entr" presetSubtype="0" fill="hold" nodeType="withEffect">
+                                  <p:stCondLst>
+                                    <p:cond delay="0"/>
+                                  </p:stCondLst>
+                                  <p:childTnLst>
+                                    <p:set>
+                                      <p:cBhvr>
+                                        <p:cTn id="8" dur="1" fill="hold">
+                                          <p:stCondLst>
+                                            <p:cond delay="0"/>
+                                          </p:stCondLst>
+                                        </p:cTn>
+                                        <p:tgtEl>
+                                          <p:spTgt spid="3">
+                                            <p:txEl>
+                                              <p:pRg st="2" end="2"/>
+                                            </p:txEl>
+                                          </p:spTgt>
+                                        </p:tgtEl>
+                                        <p:attrNameLst>
+                                          <p:attrName>style.visibility</p:attrName>
+                                        </p:attrNameLst>
+                                      </p:cBhvr>
+                                      <p:to>
+                                        <p:strVal val="visible"/>
+                                      </p:to>
+                                    </p:set>
+                                  </p:childTnLst>
+                                </p:cTn>
+                              </p:par>
+                            </p:childTnLst>
+                          </p:cTn>
+                        </p:par>
+                      </p:childTnLst>
+                    </p:cTn>
+                  </p:par>
+                  <p:par>
+                    <p:cTn id="9" fill="hold">
+                      <p:stCondLst>
+                        <p:cond delay="indefinite"/>
+                      </p:stCondLst>
+                      <p:childTnLst>
+                        <p:par>
+                          <p:cTn id="10" fill="hold">
+                            <p:stCondLst>
+                              <p:cond delay="0"/>
+                            </p:stCondLst>
+                            <p:childTnLst>
+                              <p:par>
+                                <p:cTn id="11" presetID="1" presetClass="entr" presetSubtype="0" fill="hold" nodeType="clickEffect">
+                                  <p:stCondLst>
+                                    <p:cond delay="0"/>
+                                  </p:stCondLst>
+                                  <p:childTnLst>
+                                    <p:set>
+                                      <p:cBhvr>
+                                        <p:cTn id="12" dur="1" fill="hold">
+                                          <p:stCondLst>
+                                            <p:cond delay="0"/>
+                                          </p:stCondLst>
+                                        </p:cTn>
+                                        <p:tgtEl>
+                                          <p:spTgt spid="3">
+                                            <p:txEl>
+                                              <p:pRg st="4" end="4"/>
+                                            </p:txEl>
+                                          </p:spTgt>
+                                        </p:tgtEl>
+                                        <p:attrNameLst>
+                                          <p:attrName>style.visibility</p:attrName>
+                                        </p:attrNameLst>
+                                      </p:cBhvr>
+                                      <p:to>
+                                        <p:strVal val="visible"/>
+                                      </p:to>
+                                    </p:set>
+                                  </p:childTnLst>
+                                </p:cTn>
+                              </p:par>
+                              <p:par>
+                                <p:cTn id="13" presetID="1" presetClass="entr" presetSubtype="0" fill="hold" nodeType="withEffect">
+                                  <p:stCondLst>
+                                    <p:cond delay="0"/>
+                                  </p:stCondLst>
+                                  <p:childTnLst>
+                                    <p:set>
+                                      <p:cBhvr>
+                                        <p:cTn id="14" dur="1" fill="hold">
+                                          <p:stCondLst>
+                                            <p:cond delay="0"/>
+                                          </p:stCondLst>
+                                        </p:cTn>
+                                        <p:tgtEl>
+                                          <p:spTgt spid="3">
+                                            <p:txEl>
+                                              <p:pRg st="6" end="6"/>
+                                            </p:txEl>
+                                          </p:spTgt>
+                                        </p:tgtEl>
+                                        <p:attrNameLst>
+                                          <p:attrName>style.visibility</p:attrName>
+                                        </p:attrNameLst>
+                                      </p:cBhvr>
+                                      <p:to>
+                                        <p:strVal val="visible"/>
+                                      </p:to>
+                                    </p:set>
+                                  </p:childTnLst>
+                                </p:cTn>
+                              </p:par>
+                            </p:childTnLst>
+                          </p:cTn>
+                        </p:par>
+                      </p:childTnLst>
+                    </p:cTn>
+                  </p:par>
+                </p:childTnLst>
+              </p:cTn>
+              <p:prevCondLst>
+                <p:cond evt="onPrev" delay="0">
+                  <p:tgtEl>
+                    <p:sldTgt/>
+                  </p:tgtEl>
+                </p:cond>
+              </p:prevCondLst>
+              <p:nextCondLst>
+                <p:cond evt="onNext" delay="0">
+                  <p:tgtEl>
+                    <p:sldTgt/>
+                  </p:tgtEl>
+                </p:cond>
+              </p:nextCondLst>
+            </p:seq>
+          </p:childTnLst>
+        </p:cTn>
+      </p:par>
+    </p:tnLst>
+  </p:timing>
 </p:sld>
 </file>
 
@@ -12357,6 +14600,15 @@
           <a:p>
             <a:pPr lvl="1"/>
             <a:r>
+              <a:rPr lang="pt-BR" sz="1600" b="1" dirty="0">
+                <a:solidFill>
+                  <a:schemeClr val="bg1"/>
+                </a:solidFill>
+                <a:latin typeface="Avenir Next Condensed" panose="020B0506020202020204" pitchFamily="34" charset="0"/>
+              </a:rPr>
+              <a:t>Criando Ambientes de Desenvolvimento com </a:t>
+            </a:r>
+            <a:r>
               <a:rPr lang="pt-BR" sz="1600" b="1" dirty="0" err="1">
                 <a:solidFill>
                   <a:schemeClr val="bg1"/>
@@ -12372,7 +14624,7 @@
                 </a:solidFill>
                 <a:latin typeface="Avenir Next Condensed" panose="020B0506020202020204" pitchFamily="34" charset="0"/>
               </a:rPr>
-              <a:t>: Montando um ambiente de desenvolvimento | Prof. Me Fernando Salles Claro</a:t>
+              <a:t> | Prof. Me Fernando Salles Claro</a:t>
             </a:r>
           </a:p>
         </p:txBody>
@@ -12571,6 +14823,116 @@
   <p:clrMapOvr>
     <a:masterClrMapping/>
   </p:clrMapOvr>
+  <p:timing>
+    <p:tnLst>
+      <p:par>
+        <p:cTn id="1" dur="indefinite" restart="never" nodeType="tmRoot">
+          <p:childTnLst>
+            <p:seq concurrent="1" nextAc="seek">
+              <p:cTn id="2" dur="indefinite" nodeType="mainSeq">
+                <p:childTnLst>
+                  <p:par>
+                    <p:cTn id="3" fill="hold">
+                      <p:stCondLst>
+                        <p:cond delay="indefinite"/>
+                      </p:stCondLst>
+                      <p:childTnLst>
+                        <p:par>
+                          <p:cTn id="4" fill="hold">
+                            <p:stCondLst>
+                              <p:cond delay="0"/>
+                            </p:stCondLst>
+                            <p:childTnLst>
+                              <p:par>
+                                <p:cTn id="5" presetID="1" presetClass="entr" presetSubtype="0" fill="hold" nodeType="clickEffect">
+                                  <p:stCondLst>
+                                    <p:cond delay="0"/>
+                                  </p:stCondLst>
+                                  <p:childTnLst>
+                                    <p:set>
+                                      <p:cBhvr>
+                                        <p:cTn id="6" dur="1" fill="hold">
+                                          <p:stCondLst>
+                                            <p:cond delay="0"/>
+                                          </p:stCondLst>
+                                        </p:cTn>
+                                        <p:tgtEl>
+                                          <p:spTgt spid="3">
+                                            <p:txEl>
+                                              <p:pRg st="0" end="0"/>
+                                            </p:txEl>
+                                          </p:spTgt>
+                                        </p:tgtEl>
+                                        <p:attrNameLst>
+                                          <p:attrName>style.visibility</p:attrName>
+                                        </p:attrNameLst>
+                                      </p:cBhvr>
+                                      <p:to>
+                                        <p:strVal val="visible"/>
+                                      </p:to>
+                                    </p:set>
+                                  </p:childTnLst>
+                                </p:cTn>
+                              </p:par>
+                              <p:par>
+                                <p:cTn id="7" presetID="1" presetClass="entr" presetSubtype="0" fill="hold" nodeType="withEffect">
+                                  <p:stCondLst>
+                                    <p:cond delay="0"/>
+                                  </p:stCondLst>
+                                  <p:childTnLst>
+                                    <p:set>
+                                      <p:cBhvr>
+                                        <p:cTn id="8" dur="1" fill="hold">
+                                          <p:stCondLst>
+                                            <p:cond delay="0"/>
+                                          </p:stCondLst>
+                                        </p:cTn>
+                                        <p:tgtEl>
+                                          <p:spTgt spid="3">
+                                            <p:txEl>
+                                              <p:pRg st="2" end="2"/>
+                                            </p:txEl>
+                                          </p:spTgt>
+                                        </p:tgtEl>
+                                        <p:attrNameLst>
+                                          <p:attrName>style.visibility</p:attrName>
+                                        </p:attrNameLst>
+                                      </p:cBhvr>
+                                      <p:to>
+                                        <p:strVal val="visible"/>
+                                      </p:to>
+                                    </p:set>
+                                  </p:childTnLst>
+                                </p:cTn>
+                              </p:par>
+                            </p:childTnLst>
+                          </p:cTn>
+                        </p:par>
+                      </p:childTnLst>
+                    </p:cTn>
+                  </p:par>
+                </p:childTnLst>
+              </p:cTn>
+              <p:prevCondLst>
+                <p:cond evt="onPrev" delay="0">
+                  <p:tgtEl>
+                    <p:sldTgt/>
+                  </p:tgtEl>
+                </p:cond>
+              </p:prevCondLst>
+              <p:nextCondLst>
+                <p:cond evt="onNext" delay="0">
+                  <p:tgtEl>
+                    <p:sldTgt/>
+                  </p:tgtEl>
+                </p:cond>
+              </p:nextCondLst>
+            </p:seq>
+          </p:childTnLst>
+        </p:cTn>
+      </p:par>
+    </p:tnLst>
+  </p:timing>
 </p:sld>
 </file>
 
@@ -13013,6 +15375,15 @@
           <a:p>
             <a:pPr lvl="1"/>
             <a:r>
+              <a:rPr lang="pt-BR" sz="1600" b="1" dirty="0">
+                <a:solidFill>
+                  <a:schemeClr val="bg1"/>
+                </a:solidFill>
+                <a:latin typeface="Avenir Next Condensed" panose="020B0506020202020204" pitchFamily="34" charset="0"/>
+              </a:rPr>
+              <a:t>Criando Ambientes de Desenvolvimento com </a:t>
+            </a:r>
+            <a:r>
               <a:rPr lang="pt-BR" sz="1600" b="1" dirty="0" err="1">
                 <a:solidFill>
                   <a:schemeClr val="bg1"/>
@@ -13028,7 +15399,7 @@
                 </a:solidFill>
                 <a:latin typeface="Avenir Next Condensed" panose="020B0506020202020204" pitchFamily="34" charset="0"/>
               </a:rPr>
-              <a:t>: Montando um ambiente de desenvolvimento | Prof. Me Fernando Salles Claro</a:t>
+              <a:t> | Prof. Me Fernando Salles Claro</a:t>
             </a:r>
           </a:p>
         </p:txBody>
@@ -13227,6 +15598,196 @@
   <p:clrMapOvr>
     <a:masterClrMapping/>
   </p:clrMapOvr>
+  <p:timing>
+    <p:tnLst>
+      <p:par>
+        <p:cTn id="1" dur="indefinite" restart="never" nodeType="tmRoot">
+          <p:childTnLst>
+            <p:seq concurrent="1" nextAc="seek">
+              <p:cTn id="2" dur="indefinite" nodeType="mainSeq">
+                <p:childTnLst>
+                  <p:par>
+                    <p:cTn id="3" fill="hold">
+                      <p:stCondLst>
+                        <p:cond delay="indefinite"/>
+                      </p:stCondLst>
+                      <p:childTnLst>
+                        <p:par>
+                          <p:cTn id="4" fill="hold">
+                            <p:stCondLst>
+                              <p:cond delay="0"/>
+                            </p:stCondLst>
+                            <p:childTnLst>
+                              <p:par>
+                                <p:cTn id="5" presetID="1" presetClass="entr" presetSubtype="0" fill="hold" nodeType="clickEffect">
+                                  <p:stCondLst>
+                                    <p:cond delay="0"/>
+                                  </p:stCondLst>
+                                  <p:childTnLst>
+                                    <p:set>
+                                      <p:cBhvr>
+                                        <p:cTn id="6" dur="1" fill="hold">
+                                          <p:stCondLst>
+                                            <p:cond delay="0"/>
+                                          </p:stCondLst>
+                                        </p:cTn>
+                                        <p:tgtEl>
+                                          <p:spTgt spid="3">
+                                            <p:txEl>
+                                              <p:pRg st="0" end="0"/>
+                                            </p:txEl>
+                                          </p:spTgt>
+                                        </p:tgtEl>
+                                        <p:attrNameLst>
+                                          <p:attrName>style.visibility</p:attrName>
+                                        </p:attrNameLst>
+                                      </p:cBhvr>
+                                      <p:to>
+                                        <p:strVal val="visible"/>
+                                      </p:to>
+                                    </p:set>
+                                  </p:childTnLst>
+                                </p:cTn>
+                              </p:par>
+                              <p:par>
+                                <p:cTn id="7" presetID="1" presetClass="entr" presetSubtype="0" fill="hold" nodeType="withEffect">
+                                  <p:stCondLst>
+                                    <p:cond delay="0"/>
+                                  </p:stCondLst>
+                                  <p:childTnLst>
+                                    <p:set>
+                                      <p:cBhvr>
+                                        <p:cTn id="8" dur="1" fill="hold">
+                                          <p:stCondLst>
+                                            <p:cond delay="0"/>
+                                          </p:stCondLst>
+                                        </p:cTn>
+                                        <p:tgtEl>
+                                          <p:spTgt spid="3">
+                                            <p:txEl>
+                                              <p:pRg st="2" end="2"/>
+                                            </p:txEl>
+                                          </p:spTgt>
+                                        </p:tgtEl>
+                                        <p:attrNameLst>
+                                          <p:attrName>style.visibility</p:attrName>
+                                        </p:attrNameLst>
+                                      </p:cBhvr>
+                                      <p:to>
+                                        <p:strVal val="visible"/>
+                                      </p:to>
+                                    </p:set>
+                                  </p:childTnLst>
+                                </p:cTn>
+                              </p:par>
+                            </p:childTnLst>
+                          </p:cTn>
+                        </p:par>
+                      </p:childTnLst>
+                    </p:cTn>
+                  </p:par>
+                  <p:par>
+                    <p:cTn id="9" fill="hold">
+                      <p:stCondLst>
+                        <p:cond delay="indefinite"/>
+                      </p:stCondLst>
+                      <p:childTnLst>
+                        <p:par>
+                          <p:cTn id="10" fill="hold">
+                            <p:stCondLst>
+                              <p:cond delay="0"/>
+                            </p:stCondLst>
+                            <p:childTnLst>
+                              <p:par>
+                                <p:cTn id="11" presetID="1" presetClass="entr" presetSubtype="0" fill="hold" nodeType="clickEffect">
+                                  <p:stCondLst>
+                                    <p:cond delay="0"/>
+                                  </p:stCondLst>
+                                  <p:childTnLst>
+                                    <p:set>
+                                      <p:cBhvr>
+                                        <p:cTn id="12" dur="1" fill="hold">
+                                          <p:stCondLst>
+                                            <p:cond delay="0"/>
+                                          </p:stCondLst>
+                                        </p:cTn>
+                                        <p:tgtEl>
+                                          <p:spTgt spid="3">
+                                            <p:txEl>
+                                              <p:pRg st="4" end="4"/>
+                                            </p:txEl>
+                                          </p:spTgt>
+                                        </p:tgtEl>
+                                        <p:attrNameLst>
+                                          <p:attrName>style.visibility</p:attrName>
+                                        </p:attrNameLst>
+                                      </p:cBhvr>
+                                      <p:to>
+                                        <p:strVal val="visible"/>
+                                      </p:to>
+                                    </p:set>
+                                  </p:childTnLst>
+                                </p:cTn>
+                              </p:par>
+                              <p:par>
+                                <p:cTn id="13" presetID="1" presetClass="entr" presetSubtype="0" fill="hold" nodeType="withEffect">
+                                  <p:stCondLst>
+                                    <p:cond delay="0"/>
+                                  </p:stCondLst>
+                                  <p:childTnLst>
+                                    <p:set>
+                                      <p:cBhvr>
+                                        <p:cTn id="14" dur="1" fill="hold">
+                                          <p:stCondLst>
+                                            <p:cond delay="0"/>
+                                          </p:stCondLst>
+                                        </p:cTn>
+                                        <p:tgtEl>
+                                          <p:spTgt spid="3">
+                                            <p:txEl>
+                                              <p:pRg st="6" end="6"/>
+                                            </p:txEl>
+                                          </p:spTgt>
+                                        </p:tgtEl>
+                                        <p:attrNameLst>
+                                          <p:attrName>style.visibility</p:attrName>
+                                        </p:attrNameLst>
+                                      </p:cBhvr>
+                                      <p:to>
+                                        <p:strVal val="visible"/>
+                                      </p:to>
+                                    </p:set>
+                                  </p:childTnLst>
+                                </p:cTn>
+                              </p:par>
+                            </p:childTnLst>
+                          </p:cTn>
+                        </p:par>
+                      </p:childTnLst>
+                    </p:cTn>
+                  </p:par>
+                </p:childTnLst>
+              </p:cTn>
+              <p:prevCondLst>
+                <p:cond evt="onPrev" delay="0">
+                  <p:tgtEl>
+                    <p:sldTgt/>
+                  </p:tgtEl>
+                </p:cond>
+              </p:prevCondLst>
+              <p:nextCondLst>
+                <p:cond evt="onNext" delay="0">
+                  <p:tgtEl>
+                    <p:sldTgt/>
+                  </p:tgtEl>
+                </p:cond>
+              </p:nextCondLst>
+            </p:seq>
+          </p:childTnLst>
+        </p:cTn>
+      </p:par>
+    </p:tnLst>
+  </p:timing>
 </p:sld>
 </file>
 
@@ -13781,6 +16342,15 @@
           <a:p>
             <a:pPr lvl="1"/>
             <a:r>
+              <a:rPr lang="pt-BR" sz="1600" b="1" dirty="0">
+                <a:solidFill>
+                  <a:schemeClr val="bg1"/>
+                </a:solidFill>
+                <a:latin typeface="Avenir Next Condensed" panose="020B0506020202020204" pitchFamily="34" charset="0"/>
+              </a:rPr>
+              <a:t>Criando Ambientes de Desenvolvimento com </a:t>
+            </a:r>
+            <a:r>
               <a:rPr lang="pt-BR" sz="1600" b="1" dirty="0" err="1">
                 <a:solidFill>
                   <a:schemeClr val="bg1"/>
@@ -13796,7 +16366,7 @@
                 </a:solidFill>
                 <a:latin typeface="Avenir Next Condensed" panose="020B0506020202020204" pitchFamily="34" charset="0"/>
               </a:rPr>
-              <a:t>: Montando um ambiente de desenvolvimento | Prof. Me Fernando Salles Claro</a:t>
+              <a:t> | Prof. Me Fernando Salles Claro</a:t>
             </a:r>
           </a:p>
         </p:txBody>
@@ -13995,6 +16565,196 @@
   <p:clrMapOvr>
     <a:masterClrMapping/>
   </p:clrMapOvr>
+  <p:timing>
+    <p:tnLst>
+      <p:par>
+        <p:cTn id="1" dur="indefinite" restart="never" nodeType="tmRoot">
+          <p:childTnLst>
+            <p:seq concurrent="1" nextAc="seek">
+              <p:cTn id="2" dur="indefinite" nodeType="mainSeq">
+                <p:childTnLst>
+                  <p:par>
+                    <p:cTn id="3" fill="hold">
+                      <p:stCondLst>
+                        <p:cond delay="indefinite"/>
+                      </p:stCondLst>
+                      <p:childTnLst>
+                        <p:par>
+                          <p:cTn id="4" fill="hold">
+                            <p:stCondLst>
+                              <p:cond delay="0"/>
+                            </p:stCondLst>
+                            <p:childTnLst>
+                              <p:par>
+                                <p:cTn id="5" presetID="1" presetClass="entr" presetSubtype="0" fill="hold" nodeType="clickEffect">
+                                  <p:stCondLst>
+                                    <p:cond delay="0"/>
+                                  </p:stCondLst>
+                                  <p:childTnLst>
+                                    <p:set>
+                                      <p:cBhvr>
+                                        <p:cTn id="6" dur="1" fill="hold">
+                                          <p:stCondLst>
+                                            <p:cond delay="0"/>
+                                          </p:stCondLst>
+                                        </p:cTn>
+                                        <p:tgtEl>
+                                          <p:spTgt spid="3">
+                                            <p:txEl>
+                                              <p:pRg st="0" end="0"/>
+                                            </p:txEl>
+                                          </p:spTgt>
+                                        </p:tgtEl>
+                                        <p:attrNameLst>
+                                          <p:attrName>style.visibility</p:attrName>
+                                        </p:attrNameLst>
+                                      </p:cBhvr>
+                                      <p:to>
+                                        <p:strVal val="visible"/>
+                                      </p:to>
+                                    </p:set>
+                                  </p:childTnLst>
+                                </p:cTn>
+                              </p:par>
+                              <p:par>
+                                <p:cTn id="7" presetID="1" presetClass="entr" presetSubtype="0" fill="hold" nodeType="withEffect">
+                                  <p:stCondLst>
+                                    <p:cond delay="0"/>
+                                  </p:stCondLst>
+                                  <p:childTnLst>
+                                    <p:set>
+                                      <p:cBhvr>
+                                        <p:cTn id="8" dur="1" fill="hold">
+                                          <p:stCondLst>
+                                            <p:cond delay="0"/>
+                                          </p:stCondLst>
+                                        </p:cTn>
+                                        <p:tgtEl>
+                                          <p:spTgt spid="3">
+                                            <p:txEl>
+                                              <p:pRg st="2" end="2"/>
+                                            </p:txEl>
+                                          </p:spTgt>
+                                        </p:tgtEl>
+                                        <p:attrNameLst>
+                                          <p:attrName>style.visibility</p:attrName>
+                                        </p:attrNameLst>
+                                      </p:cBhvr>
+                                      <p:to>
+                                        <p:strVal val="visible"/>
+                                      </p:to>
+                                    </p:set>
+                                  </p:childTnLst>
+                                </p:cTn>
+                              </p:par>
+                            </p:childTnLst>
+                          </p:cTn>
+                        </p:par>
+                      </p:childTnLst>
+                    </p:cTn>
+                  </p:par>
+                  <p:par>
+                    <p:cTn id="9" fill="hold">
+                      <p:stCondLst>
+                        <p:cond delay="indefinite"/>
+                      </p:stCondLst>
+                      <p:childTnLst>
+                        <p:par>
+                          <p:cTn id="10" fill="hold">
+                            <p:stCondLst>
+                              <p:cond delay="0"/>
+                            </p:stCondLst>
+                            <p:childTnLst>
+                              <p:par>
+                                <p:cTn id="11" presetID="1" presetClass="entr" presetSubtype="0" fill="hold" nodeType="clickEffect">
+                                  <p:stCondLst>
+                                    <p:cond delay="0"/>
+                                  </p:stCondLst>
+                                  <p:childTnLst>
+                                    <p:set>
+                                      <p:cBhvr>
+                                        <p:cTn id="12" dur="1" fill="hold">
+                                          <p:stCondLst>
+                                            <p:cond delay="0"/>
+                                          </p:stCondLst>
+                                        </p:cTn>
+                                        <p:tgtEl>
+                                          <p:spTgt spid="3">
+                                            <p:txEl>
+                                              <p:pRg st="4" end="4"/>
+                                            </p:txEl>
+                                          </p:spTgt>
+                                        </p:tgtEl>
+                                        <p:attrNameLst>
+                                          <p:attrName>style.visibility</p:attrName>
+                                        </p:attrNameLst>
+                                      </p:cBhvr>
+                                      <p:to>
+                                        <p:strVal val="visible"/>
+                                      </p:to>
+                                    </p:set>
+                                  </p:childTnLst>
+                                </p:cTn>
+                              </p:par>
+                              <p:par>
+                                <p:cTn id="13" presetID="1" presetClass="entr" presetSubtype="0" fill="hold" nodeType="withEffect">
+                                  <p:stCondLst>
+                                    <p:cond delay="0"/>
+                                  </p:stCondLst>
+                                  <p:childTnLst>
+                                    <p:set>
+                                      <p:cBhvr>
+                                        <p:cTn id="14" dur="1" fill="hold">
+                                          <p:stCondLst>
+                                            <p:cond delay="0"/>
+                                          </p:stCondLst>
+                                        </p:cTn>
+                                        <p:tgtEl>
+                                          <p:spTgt spid="3">
+                                            <p:txEl>
+                                              <p:pRg st="6" end="6"/>
+                                            </p:txEl>
+                                          </p:spTgt>
+                                        </p:tgtEl>
+                                        <p:attrNameLst>
+                                          <p:attrName>style.visibility</p:attrName>
+                                        </p:attrNameLst>
+                                      </p:cBhvr>
+                                      <p:to>
+                                        <p:strVal val="visible"/>
+                                      </p:to>
+                                    </p:set>
+                                  </p:childTnLst>
+                                </p:cTn>
+                              </p:par>
+                            </p:childTnLst>
+                          </p:cTn>
+                        </p:par>
+                      </p:childTnLst>
+                    </p:cTn>
+                  </p:par>
+                </p:childTnLst>
+              </p:cTn>
+              <p:prevCondLst>
+                <p:cond evt="onPrev" delay="0">
+                  <p:tgtEl>
+                    <p:sldTgt/>
+                  </p:tgtEl>
+                </p:cond>
+              </p:prevCondLst>
+              <p:nextCondLst>
+                <p:cond evt="onNext" delay="0">
+                  <p:tgtEl>
+                    <p:sldTgt/>
+                  </p:tgtEl>
+                </p:cond>
+              </p:nextCondLst>
+            </p:seq>
+          </p:childTnLst>
+        </p:cTn>
+      </p:par>
+    </p:tnLst>
+  </p:timing>
 </p:sld>
 </file>
 
@@ -14405,6 +17165,15 @@
           <a:p>
             <a:pPr lvl="1"/>
             <a:r>
+              <a:rPr lang="pt-BR" sz="1600" b="1" dirty="0">
+                <a:solidFill>
+                  <a:schemeClr val="bg1"/>
+                </a:solidFill>
+                <a:latin typeface="Avenir Next Condensed" panose="020B0506020202020204" pitchFamily="34" charset="0"/>
+              </a:rPr>
+              <a:t>Criando Ambientes de Desenvolvimento com </a:t>
+            </a:r>
+            <a:r>
               <a:rPr lang="pt-BR" sz="1600" b="1" dirty="0" err="1">
                 <a:solidFill>
                   <a:schemeClr val="bg1"/>
@@ -14420,7 +17189,7 @@
                 </a:solidFill>
                 <a:latin typeface="Avenir Next Condensed" panose="020B0506020202020204" pitchFamily="34" charset="0"/>
               </a:rPr>
-              <a:t>: Montando um ambiente de desenvolvimento | Prof. Me Fernando Salles Claro</a:t>
+              <a:t> | Prof. Me Fernando Salles Claro</a:t>
             </a:r>
           </a:p>
         </p:txBody>
@@ -14619,6 +17388,196 @@
   <p:clrMapOvr>
     <a:masterClrMapping/>
   </p:clrMapOvr>
+  <p:timing>
+    <p:tnLst>
+      <p:par>
+        <p:cTn id="1" dur="indefinite" restart="never" nodeType="tmRoot">
+          <p:childTnLst>
+            <p:seq concurrent="1" nextAc="seek">
+              <p:cTn id="2" dur="indefinite" nodeType="mainSeq">
+                <p:childTnLst>
+                  <p:par>
+                    <p:cTn id="3" fill="hold">
+                      <p:stCondLst>
+                        <p:cond delay="indefinite"/>
+                      </p:stCondLst>
+                      <p:childTnLst>
+                        <p:par>
+                          <p:cTn id="4" fill="hold">
+                            <p:stCondLst>
+                              <p:cond delay="0"/>
+                            </p:stCondLst>
+                            <p:childTnLst>
+                              <p:par>
+                                <p:cTn id="5" presetID="1" presetClass="entr" presetSubtype="0" fill="hold" nodeType="clickEffect">
+                                  <p:stCondLst>
+                                    <p:cond delay="0"/>
+                                  </p:stCondLst>
+                                  <p:childTnLst>
+                                    <p:set>
+                                      <p:cBhvr>
+                                        <p:cTn id="6" dur="1" fill="hold">
+                                          <p:stCondLst>
+                                            <p:cond delay="0"/>
+                                          </p:stCondLst>
+                                        </p:cTn>
+                                        <p:tgtEl>
+                                          <p:spTgt spid="3">
+                                            <p:txEl>
+                                              <p:pRg st="0" end="0"/>
+                                            </p:txEl>
+                                          </p:spTgt>
+                                        </p:tgtEl>
+                                        <p:attrNameLst>
+                                          <p:attrName>style.visibility</p:attrName>
+                                        </p:attrNameLst>
+                                      </p:cBhvr>
+                                      <p:to>
+                                        <p:strVal val="visible"/>
+                                      </p:to>
+                                    </p:set>
+                                  </p:childTnLst>
+                                </p:cTn>
+                              </p:par>
+                              <p:par>
+                                <p:cTn id="7" presetID="1" presetClass="entr" presetSubtype="0" fill="hold" nodeType="withEffect">
+                                  <p:stCondLst>
+                                    <p:cond delay="0"/>
+                                  </p:stCondLst>
+                                  <p:childTnLst>
+                                    <p:set>
+                                      <p:cBhvr>
+                                        <p:cTn id="8" dur="1" fill="hold">
+                                          <p:stCondLst>
+                                            <p:cond delay="0"/>
+                                          </p:stCondLst>
+                                        </p:cTn>
+                                        <p:tgtEl>
+                                          <p:spTgt spid="3">
+                                            <p:txEl>
+                                              <p:pRg st="2" end="2"/>
+                                            </p:txEl>
+                                          </p:spTgt>
+                                        </p:tgtEl>
+                                        <p:attrNameLst>
+                                          <p:attrName>style.visibility</p:attrName>
+                                        </p:attrNameLst>
+                                      </p:cBhvr>
+                                      <p:to>
+                                        <p:strVal val="visible"/>
+                                      </p:to>
+                                    </p:set>
+                                  </p:childTnLst>
+                                </p:cTn>
+                              </p:par>
+                            </p:childTnLst>
+                          </p:cTn>
+                        </p:par>
+                      </p:childTnLst>
+                    </p:cTn>
+                  </p:par>
+                  <p:par>
+                    <p:cTn id="9" fill="hold">
+                      <p:stCondLst>
+                        <p:cond delay="indefinite"/>
+                      </p:stCondLst>
+                      <p:childTnLst>
+                        <p:par>
+                          <p:cTn id="10" fill="hold">
+                            <p:stCondLst>
+                              <p:cond delay="0"/>
+                            </p:stCondLst>
+                            <p:childTnLst>
+                              <p:par>
+                                <p:cTn id="11" presetID="1" presetClass="entr" presetSubtype="0" fill="hold" nodeType="clickEffect">
+                                  <p:stCondLst>
+                                    <p:cond delay="0"/>
+                                  </p:stCondLst>
+                                  <p:childTnLst>
+                                    <p:set>
+                                      <p:cBhvr>
+                                        <p:cTn id="12" dur="1" fill="hold">
+                                          <p:stCondLst>
+                                            <p:cond delay="0"/>
+                                          </p:stCondLst>
+                                        </p:cTn>
+                                        <p:tgtEl>
+                                          <p:spTgt spid="3">
+                                            <p:txEl>
+                                              <p:pRg st="4" end="4"/>
+                                            </p:txEl>
+                                          </p:spTgt>
+                                        </p:tgtEl>
+                                        <p:attrNameLst>
+                                          <p:attrName>style.visibility</p:attrName>
+                                        </p:attrNameLst>
+                                      </p:cBhvr>
+                                      <p:to>
+                                        <p:strVal val="visible"/>
+                                      </p:to>
+                                    </p:set>
+                                  </p:childTnLst>
+                                </p:cTn>
+                              </p:par>
+                              <p:par>
+                                <p:cTn id="13" presetID="1" presetClass="entr" presetSubtype="0" fill="hold" nodeType="withEffect">
+                                  <p:stCondLst>
+                                    <p:cond delay="0"/>
+                                  </p:stCondLst>
+                                  <p:childTnLst>
+                                    <p:set>
+                                      <p:cBhvr>
+                                        <p:cTn id="14" dur="1" fill="hold">
+                                          <p:stCondLst>
+                                            <p:cond delay="0"/>
+                                          </p:stCondLst>
+                                        </p:cTn>
+                                        <p:tgtEl>
+                                          <p:spTgt spid="3">
+                                            <p:txEl>
+                                              <p:pRg st="6" end="6"/>
+                                            </p:txEl>
+                                          </p:spTgt>
+                                        </p:tgtEl>
+                                        <p:attrNameLst>
+                                          <p:attrName>style.visibility</p:attrName>
+                                        </p:attrNameLst>
+                                      </p:cBhvr>
+                                      <p:to>
+                                        <p:strVal val="visible"/>
+                                      </p:to>
+                                    </p:set>
+                                  </p:childTnLst>
+                                </p:cTn>
+                              </p:par>
+                            </p:childTnLst>
+                          </p:cTn>
+                        </p:par>
+                      </p:childTnLst>
+                    </p:cTn>
+                  </p:par>
+                </p:childTnLst>
+              </p:cTn>
+              <p:prevCondLst>
+                <p:cond evt="onPrev" delay="0">
+                  <p:tgtEl>
+                    <p:sldTgt/>
+                  </p:tgtEl>
+                </p:cond>
+              </p:prevCondLst>
+              <p:nextCondLst>
+                <p:cond evt="onNext" delay="0">
+                  <p:tgtEl>
+                    <p:sldTgt/>
+                  </p:tgtEl>
+                </p:cond>
+              </p:nextCondLst>
+            </p:seq>
+          </p:childTnLst>
+        </p:cTn>
+      </p:par>
+    </p:tnLst>
+  </p:timing>
 </p:sld>
 </file>
 
@@ -15061,6 +18020,15 @@
           <a:p>
             <a:pPr lvl="1"/>
             <a:r>
+              <a:rPr lang="pt-BR" sz="1600" b="1" dirty="0">
+                <a:solidFill>
+                  <a:schemeClr val="bg1"/>
+                </a:solidFill>
+                <a:latin typeface="Avenir Next Condensed" panose="020B0506020202020204" pitchFamily="34" charset="0"/>
+              </a:rPr>
+              <a:t>Criando Ambientes de Desenvolvimento com </a:t>
+            </a:r>
+            <a:r>
               <a:rPr lang="pt-BR" sz="1600" b="1" dirty="0" err="1">
                 <a:solidFill>
                   <a:schemeClr val="bg1"/>
@@ -15076,7 +18044,7 @@
                 </a:solidFill>
                 <a:latin typeface="Avenir Next Condensed" panose="020B0506020202020204" pitchFamily="34" charset="0"/>
               </a:rPr>
-              <a:t>: Montando um ambiente de desenvolvimento | Prof. Me Fernando Salles Claro</a:t>
+              <a:t> | Prof. Me Fernando Salles Claro</a:t>
             </a:r>
           </a:p>
         </p:txBody>
@@ -15275,6 +18243,196 @@
   <p:clrMapOvr>
     <a:masterClrMapping/>
   </p:clrMapOvr>
+  <p:timing>
+    <p:tnLst>
+      <p:par>
+        <p:cTn id="1" dur="indefinite" restart="never" nodeType="tmRoot">
+          <p:childTnLst>
+            <p:seq concurrent="1" nextAc="seek">
+              <p:cTn id="2" dur="indefinite" nodeType="mainSeq">
+                <p:childTnLst>
+                  <p:par>
+                    <p:cTn id="3" fill="hold">
+                      <p:stCondLst>
+                        <p:cond delay="indefinite"/>
+                      </p:stCondLst>
+                      <p:childTnLst>
+                        <p:par>
+                          <p:cTn id="4" fill="hold">
+                            <p:stCondLst>
+                              <p:cond delay="0"/>
+                            </p:stCondLst>
+                            <p:childTnLst>
+                              <p:par>
+                                <p:cTn id="5" presetID="1" presetClass="entr" presetSubtype="0" fill="hold" nodeType="clickEffect">
+                                  <p:stCondLst>
+                                    <p:cond delay="0"/>
+                                  </p:stCondLst>
+                                  <p:childTnLst>
+                                    <p:set>
+                                      <p:cBhvr>
+                                        <p:cTn id="6" dur="1" fill="hold">
+                                          <p:stCondLst>
+                                            <p:cond delay="0"/>
+                                          </p:stCondLst>
+                                        </p:cTn>
+                                        <p:tgtEl>
+                                          <p:spTgt spid="3">
+                                            <p:txEl>
+                                              <p:pRg st="0" end="0"/>
+                                            </p:txEl>
+                                          </p:spTgt>
+                                        </p:tgtEl>
+                                        <p:attrNameLst>
+                                          <p:attrName>style.visibility</p:attrName>
+                                        </p:attrNameLst>
+                                      </p:cBhvr>
+                                      <p:to>
+                                        <p:strVal val="visible"/>
+                                      </p:to>
+                                    </p:set>
+                                  </p:childTnLst>
+                                </p:cTn>
+                              </p:par>
+                              <p:par>
+                                <p:cTn id="7" presetID="1" presetClass="entr" presetSubtype="0" fill="hold" nodeType="withEffect">
+                                  <p:stCondLst>
+                                    <p:cond delay="0"/>
+                                  </p:stCondLst>
+                                  <p:childTnLst>
+                                    <p:set>
+                                      <p:cBhvr>
+                                        <p:cTn id="8" dur="1" fill="hold">
+                                          <p:stCondLst>
+                                            <p:cond delay="0"/>
+                                          </p:stCondLst>
+                                        </p:cTn>
+                                        <p:tgtEl>
+                                          <p:spTgt spid="3">
+                                            <p:txEl>
+                                              <p:pRg st="2" end="2"/>
+                                            </p:txEl>
+                                          </p:spTgt>
+                                        </p:tgtEl>
+                                        <p:attrNameLst>
+                                          <p:attrName>style.visibility</p:attrName>
+                                        </p:attrNameLst>
+                                      </p:cBhvr>
+                                      <p:to>
+                                        <p:strVal val="visible"/>
+                                      </p:to>
+                                    </p:set>
+                                  </p:childTnLst>
+                                </p:cTn>
+                              </p:par>
+                            </p:childTnLst>
+                          </p:cTn>
+                        </p:par>
+                      </p:childTnLst>
+                    </p:cTn>
+                  </p:par>
+                  <p:par>
+                    <p:cTn id="9" fill="hold">
+                      <p:stCondLst>
+                        <p:cond delay="indefinite"/>
+                      </p:stCondLst>
+                      <p:childTnLst>
+                        <p:par>
+                          <p:cTn id="10" fill="hold">
+                            <p:stCondLst>
+                              <p:cond delay="0"/>
+                            </p:stCondLst>
+                            <p:childTnLst>
+                              <p:par>
+                                <p:cTn id="11" presetID="1" presetClass="entr" presetSubtype="0" fill="hold" nodeType="clickEffect">
+                                  <p:stCondLst>
+                                    <p:cond delay="0"/>
+                                  </p:stCondLst>
+                                  <p:childTnLst>
+                                    <p:set>
+                                      <p:cBhvr>
+                                        <p:cTn id="12" dur="1" fill="hold">
+                                          <p:stCondLst>
+                                            <p:cond delay="0"/>
+                                          </p:stCondLst>
+                                        </p:cTn>
+                                        <p:tgtEl>
+                                          <p:spTgt spid="3">
+                                            <p:txEl>
+                                              <p:pRg st="4" end="4"/>
+                                            </p:txEl>
+                                          </p:spTgt>
+                                        </p:tgtEl>
+                                        <p:attrNameLst>
+                                          <p:attrName>style.visibility</p:attrName>
+                                        </p:attrNameLst>
+                                      </p:cBhvr>
+                                      <p:to>
+                                        <p:strVal val="visible"/>
+                                      </p:to>
+                                    </p:set>
+                                  </p:childTnLst>
+                                </p:cTn>
+                              </p:par>
+                              <p:par>
+                                <p:cTn id="13" presetID="1" presetClass="entr" presetSubtype="0" fill="hold" nodeType="withEffect">
+                                  <p:stCondLst>
+                                    <p:cond delay="0"/>
+                                  </p:stCondLst>
+                                  <p:childTnLst>
+                                    <p:set>
+                                      <p:cBhvr>
+                                        <p:cTn id="14" dur="1" fill="hold">
+                                          <p:stCondLst>
+                                            <p:cond delay="0"/>
+                                          </p:stCondLst>
+                                        </p:cTn>
+                                        <p:tgtEl>
+                                          <p:spTgt spid="3">
+                                            <p:txEl>
+                                              <p:pRg st="6" end="6"/>
+                                            </p:txEl>
+                                          </p:spTgt>
+                                        </p:tgtEl>
+                                        <p:attrNameLst>
+                                          <p:attrName>style.visibility</p:attrName>
+                                        </p:attrNameLst>
+                                      </p:cBhvr>
+                                      <p:to>
+                                        <p:strVal val="visible"/>
+                                      </p:to>
+                                    </p:set>
+                                  </p:childTnLst>
+                                </p:cTn>
+                              </p:par>
+                            </p:childTnLst>
+                          </p:cTn>
+                        </p:par>
+                      </p:childTnLst>
+                    </p:cTn>
+                  </p:par>
+                </p:childTnLst>
+              </p:cTn>
+              <p:prevCondLst>
+                <p:cond evt="onPrev" delay="0">
+                  <p:tgtEl>
+                    <p:sldTgt/>
+                  </p:tgtEl>
+                </p:cond>
+              </p:prevCondLst>
+              <p:nextCondLst>
+                <p:cond evt="onNext" delay="0">
+                  <p:tgtEl>
+                    <p:sldTgt/>
+                  </p:tgtEl>
+                </p:cond>
+              </p:nextCondLst>
+            </p:seq>
+          </p:childTnLst>
+        </p:cTn>
+      </p:par>
+    </p:tnLst>
+  </p:timing>
 </p:sld>
 </file>
 
@@ -15732,6 +18890,15 @@
           <a:p>
             <a:pPr lvl="1"/>
             <a:r>
+              <a:rPr lang="pt-BR" sz="1600" b="1" dirty="0">
+                <a:solidFill>
+                  <a:schemeClr val="bg1"/>
+                </a:solidFill>
+                <a:latin typeface="Avenir Next Condensed" panose="020B0506020202020204" pitchFamily="34" charset="0"/>
+              </a:rPr>
+              <a:t>Criando Ambientes de Desenvolvimento com </a:t>
+            </a:r>
+            <a:r>
               <a:rPr lang="pt-BR" sz="1600" b="1" dirty="0" err="1">
                 <a:solidFill>
                   <a:schemeClr val="bg1"/>
@@ -15747,7 +18914,7 @@
                 </a:solidFill>
                 <a:latin typeface="Avenir Next Condensed" panose="020B0506020202020204" pitchFamily="34" charset="0"/>
               </a:rPr>
-              <a:t>: Montando um ambiente de desenvolvimento | Prof. Me Fernando Salles Claro</a:t>
+              <a:t> | Prof. Me Fernando Salles Claro</a:t>
             </a:r>
           </a:p>
         </p:txBody>
@@ -15946,6 +19113,196 @@
   <p:clrMapOvr>
     <a:masterClrMapping/>
   </p:clrMapOvr>
+  <p:timing>
+    <p:tnLst>
+      <p:par>
+        <p:cTn id="1" dur="indefinite" restart="never" nodeType="tmRoot">
+          <p:childTnLst>
+            <p:seq concurrent="1" nextAc="seek">
+              <p:cTn id="2" dur="indefinite" nodeType="mainSeq">
+                <p:childTnLst>
+                  <p:par>
+                    <p:cTn id="3" fill="hold">
+                      <p:stCondLst>
+                        <p:cond delay="indefinite"/>
+                      </p:stCondLst>
+                      <p:childTnLst>
+                        <p:par>
+                          <p:cTn id="4" fill="hold">
+                            <p:stCondLst>
+                              <p:cond delay="0"/>
+                            </p:stCondLst>
+                            <p:childTnLst>
+                              <p:par>
+                                <p:cTn id="5" presetID="1" presetClass="entr" presetSubtype="0" fill="hold" nodeType="clickEffect">
+                                  <p:stCondLst>
+                                    <p:cond delay="0"/>
+                                  </p:stCondLst>
+                                  <p:childTnLst>
+                                    <p:set>
+                                      <p:cBhvr>
+                                        <p:cTn id="6" dur="1" fill="hold">
+                                          <p:stCondLst>
+                                            <p:cond delay="0"/>
+                                          </p:stCondLst>
+                                        </p:cTn>
+                                        <p:tgtEl>
+                                          <p:spTgt spid="3">
+                                            <p:txEl>
+                                              <p:pRg st="0" end="0"/>
+                                            </p:txEl>
+                                          </p:spTgt>
+                                        </p:tgtEl>
+                                        <p:attrNameLst>
+                                          <p:attrName>style.visibility</p:attrName>
+                                        </p:attrNameLst>
+                                      </p:cBhvr>
+                                      <p:to>
+                                        <p:strVal val="visible"/>
+                                      </p:to>
+                                    </p:set>
+                                  </p:childTnLst>
+                                </p:cTn>
+                              </p:par>
+                              <p:par>
+                                <p:cTn id="7" presetID="1" presetClass="entr" presetSubtype="0" fill="hold" nodeType="withEffect">
+                                  <p:stCondLst>
+                                    <p:cond delay="0"/>
+                                  </p:stCondLst>
+                                  <p:childTnLst>
+                                    <p:set>
+                                      <p:cBhvr>
+                                        <p:cTn id="8" dur="1" fill="hold">
+                                          <p:stCondLst>
+                                            <p:cond delay="0"/>
+                                          </p:stCondLst>
+                                        </p:cTn>
+                                        <p:tgtEl>
+                                          <p:spTgt spid="3">
+                                            <p:txEl>
+                                              <p:pRg st="2" end="2"/>
+                                            </p:txEl>
+                                          </p:spTgt>
+                                        </p:tgtEl>
+                                        <p:attrNameLst>
+                                          <p:attrName>style.visibility</p:attrName>
+                                        </p:attrNameLst>
+                                      </p:cBhvr>
+                                      <p:to>
+                                        <p:strVal val="visible"/>
+                                      </p:to>
+                                    </p:set>
+                                  </p:childTnLst>
+                                </p:cTn>
+                              </p:par>
+                            </p:childTnLst>
+                          </p:cTn>
+                        </p:par>
+                      </p:childTnLst>
+                    </p:cTn>
+                  </p:par>
+                  <p:par>
+                    <p:cTn id="9" fill="hold">
+                      <p:stCondLst>
+                        <p:cond delay="indefinite"/>
+                      </p:stCondLst>
+                      <p:childTnLst>
+                        <p:par>
+                          <p:cTn id="10" fill="hold">
+                            <p:stCondLst>
+                              <p:cond delay="0"/>
+                            </p:stCondLst>
+                            <p:childTnLst>
+                              <p:par>
+                                <p:cTn id="11" presetID="1" presetClass="entr" presetSubtype="0" fill="hold" nodeType="clickEffect">
+                                  <p:stCondLst>
+                                    <p:cond delay="0"/>
+                                  </p:stCondLst>
+                                  <p:childTnLst>
+                                    <p:set>
+                                      <p:cBhvr>
+                                        <p:cTn id="12" dur="1" fill="hold">
+                                          <p:stCondLst>
+                                            <p:cond delay="0"/>
+                                          </p:stCondLst>
+                                        </p:cTn>
+                                        <p:tgtEl>
+                                          <p:spTgt spid="3">
+                                            <p:txEl>
+                                              <p:pRg st="4" end="4"/>
+                                            </p:txEl>
+                                          </p:spTgt>
+                                        </p:tgtEl>
+                                        <p:attrNameLst>
+                                          <p:attrName>style.visibility</p:attrName>
+                                        </p:attrNameLst>
+                                      </p:cBhvr>
+                                      <p:to>
+                                        <p:strVal val="visible"/>
+                                      </p:to>
+                                    </p:set>
+                                  </p:childTnLst>
+                                </p:cTn>
+                              </p:par>
+                              <p:par>
+                                <p:cTn id="13" presetID="1" presetClass="entr" presetSubtype="0" fill="hold" nodeType="withEffect">
+                                  <p:stCondLst>
+                                    <p:cond delay="0"/>
+                                  </p:stCondLst>
+                                  <p:childTnLst>
+                                    <p:set>
+                                      <p:cBhvr>
+                                        <p:cTn id="14" dur="1" fill="hold">
+                                          <p:stCondLst>
+                                            <p:cond delay="0"/>
+                                          </p:stCondLst>
+                                        </p:cTn>
+                                        <p:tgtEl>
+                                          <p:spTgt spid="3">
+                                            <p:txEl>
+                                              <p:pRg st="6" end="6"/>
+                                            </p:txEl>
+                                          </p:spTgt>
+                                        </p:tgtEl>
+                                        <p:attrNameLst>
+                                          <p:attrName>style.visibility</p:attrName>
+                                        </p:attrNameLst>
+                                      </p:cBhvr>
+                                      <p:to>
+                                        <p:strVal val="visible"/>
+                                      </p:to>
+                                    </p:set>
+                                  </p:childTnLst>
+                                </p:cTn>
+                              </p:par>
+                            </p:childTnLst>
+                          </p:cTn>
+                        </p:par>
+                      </p:childTnLst>
+                    </p:cTn>
+                  </p:par>
+                </p:childTnLst>
+              </p:cTn>
+              <p:prevCondLst>
+                <p:cond evt="onPrev" delay="0">
+                  <p:tgtEl>
+                    <p:sldTgt/>
+                  </p:tgtEl>
+                </p:cond>
+              </p:prevCondLst>
+              <p:nextCondLst>
+                <p:cond evt="onNext" delay="0">
+                  <p:tgtEl>
+                    <p:sldTgt/>
+                  </p:tgtEl>
+                </p:cond>
+              </p:nextCondLst>
+            </p:seq>
+          </p:childTnLst>
+        </p:cTn>
+      </p:par>
+    </p:tnLst>
+  </p:timing>
 </p:sld>
 </file>
 
@@ -16279,6 +19636,15 @@
           <a:p>
             <a:pPr lvl="1"/>
             <a:r>
+              <a:rPr lang="pt-BR" sz="1600" b="1" dirty="0">
+                <a:solidFill>
+                  <a:schemeClr val="bg1"/>
+                </a:solidFill>
+                <a:latin typeface="Avenir Next Condensed" panose="020B0506020202020204" pitchFamily="34" charset="0"/>
+              </a:rPr>
+              <a:t>Criando Ambientes de Desenvolvimento com </a:t>
+            </a:r>
+            <a:r>
               <a:rPr lang="pt-BR" sz="1600" b="1" dirty="0" err="1">
                 <a:solidFill>
                   <a:schemeClr val="bg1"/>
@@ -16294,7 +19660,7 @@
                 </a:solidFill>
                 <a:latin typeface="Avenir Next Condensed" panose="020B0506020202020204" pitchFamily="34" charset="0"/>
               </a:rPr>
-              <a:t>: Montando um ambiente de desenvolvimento | Prof. Me Fernando Salles Claro</a:t>
+              <a:t> | Prof. Me Fernando Salles Claro</a:t>
             </a:r>
           </a:p>
         </p:txBody>
@@ -16493,6 +19859,116 @@
   <p:clrMapOvr>
     <a:masterClrMapping/>
   </p:clrMapOvr>
+  <p:timing>
+    <p:tnLst>
+      <p:par>
+        <p:cTn id="1" dur="indefinite" restart="never" nodeType="tmRoot">
+          <p:childTnLst>
+            <p:seq concurrent="1" nextAc="seek">
+              <p:cTn id="2" dur="indefinite" nodeType="mainSeq">
+                <p:childTnLst>
+                  <p:par>
+                    <p:cTn id="3" fill="hold">
+                      <p:stCondLst>
+                        <p:cond delay="indefinite"/>
+                      </p:stCondLst>
+                      <p:childTnLst>
+                        <p:par>
+                          <p:cTn id="4" fill="hold">
+                            <p:stCondLst>
+                              <p:cond delay="0"/>
+                            </p:stCondLst>
+                            <p:childTnLst>
+                              <p:par>
+                                <p:cTn id="5" presetID="1" presetClass="entr" presetSubtype="0" fill="hold" nodeType="clickEffect">
+                                  <p:stCondLst>
+                                    <p:cond delay="0"/>
+                                  </p:stCondLst>
+                                  <p:childTnLst>
+                                    <p:set>
+                                      <p:cBhvr>
+                                        <p:cTn id="6" dur="1" fill="hold">
+                                          <p:stCondLst>
+                                            <p:cond delay="0"/>
+                                          </p:stCondLst>
+                                        </p:cTn>
+                                        <p:tgtEl>
+                                          <p:spTgt spid="3">
+                                            <p:txEl>
+                                              <p:pRg st="0" end="0"/>
+                                            </p:txEl>
+                                          </p:spTgt>
+                                        </p:tgtEl>
+                                        <p:attrNameLst>
+                                          <p:attrName>style.visibility</p:attrName>
+                                        </p:attrNameLst>
+                                      </p:cBhvr>
+                                      <p:to>
+                                        <p:strVal val="visible"/>
+                                      </p:to>
+                                    </p:set>
+                                  </p:childTnLst>
+                                </p:cTn>
+                              </p:par>
+                              <p:par>
+                                <p:cTn id="7" presetID="1" presetClass="entr" presetSubtype="0" fill="hold" nodeType="withEffect">
+                                  <p:stCondLst>
+                                    <p:cond delay="0"/>
+                                  </p:stCondLst>
+                                  <p:childTnLst>
+                                    <p:set>
+                                      <p:cBhvr>
+                                        <p:cTn id="8" dur="1" fill="hold">
+                                          <p:stCondLst>
+                                            <p:cond delay="0"/>
+                                          </p:stCondLst>
+                                        </p:cTn>
+                                        <p:tgtEl>
+                                          <p:spTgt spid="3">
+                                            <p:txEl>
+                                              <p:pRg st="2" end="2"/>
+                                            </p:txEl>
+                                          </p:spTgt>
+                                        </p:tgtEl>
+                                        <p:attrNameLst>
+                                          <p:attrName>style.visibility</p:attrName>
+                                        </p:attrNameLst>
+                                      </p:cBhvr>
+                                      <p:to>
+                                        <p:strVal val="visible"/>
+                                      </p:to>
+                                    </p:set>
+                                  </p:childTnLst>
+                                </p:cTn>
+                              </p:par>
+                            </p:childTnLst>
+                          </p:cTn>
+                        </p:par>
+                      </p:childTnLst>
+                    </p:cTn>
+                  </p:par>
+                </p:childTnLst>
+              </p:cTn>
+              <p:prevCondLst>
+                <p:cond evt="onPrev" delay="0">
+                  <p:tgtEl>
+                    <p:sldTgt/>
+                  </p:tgtEl>
+                </p:cond>
+              </p:prevCondLst>
+              <p:nextCondLst>
+                <p:cond evt="onNext" delay="0">
+                  <p:tgtEl>
+                    <p:sldTgt/>
+                  </p:tgtEl>
+                </p:cond>
+              </p:nextCondLst>
+            </p:seq>
+          </p:childTnLst>
+        </p:cTn>
+      </p:par>
+    </p:tnLst>
+  </p:timing>
 </p:sld>
 </file>
 
@@ -16857,6 +20333,15 @@
           <a:p>
             <a:pPr lvl="1"/>
             <a:r>
+              <a:rPr lang="pt-BR" sz="1600" b="1" dirty="0">
+                <a:solidFill>
+                  <a:schemeClr val="bg1"/>
+                </a:solidFill>
+                <a:latin typeface="Avenir Next Condensed" panose="020B0506020202020204" pitchFamily="34" charset="0"/>
+              </a:rPr>
+              <a:t>Criando Ambientes de Desenvolvimento com </a:t>
+            </a:r>
+            <a:r>
               <a:rPr lang="pt-BR" sz="1600" b="1" dirty="0" err="1">
                 <a:solidFill>
                   <a:schemeClr val="bg1"/>
@@ -16872,7 +20357,7 @@
                 </a:solidFill>
                 <a:latin typeface="Avenir Next Condensed" panose="020B0506020202020204" pitchFamily="34" charset="0"/>
               </a:rPr>
-              <a:t>: Montando um ambiente de desenvolvimento | Prof. Me Fernando Salles Claro</a:t>
+              <a:t> | Prof. Me Fernando Salles Claro</a:t>
             </a:r>
           </a:p>
         </p:txBody>
@@ -17071,6 +20556,230 @@
   <p:clrMapOvr>
     <a:masterClrMapping/>
   </p:clrMapOvr>
+  <p:timing>
+    <p:tnLst>
+      <p:par>
+        <p:cTn id="1" dur="indefinite" restart="never" nodeType="tmRoot">
+          <p:childTnLst>
+            <p:seq concurrent="1" nextAc="seek">
+              <p:cTn id="2" dur="indefinite" nodeType="mainSeq">
+                <p:childTnLst>
+                  <p:par>
+                    <p:cTn id="3" fill="hold">
+                      <p:stCondLst>
+                        <p:cond delay="indefinite"/>
+                      </p:stCondLst>
+                      <p:childTnLst>
+                        <p:par>
+                          <p:cTn id="4" fill="hold">
+                            <p:stCondLst>
+                              <p:cond delay="0"/>
+                            </p:stCondLst>
+                            <p:childTnLst>
+                              <p:par>
+                                <p:cTn id="5" presetID="1" presetClass="entr" presetSubtype="0" fill="hold" grpId="0" nodeType="clickEffect">
+                                  <p:stCondLst>
+                                    <p:cond delay="0"/>
+                                  </p:stCondLst>
+                                  <p:childTnLst>
+                                    <p:set>
+                                      <p:cBhvr>
+                                        <p:cTn id="6" dur="1" fill="hold">
+                                          <p:stCondLst>
+                                            <p:cond delay="0"/>
+                                          </p:stCondLst>
+                                        </p:cTn>
+                                        <p:tgtEl>
+                                          <p:spTgt spid="3">
+                                            <p:txEl>
+                                              <p:pRg st="0" end="0"/>
+                                            </p:txEl>
+                                          </p:spTgt>
+                                        </p:tgtEl>
+                                        <p:attrNameLst>
+                                          <p:attrName>style.visibility</p:attrName>
+                                        </p:attrNameLst>
+                                      </p:cBhvr>
+                                      <p:to>
+                                        <p:strVal val="visible"/>
+                                      </p:to>
+                                    </p:set>
+                                  </p:childTnLst>
+                                </p:cTn>
+                              </p:par>
+                            </p:childTnLst>
+                          </p:cTn>
+                        </p:par>
+                      </p:childTnLst>
+                    </p:cTn>
+                  </p:par>
+                  <p:par>
+                    <p:cTn id="7" fill="hold">
+                      <p:stCondLst>
+                        <p:cond delay="indefinite"/>
+                      </p:stCondLst>
+                      <p:childTnLst>
+                        <p:par>
+                          <p:cTn id="8" fill="hold">
+                            <p:stCondLst>
+                              <p:cond delay="0"/>
+                            </p:stCondLst>
+                            <p:childTnLst>
+                              <p:par>
+                                <p:cTn id="9" presetID="1" presetClass="entr" presetSubtype="0" fill="hold" grpId="0" nodeType="clickEffect">
+                                  <p:stCondLst>
+                                    <p:cond delay="0"/>
+                                  </p:stCondLst>
+                                  <p:childTnLst>
+                                    <p:set>
+                                      <p:cBhvr>
+                                        <p:cTn id="10" dur="1" fill="hold">
+                                          <p:stCondLst>
+                                            <p:cond delay="0"/>
+                                          </p:stCondLst>
+                                        </p:cTn>
+                                        <p:tgtEl>
+                                          <p:spTgt spid="3">
+                                            <p:txEl>
+                                              <p:pRg st="2" end="2"/>
+                                            </p:txEl>
+                                          </p:spTgt>
+                                        </p:tgtEl>
+                                        <p:attrNameLst>
+                                          <p:attrName>style.visibility</p:attrName>
+                                        </p:attrNameLst>
+                                      </p:cBhvr>
+                                      <p:to>
+                                        <p:strVal val="visible"/>
+                                      </p:to>
+                                    </p:set>
+                                  </p:childTnLst>
+                                </p:cTn>
+                              </p:par>
+                              <p:par>
+                                <p:cTn id="11" presetID="1" presetClass="entr" presetSubtype="0" fill="hold" grpId="0" nodeType="withEffect">
+                                  <p:stCondLst>
+                                    <p:cond delay="0"/>
+                                  </p:stCondLst>
+                                  <p:childTnLst>
+                                    <p:set>
+                                      <p:cBhvr>
+                                        <p:cTn id="12" dur="1" fill="hold">
+                                          <p:stCondLst>
+                                            <p:cond delay="0"/>
+                                          </p:stCondLst>
+                                        </p:cTn>
+                                        <p:tgtEl>
+                                          <p:spTgt spid="3">
+                                            <p:txEl>
+                                              <p:pRg st="3" end="3"/>
+                                            </p:txEl>
+                                          </p:spTgt>
+                                        </p:tgtEl>
+                                        <p:attrNameLst>
+                                          <p:attrName>style.visibility</p:attrName>
+                                        </p:attrNameLst>
+                                      </p:cBhvr>
+                                      <p:to>
+                                        <p:strVal val="visible"/>
+                                      </p:to>
+                                    </p:set>
+                                  </p:childTnLst>
+                                </p:cTn>
+                              </p:par>
+                              <p:par>
+                                <p:cTn id="13" presetID="1" presetClass="entr" presetSubtype="0" fill="hold" grpId="0" nodeType="withEffect">
+                                  <p:stCondLst>
+                                    <p:cond delay="0"/>
+                                  </p:stCondLst>
+                                  <p:childTnLst>
+                                    <p:set>
+                                      <p:cBhvr>
+                                        <p:cTn id="14" dur="1" fill="hold">
+                                          <p:stCondLst>
+                                            <p:cond delay="0"/>
+                                          </p:stCondLst>
+                                        </p:cTn>
+                                        <p:tgtEl>
+                                          <p:spTgt spid="3">
+                                            <p:txEl>
+                                              <p:pRg st="4" end="4"/>
+                                            </p:txEl>
+                                          </p:spTgt>
+                                        </p:tgtEl>
+                                        <p:attrNameLst>
+                                          <p:attrName>style.visibility</p:attrName>
+                                        </p:attrNameLst>
+                                      </p:cBhvr>
+                                      <p:to>
+                                        <p:strVal val="visible"/>
+                                      </p:to>
+                                    </p:set>
+                                  </p:childTnLst>
+                                </p:cTn>
+                              </p:par>
+                              <p:par>
+                                <p:cTn id="15" presetID="1" presetClass="entr" presetSubtype="0" fill="hold" grpId="0" nodeType="withEffect">
+                                  <p:stCondLst>
+                                    <p:cond delay="0"/>
+                                  </p:stCondLst>
+                                  <p:childTnLst>
+                                    <p:set>
+                                      <p:cBhvr>
+                                        <p:cTn id="16" dur="1" fill="hold">
+                                          <p:stCondLst>
+                                            <p:cond delay="0"/>
+                                          </p:stCondLst>
+                                        </p:cTn>
+                                        <p:tgtEl>
+                                          <p:spTgt spid="3">
+                                            <p:txEl>
+                                              <p:pRg st="5" end="5"/>
+                                            </p:txEl>
+                                          </p:spTgt>
+                                        </p:tgtEl>
+                                        <p:attrNameLst>
+                                          <p:attrName>style.visibility</p:attrName>
+                                        </p:attrNameLst>
+                                      </p:cBhvr>
+                                      <p:to>
+                                        <p:strVal val="visible"/>
+                                      </p:to>
+                                    </p:set>
+                                  </p:childTnLst>
+                                </p:cTn>
+                              </p:par>
+                            </p:childTnLst>
+                          </p:cTn>
+                        </p:par>
+                      </p:childTnLst>
+                    </p:cTn>
+                  </p:par>
+                </p:childTnLst>
+              </p:cTn>
+              <p:prevCondLst>
+                <p:cond evt="onPrev" delay="0">
+                  <p:tgtEl>
+                    <p:sldTgt/>
+                  </p:tgtEl>
+                </p:cond>
+              </p:prevCondLst>
+              <p:nextCondLst>
+                <p:cond evt="onNext" delay="0">
+                  <p:tgtEl>
+                    <p:sldTgt/>
+                  </p:tgtEl>
+                </p:cond>
+              </p:nextCondLst>
+            </p:seq>
+          </p:childTnLst>
+        </p:cTn>
+      </p:par>
+    </p:tnLst>
+    <p:bldLst>
+      <p:bldP spid="3" grpId="0" uiExpand="1" build="p"/>
+    </p:bldLst>
+  </p:timing>
 </p:sld>
 </file>
 
@@ -17113,165 +20822,45 @@
           </a:bodyPr>
           <a:lstStyle/>
           <a:p>
-            <a:pPr marL="518400" indent="-516600">
+            <a:pPr marL="1800" indent="0" algn="ctr">
               <a:lnSpc>
                 <a:spcPct val="100000"/>
               </a:lnSpc>
-              <a:buFont typeface="Wingdings" pitchFamily="2" charset="2"/>
-              <a:buChar char="ü"/>
+              <a:buNone/>
             </a:pPr>
-            <a:r>
-              <a:rPr lang="pt-BR" sz="3200" dirty="0"/>
-              <a:t>Criar o arquivo </a:t>
-            </a:r>
-            <a:r>
-              <a:rPr lang="pt-BR" sz="3200" dirty="0" err="1">
-                <a:solidFill>
-                  <a:srgbClr val="FF0000"/>
-                </a:solidFill>
-              </a:rPr>
-              <a:t>Dockerfile</a:t>
-            </a:r>
-            <a:endParaRPr lang="pt-BR" sz="3200" dirty="0">
-              <a:solidFill>
-                <a:srgbClr val="FF0000"/>
-              </a:solidFill>
-            </a:endParaRPr>
-          </a:p>
-          <a:p>
-            <a:pPr marL="518400" indent="-516600">
+            <a:endParaRPr lang="pt-BR" sz="5400" b="1" dirty="0"/>
+          </a:p>
+          <a:p>
+            <a:pPr marL="1800" indent="0" algn="ctr">
               <a:lnSpc>
                 <a:spcPct val="100000"/>
               </a:lnSpc>
-              <a:buFont typeface="Wingdings" pitchFamily="2" charset="2"/>
-              <a:buChar char="ü"/>
+              <a:buNone/>
             </a:pPr>
-            <a:endParaRPr lang="pt-BR" sz="3200" dirty="0">
-              <a:solidFill>
-                <a:srgbClr val="FF0000"/>
-              </a:solidFill>
-            </a:endParaRPr>
-          </a:p>
-          <a:p>
-            <a:pPr marL="518400" indent="-516600">
+            <a:r>
+              <a:rPr lang="pt-BR" sz="5400" b="1" dirty="0"/>
+              <a:t>MUITO OBRIGADO!!</a:t>
+            </a:r>
+          </a:p>
+          <a:p>
+            <a:pPr marL="1800" indent="0" algn="ctr">
               <a:lnSpc>
                 <a:spcPct val="100000"/>
               </a:lnSpc>
-              <a:buFont typeface="Wingdings" pitchFamily="2" charset="2"/>
-              <a:buChar char="ü"/>
+              <a:buNone/>
             </a:pPr>
-            <a:r>
-              <a:rPr lang="pt-BR" sz="3200" dirty="0"/>
-              <a:t>Fazendo o build da imagem</a:t>
-            </a:r>
-          </a:p>
-          <a:p>
-            <a:pPr marL="518400" indent="-516600">
+            <a:endParaRPr lang="pt-BR" sz="5400" b="1" dirty="0"/>
+          </a:p>
+          <a:p>
+            <a:pPr marL="1800" indent="0" algn="ctr">
               <a:lnSpc>
                 <a:spcPct val="100000"/>
               </a:lnSpc>
-              <a:buFont typeface="Wingdings" pitchFamily="2" charset="2"/>
-              <a:buChar char="ü"/>
+              <a:buNone/>
             </a:pPr>
-            <a:endParaRPr lang="pt-BR" sz="3200" dirty="0"/>
-          </a:p>
-          <a:p>
-            <a:pPr marL="975600" lvl="1" indent="-516600">
-              <a:lnSpc>
-                <a:spcPct val="100000"/>
-              </a:lnSpc>
-              <a:buFont typeface="Wingdings" pitchFamily="2" charset="2"/>
-              <a:buChar char="ü"/>
-            </a:pPr>
-            <a:r>
-              <a:rPr lang="pt-BR" sz="3200" b="1" dirty="0" err="1"/>
-              <a:t>docker</a:t>
-            </a:r>
-            <a:r>
-              <a:rPr lang="pt-BR" sz="3200" b="1" dirty="0"/>
-              <a:t> </a:t>
-            </a:r>
-            <a:r>
-              <a:rPr lang="pt-BR" sz="3200" b="1" dirty="0" err="1"/>
-              <a:t>image</a:t>
-            </a:r>
-            <a:r>
-              <a:rPr lang="pt-BR" sz="3200" b="1" dirty="0"/>
-              <a:t> build -</a:t>
-            </a:r>
-            <a:r>
-              <a:rPr lang="pt-BR" sz="3200" b="1" dirty="0" err="1"/>
-              <a:t>t</a:t>
-            </a:r>
-            <a:r>
-              <a:rPr lang="pt-BR" sz="3200" b="1" dirty="0"/>
-              <a:t> &lt;NOME-IMAGEM&gt; .</a:t>
-            </a:r>
-          </a:p>
-          <a:p>
-            <a:pPr marL="975600" lvl="1" indent="-516600">
-              <a:lnSpc>
-                <a:spcPct val="100000"/>
-              </a:lnSpc>
-              <a:buFont typeface="Wingdings" pitchFamily="2" charset="2"/>
-              <a:buChar char="ü"/>
-            </a:pPr>
-            <a:endParaRPr lang="pt-BR" sz="3200" b="1" dirty="0"/>
-          </a:p>
-          <a:p>
-            <a:pPr marL="518400" indent="-516600">
-              <a:lnSpc>
-                <a:spcPct val="100000"/>
-              </a:lnSpc>
-              <a:buFont typeface="Wingdings" pitchFamily="2" charset="2"/>
-              <a:buChar char="ü"/>
-            </a:pPr>
-            <a:r>
-              <a:rPr lang="pt-BR" sz="3600" dirty="0"/>
-              <a:t>Executar o container a partir da nova imagem</a:t>
-            </a:r>
-          </a:p>
-          <a:p>
-            <a:pPr marL="975600" lvl="1" indent="-516600">
-              <a:lnSpc>
-                <a:spcPct val="100000"/>
-              </a:lnSpc>
-              <a:buFont typeface="Wingdings" pitchFamily="2" charset="2"/>
-              <a:buChar char="ü"/>
-            </a:pPr>
-            <a:endParaRPr lang="pt-BR" sz="3200" dirty="0"/>
-          </a:p>
-          <a:p>
-            <a:pPr marL="975600" lvl="1" indent="-516600">
-              <a:lnSpc>
-                <a:spcPct val="100000"/>
-              </a:lnSpc>
-              <a:buFont typeface="Wingdings" pitchFamily="2" charset="2"/>
-              <a:buChar char="ü"/>
-            </a:pPr>
-            <a:r>
-              <a:rPr lang="pt-BR" sz="3200" b="1" dirty="0" err="1"/>
-              <a:t>docker</a:t>
-            </a:r>
-            <a:r>
-              <a:rPr lang="pt-BR" sz="3200" b="1" dirty="0"/>
-              <a:t> </a:t>
-            </a:r>
-            <a:r>
-              <a:rPr lang="pt-BR" sz="3200" b="1" dirty="0" err="1"/>
-              <a:t>run</a:t>
-            </a:r>
-            <a:r>
-              <a:rPr lang="pt-BR" sz="3200" b="1" dirty="0"/>
-              <a:t> –</a:t>
-            </a:r>
-            <a:r>
-              <a:rPr lang="pt-BR" sz="3200" b="1" dirty="0" err="1"/>
-              <a:t>p</a:t>
-            </a:r>
-            <a:r>
-              <a:rPr lang="pt-BR" sz="3200" b="1" dirty="0"/>
-              <a:t> 8080:80 &lt;NOME-IMAGEM&gt;</a:t>
+            <a:r>
+              <a:rPr lang="pt-BR" sz="5400" b="1" dirty="0"/>
+              <a:t>PERGUNTAS??</a:t>
             </a:r>
           </a:p>
         </p:txBody>
@@ -17473,6 +21062,15 @@
           <a:p>
             <a:pPr lvl="1"/>
             <a:r>
+              <a:rPr lang="pt-BR" sz="1600" b="1" dirty="0">
+                <a:solidFill>
+                  <a:schemeClr val="bg1"/>
+                </a:solidFill>
+                <a:latin typeface="Avenir Next Condensed" panose="020B0506020202020204" pitchFamily="34" charset="0"/>
+              </a:rPr>
+              <a:t>Criando Ambientes de Desenvolvimento com </a:t>
+            </a:r>
+            <a:r>
               <a:rPr lang="pt-BR" sz="1600" b="1" dirty="0" err="1">
                 <a:solidFill>
                   <a:schemeClr val="bg1"/>
@@ -17488,7 +21086,7 @@
                 </a:solidFill>
                 <a:latin typeface="Avenir Next Condensed" panose="020B0506020202020204" pitchFamily="34" charset="0"/>
               </a:rPr>
-              <a:t>: Montando um ambiente de desenvolvimento | Prof. Me Fernando Salles Claro</a:t>
+              <a:t> | Prof. Me Fernando Salles Claro</a:t>
             </a:r>
           </a:p>
         </p:txBody>
@@ -17680,7 +21278,7 @@
     </p:spTree>
     <p:extLst>
       <p:ext uri="{BB962C8B-B14F-4D97-AF65-F5344CB8AC3E}">
-        <p14:creationId xmlns:p14="http://schemas.microsoft.com/office/powerpoint/2010/main" val="364317363"/>
+        <p14:creationId xmlns:p14="http://schemas.microsoft.com/office/powerpoint/2010/main" val="1223243026"/>
       </p:ext>
     </p:extLst>
   </p:cSld>
@@ -17994,6 +21592,15 @@
           <a:p>
             <a:pPr lvl="1"/>
             <a:r>
+              <a:rPr lang="pt-BR" sz="1600" b="1" dirty="0">
+                <a:solidFill>
+                  <a:schemeClr val="bg1"/>
+                </a:solidFill>
+                <a:latin typeface="Avenir Next Condensed" panose="020B0506020202020204" pitchFamily="34" charset="0"/>
+              </a:rPr>
+              <a:t>Criando Ambientes de Desenvolvimento com </a:t>
+            </a:r>
+            <a:r>
               <a:rPr lang="pt-BR" sz="1600" b="1" dirty="0" err="1">
                 <a:solidFill>
                   <a:schemeClr val="bg1"/>
@@ -18009,7 +21616,7 @@
                 </a:solidFill>
                 <a:latin typeface="Avenir Next Condensed" panose="020B0506020202020204" pitchFamily="34" charset="0"/>
               </a:rPr>
-              <a:t>: Montando um ambiente de desenvolvimento | Prof. Me Fernando Salles Claro</a:t>
+              <a:t> | Prof. Me Fernando Salles Claro</a:t>
             </a:r>
           </a:p>
         </p:txBody>
@@ -18208,6 +21815,88 @@
   <p:clrMapOvr>
     <a:masterClrMapping/>
   </p:clrMapOvr>
+  <p:timing>
+    <p:tnLst>
+      <p:par>
+        <p:cTn id="1" dur="indefinite" restart="never" nodeType="tmRoot">
+          <p:childTnLst>
+            <p:seq concurrent="1" nextAc="seek">
+              <p:cTn id="2" dur="indefinite" nodeType="mainSeq">
+                <p:childTnLst>
+                  <p:par>
+                    <p:cTn id="3" fill="hold">
+                      <p:stCondLst>
+                        <p:cond delay="indefinite"/>
+                      </p:stCondLst>
+                      <p:childTnLst>
+                        <p:par>
+                          <p:cTn id="4" fill="hold">
+                            <p:stCondLst>
+                              <p:cond delay="0"/>
+                            </p:stCondLst>
+                            <p:childTnLst>
+                              <p:par>
+                                <p:cTn id="5" presetID="1" presetClass="entr" presetSubtype="0" fill="hold" grpId="0" nodeType="clickEffect">
+                                  <p:stCondLst>
+                                    <p:cond delay="0"/>
+                                  </p:stCondLst>
+                                  <p:childTnLst>
+                                    <p:set>
+                                      <p:cBhvr>
+                                        <p:cTn id="6" dur="1" fill="hold">
+                                          <p:stCondLst>
+                                            <p:cond delay="0"/>
+                                          </p:stCondLst>
+                                        </p:cTn>
+                                        <p:tgtEl>
+                                          <p:spTgt spid="3">
+                                            <p:txEl>
+                                              <p:pRg st="0" end="0"/>
+                                            </p:txEl>
+                                          </p:spTgt>
+                                        </p:tgtEl>
+                                        <p:attrNameLst>
+                                          <p:attrName>style.visibility</p:attrName>
+                                        </p:attrNameLst>
+                                      </p:cBhvr>
+                                      <p:to>
+                                        <p:strVal val="visible"/>
+                                      </p:to>
+                                    </p:set>
+                                  </p:childTnLst>
+                                </p:cTn>
+                              </p:par>
+                            </p:childTnLst>
+                          </p:cTn>
+                        </p:par>
+                      </p:childTnLst>
+                    </p:cTn>
+                  </p:par>
+                </p:childTnLst>
+              </p:cTn>
+              <p:prevCondLst>
+                <p:cond evt="onPrev" delay="0">
+                  <p:tgtEl>
+                    <p:sldTgt/>
+                  </p:tgtEl>
+                </p:cond>
+              </p:prevCondLst>
+              <p:nextCondLst>
+                <p:cond evt="onNext" delay="0">
+                  <p:tgtEl>
+                    <p:sldTgt/>
+                  </p:tgtEl>
+                </p:cond>
+              </p:nextCondLst>
+            </p:seq>
+          </p:childTnLst>
+        </p:cTn>
+      </p:par>
+    </p:tnLst>
+    <p:bldLst>
+      <p:bldP spid="3" grpId="0" build="p"/>
+    </p:bldLst>
+  </p:timing>
 </p:sld>
 </file>
 
@@ -18501,6 +22190,15 @@
           <a:p>
             <a:pPr lvl="1"/>
             <a:r>
+              <a:rPr lang="pt-BR" sz="1600" b="1" dirty="0">
+                <a:solidFill>
+                  <a:schemeClr val="bg1"/>
+                </a:solidFill>
+                <a:latin typeface="Avenir Next Condensed" panose="020B0506020202020204" pitchFamily="34" charset="0"/>
+              </a:rPr>
+              <a:t>Criando Ambientes de Desenvolvimento com </a:t>
+            </a:r>
+            <a:r>
               <a:rPr lang="pt-BR" sz="1600" b="1" dirty="0" err="1">
                 <a:solidFill>
                   <a:schemeClr val="bg1"/>
@@ -18516,7 +22214,7 @@
                 </a:solidFill>
                 <a:latin typeface="Avenir Next Condensed" panose="020B0506020202020204" pitchFamily="34" charset="0"/>
               </a:rPr>
-              <a:t>: Montando um ambiente de desenvolvimento | Prof. Me Fernando Salles Claro</a:t>
+              <a:t> | Prof. Me Fernando Salles Claro</a:t>
             </a:r>
           </a:p>
         </p:txBody>
@@ -19038,6 +22736,15 @@
           <a:p>
             <a:pPr lvl="1"/>
             <a:r>
+              <a:rPr lang="pt-BR" sz="1600" b="1" dirty="0">
+                <a:solidFill>
+                  <a:schemeClr val="bg1"/>
+                </a:solidFill>
+                <a:latin typeface="Avenir Next Condensed" panose="020B0506020202020204" pitchFamily="34" charset="0"/>
+              </a:rPr>
+              <a:t>Criando Ambientes de Desenvolvimento com </a:t>
+            </a:r>
+            <a:r>
               <a:rPr lang="pt-BR" sz="1600" b="1" dirty="0" err="1">
                 <a:solidFill>
                   <a:schemeClr val="bg1"/>
@@ -19053,7 +22760,7 @@
                 </a:solidFill>
                 <a:latin typeface="Avenir Next Condensed" panose="020B0506020202020204" pitchFamily="34" charset="0"/>
               </a:rPr>
-              <a:t>: Montando um ambiente de desenvolvimento | Prof. Me Fernando Salles Claro</a:t>
+              <a:t> | Prof. Me Fernando Salles Claro</a:t>
             </a:r>
           </a:p>
         </p:txBody>
@@ -19689,6 +23396,15 @@
           <a:p>
             <a:pPr lvl="1"/>
             <a:r>
+              <a:rPr lang="pt-BR" sz="1600" b="1" dirty="0">
+                <a:solidFill>
+                  <a:schemeClr val="bg1"/>
+                </a:solidFill>
+                <a:latin typeface="Avenir Next Condensed" panose="020B0506020202020204" pitchFamily="34" charset="0"/>
+              </a:rPr>
+              <a:t>Criando Ambientes de Desenvolvimento com </a:t>
+            </a:r>
+            <a:r>
               <a:rPr lang="pt-BR" sz="1600" b="1" dirty="0" err="1">
                 <a:solidFill>
                   <a:schemeClr val="bg1"/>
@@ -19704,7 +23420,7 @@
                 </a:solidFill>
                 <a:latin typeface="Avenir Next Condensed" panose="020B0506020202020204" pitchFamily="34" charset="0"/>
               </a:rPr>
-              <a:t>: Montando um ambiente de desenvolvimento | Prof. Me Fernando Salles Claro</a:t>
+              <a:t> | Prof. Me Fernando Salles Claro</a:t>
             </a:r>
           </a:p>
         </p:txBody>
@@ -19903,6 +23619,235 @@
   <p:clrMapOvr>
     <a:masterClrMapping/>
   </p:clrMapOvr>
+  <p:timing>
+    <p:tnLst>
+      <p:par>
+        <p:cTn id="1" dur="indefinite" restart="never" nodeType="tmRoot">
+          <p:childTnLst>
+            <p:seq concurrent="1" nextAc="seek">
+              <p:cTn id="2" dur="indefinite" nodeType="mainSeq">
+                <p:childTnLst>
+                  <p:par>
+                    <p:cTn id="3" fill="hold">
+                      <p:stCondLst>
+                        <p:cond delay="indefinite"/>
+                      </p:stCondLst>
+                      <p:childTnLst>
+                        <p:par>
+                          <p:cTn id="4" fill="hold">
+                            <p:stCondLst>
+                              <p:cond delay="0"/>
+                            </p:stCondLst>
+                            <p:childTnLst>
+                              <p:par>
+                                <p:cTn id="5" presetID="1" presetClass="entr" presetSubtype="0" fill="hold" grpId="0" nodeType="clickEffect">
+                                  <p:stCondLst>
+                                    <p:cond delay="0"/>
+                                  </p:stCondLst>
+                                  <p:childTnLst>
+                                    <p:set>
+                                      <p:cBhvr>
+                                        <p:cTn id="6" dur="1" fill="hold">
+                                          <p:stCondLst>
+                                            <p:cond delay="0"/>
+                                          </p:stCondLst>
+                                        </p:cTn>
+                                        <p:tgtEl>
+                                          <p:spTgt spid="3">
+                                            <p:txEl>
+                                              <p:pRg st="0" end="0"/>
+                                            </p:txEl>
+                                          </p:spTgt>
+                                        </p:tgtEl>
+                                        <p:attrNameLst>
+                                          <p:attrName>style.visibility</p:attrName>
+                                        </p:attrNameLst>
+                                      </p:cBhvr>
+                                      <p:to>
+                                        <p:strVal val="visible"/>
+                                      </p:to>
+                                    </p:set>
+                                  </p:childTnLst>
+                                </p:cTn>
+                              </p:par>
+                            </p:childTnLst>
+                          </p:cTn>
+                        </p:par>
+                      </p:childTnLst>
+                    </p:cTn>
+                  </p:par>
+                  <p:par>
+                    <p:cTn id="7" fill="hold">
+                      <p:stCondLst>
+                        <p:cond delay="indefinite"/>
+                      </p:stCondLst>
+                      <p:childTnLst>
+                        <p:par>
+                          <p:cTn id="8" fill="hold">
+                            <p:stCondLst>
+                              <p:cond delay="0"/>
+                            </p:stCondLst>
+                            <p:childTnLst>
+                              <p:par>
+                                <p:cTn id="9" presetID="1" presetClass="entr" presetSubtype="0" fill="hold" grpId="0" nodeType="clickEffect">
+                                  <p:stCondLst>
+                                    <p:cond delay="0"/>
+                                  </p:stCondLst>
+                                  <p:childTnLst>
+                                    <p:set>
+                                      <p:cBhvr>
+                                        <p:cTn id="10" dur="1" fill="hold">
+                                          <p:stCondLst>
+                                            <p:cond delay="0"/>
+                                          </p:stCondLst>
+                                        </p:cTn>
+                                        <p:tgtEl>
+                                          <p:spTgt spid="3">
+                                            <p:txEl>
+                                              <p:pRg st="2" end="2"/>
+                                            </p:txEl>
+                                          </p:spTgt>
+                                        </p:tgtEl>
+                                        <p:attrNameLst>
+                                          <p:attrName>style.visibility</p:attrName>
+                                        </p:attrNameLst>
+                                      </p:cBhvr>
+                                      <p:to>
+                                        <p:strVal val="visible"/>
+                                      </p:to>
+                                    </p:set>
+                                  </p:childTnLst>
+                                </p:cTn>
+                              </p:par>
+                            </p:childTnLst>
+                          </p:cTn>
+                        </p:par>
+                      </p:childTnLst>
+                    </p:cTn>
+                  </p:par>
+                  <p:par>
+                    <p:cTn id="11" fill="hold">
+                      <p:stCondLst>
+                        <p:cond delay="indefinite"/>
+                      </p:stCondLst>
+                      <p:childTnLst>
+                        <p:par>
+                          <p:cTn id="12" fill="hold">
+                            <p:stCondLst>
+                              <p:cond delay="0"/>
+                            </p:stCondLst>
+                            <p:childTnLst>
+                              <p:par>
+                                <p:cTn id="13" presetID="1" presetClass="entr" presetSubtype="0" fill="hold" grpId="0" nodeType="clickEffect">
+                                  <p:stCondLst>
+                                    <p:cond delay="0"/>
+                                  </p:stCondLst>
+                                  <p:childTnLst>
+                                    <p:set>
+                                      <p:cBhvr>
+                                        <p:cTn id="14" dur="1" fill="hold">
+                                          <p:stCondLst>
+                                            <p:cond delay="0"/>
+                                          </p:stCondLst>
+                                        </p:cTn>
+                                        <p:tgtEl>
+                                          <p:spTgt spid="3">
+                                            <p:txEl>
+                                              <p:pRg st="4" end="4"/>
+                                            </p:txEl>
+                                          </p:spTgt>
+                                        </p:tgtEl>
+                                        <p:attrNameLst>
+                                          <p:attrName>style.visibility</p:attrName>
+                                        </p:attrNameLst>
+                                      </p:cBhvr>
+                                      <p:to>
+                                        <p:strVal val="visible"/>
+                                      </p:to>
+                                    </p:set>
+                                  </p:childTnLst>
+                                </p:cTn>
+                              </p:par>
+                            </p:childTnLst>
+                          </p:cTn>
+                        </p:par>
+                      </p:childTnLst>
+                    </p:cTn>
+                  </p:par>
+                  <p:par>
+                    <p:cTn id="15" fill="hold">
+                      <p:stCondLst>
+                        <p:cond delay="indefinite"/>
+                      </p:stCondLst>
+                      <p:childTnLst>
+                        <p:par>
+                          <p:cTn id="16" fill="hold">
+                            <p:stCondLst>
+                              <p:cond delay="0"/>
+                            </p:stCondLst>
+                            <p:childTnLst>
+                              <p:par>
+                                <p:cTn id="17" presetID="1" presetClass="entr" presetSubtype="0" fill="hold" grpId="0" nodeType="clickEffect">
+                                  <p:stCondLst>
+                                    <p:cond delay="0"/>
+                                  </p:stCondLst>
+                                  <p:childTnLst>
+                                    <p:set>
+                                      <p:cBhvr>
+                                        <p:cTn id="18" dur="1" fill="hold">
+                                          <p:stCondLst>
+                                            <p:cond delay="0"/>
+                                          </p:stCondLst>
+                                        </p:cTn>
+                                        <p:tgtEl>
+                                          <p:spTgt spid="3">
+                                            <p:txEl>
+                                              <p:pRg st="6" end="6"/>
+                                            </p:txEl>
+                                          </p:spTgt>
+                                        </p:tgtEl>
+                                        <p:attrNameLst>
+                                          <p:attrName>style.visibility</p:attrName>
+                                        </p:attrNameLst>
+                                      </p:cBhvr>
+                                      <p:to>
+                                        <p:strVal val="visible"/>
+                                      </p:to>
+                                    </p:set>
+                                  </p:childTnLst>
+                                </p:cTn>
+                              </p:par>
+                            </p:childTnLst>
+                          </p:cTn>
+                        </p:par>
+                      </p:childTnLst>
+                    </p:cTn>
+                  </p:par>
+                </p:childTnLst>
+              </p:cTn>
+              <p:prevCondLst>
+                <p:cond evt="onPrev" delay="0">
+                  <p:tgtEl>
+                    <p:sldTgt/>
+                  </p:tgtEl>
+                </p:cond>
+              </p:prevCondLst>
+              <p:nextCondLst>
+                <p:cond evt="onNext" delay="0">
+                  <p:tgtEl>
+                    <p:sldTgt/>
+                  </p:tgtEl>
+                </p:cond>
+              </p:nextCondLst>
+            </p:seq>
+          </p:childTnLst>
+        </p:cTn>
+      </p:par>
+    </p:tnLst>
+    <p:bldLst>
+      <p:bldP spid="3" grpId="0" build="p"/>
+    </p:bldLst>
+  </p:timing>
 </p:sld>
 </file>
 
@@ -20282,6 +24227,15 @@
           <a:p>
             <a:pPr lvl="1"/>
             <a:r>
+              <a:rPr lang="pt-BR" sz="1600" b="1" dirty="0">
+                <a:solidFill>
+                  <a:schemeClr val="bg1"/>
+                </a:solidFill>
+                <a:latin typeface="Avenir Next Condensed" panose="020B0506020202020204" pitchFamily="34" charset="0"/>
+              </a:rPr>
+              <a:t>Criando Ambientes de Desenvolvimento com </a:t>
+            </a:r>
+            <a:r>
               <a:rPr lang="pt-BR" sz="1600" b="1" dirty="0" err="1">
                 <a:solidFill>
                   <a:schemeClr val="bg1"/>
@@ -20297,7 +24251,7 @@
                 </a:solidFill>
                 <a:latin typeface="Avenir Next Condensed" panose="020B0506020202020204" pitchFamily="34" charset="0"/>
               </a:rPr>
-              <a:t>: Montando um ambiente de desenvolvimento | Prof. Me Fernando Salles Claro</a:t>
+              <a:t> | Prof. Me Fernando Salles Claro</a:t>
             </a:r>
           </a:p>
         </p:txBody>
@@ -20496,6 +24450,235 @@
   <p:clrMapOvr>
     <a:masterClrMapping/>
   </p:clrMapOvr>
+  <p:timing>
+    <p:tnLst>
+      <p:par>
+        <p:cTn id="1" dur="indefinite" restart="never" nodeType="tmRoot">
+          <p:childTnLst>
+            <p:seq concurrent="1" nextAc="seek">
+              <p:cTn id="2" dur="indefinite" nodeType="mainSeq">
+                <p:childTnLst>
+                  <p:par>
+                    <p:cTn id="3" fill="hold">
+                      <p:stCondLst>
+                        <p:cond delay="indefinite"/>
+                      </p:stCondLst>
+                      <p:childTnLst>
+                        <p:par>
+                          <p:cTn id="4" fill="hold">
+                            <p:stCondLst>
+                              <p:cond delay="0"/>
+                            </p:stCondLst>
+                            <p:childTnLst>
+                              <p:par>
+                                <p:cTn id="5" presetID="1" presetClass="entr" presetSubtype="0" fill="hold" grpId="0" nodeType="clickEffect">
+                                  <p:stCondLst>
+                                    <p:cond delay="0"/>
+                                  </p:stCondLst>
+                                  <p:childTnLst>
+                                    <p:set>
+                                      <p:cBhvr>
+                                        <p:cTn id="6" dur="1" fill="hold">
+                                          <p:stCondLst>
+                                            <p:cond delay="0"/>
+                                          </p:stCondLst>
+                                        </p:cTn>
+                                        <p:tgtEl>
+                                          <p:spTgt spid="3">
+                                            <p:txEl>
+                                              <p:pRg st="0" end="0"/>
+                                            </p:txEl>
+                                          </p:spTgt>
+                                        </p:tgtEl>
+                                        <p:attrNameLst>
+                                          <p:attrName>style.visibility</p:attrName>
+                                        </p:attrNameLst>
+                                      </p:cBhvr>
+                                      <p:to>
+                                        <p:strVal val="visible"/>
+                                      </p:to>
+                                    </p:set>
+                                  </p:childTnLst>
+                                </p:cTn>
+                              </p:par>
+                            </p:childTnLst>
+                          </p:cTn>
+                        </p:par>
+                      </p:childTnLst>
+                    </p:cTn>
+                  </p:par>
+                  <p:par>
+                    <p:cTn id="7" fill="hold">
+                      <p:stCondLst>
+                        <p:cond delay="indefinite"/>
+                      </p:stCondLst>
+                      <p:childTnLst>
+                        <p:par>
+                          <p:cTn id="8" fill="hold">
+                            <p:stCondLst>
+                              <p:cond delay="0"/>
+                            </p:stCondLst>
+                            <p:childTnLst>
+                              <p:par>
+                                <p:cTn id="9" presetID="1" presetClass="entr" presetSubtype="0" fill="hold" grpId="0" nodeType="clickEffect">
+                                  <p:stCondLst>
+                                    <p:cond delay="0"/>
+                                  </p:stCondLst>
+                                  <p:childTnLst>
+                                    <p:set>
+                                      <p:cBhvr>
+                                        <p:cTn id="10" dur="1" fill="hold">
+                                          <p:stCondLst>
+                                            <p:cond delay="0"/>
+                                          </p:stCondLst>
+                                        </p:cTn>
+                                        <p:tgtEl>
+                                          <p:spTgt spid="3">
+                                            <p:txEl>
+                                              <p:pRg st="2" end="2"/>
+                                            </p:txEl>
+                                          </p:spTgt>
+                                        </p:tgtEl>
+                                        <p:attrNameLst>
+                                          <p:attrName>style.visibility</p:attrName>
+                                        </p:attrNameLst>
+                                      </p:cBhvr>
+                                      <p:to>
+                                        <p:strVal val="visible"/>
+                                      </p:to>
+                                    </p:set>
+                                  </p:childTnLst>
+                                </p:cTn>
+                              </p:par>
+                            </p:childTnLst>
+                          </p:cTn>
+                        </p:par>
+                      </p:childTnLst>
+                    </p:cTn>
+                  </p:par>
+                  <p:par>
+                    <p:cTn id="11" fill="hold">
+                      <p:stCondLst>
+                        <p:cond delay="indefinite"/>
+                      </p:stCondLst>
+                      <p:childTnLst>
+                        <p:par>
+                          <p:cTn id="12" fill="hold">
+                            <p:stCondLst>
+                              <p:cond delay="0"/>
+                            </p:stCondLst>
+                            <p:childTnLst>
+                              <p:par>
+                                <p:cTn id="13" presetID="1" presetClass="entr" presetSubtype="0" fill="hold" grpId="0" nodeType="clickEffect">
+                                  <p:stCondLst>
+                                    <p:cond delay="0"/>
+                                  </p:stCondLst>
+                                  <p:childTnLst>
+                                    <p:set>
+                                      <p:cBhvr>
+                                        <p:cTn id="14" dur="1" fill="hold">
+                                          <p:stCondLst>
+                                            <p:cond delay="0"/>
+                                          </p:stCondLst>
+                                        </p:cTn>
+                                        <p:tgtEl>
+                                          <p:spTgt spid="3">
+                                            <p:txEl>
+                                              <p:pRg st="4" end="4"/>
+                                            </p:txEl>
+                                          </p:spTgt>
+                                        </p:tgtEl>
+                                        <p:attrNameLst>
+                                          <p:attrName>style.visibility</p:attrName>
+                                        </p:attrNameLst>
+                                      </p:cBhvr>
+                                      <p:to>
+                                        <p:strVal val="visible"/>
+                                      </p:to>
+                                    </p:set>
+                                  </p:childTnLst>
+                                </p:cTn>
+                              </p:par>
+                            </p:childTnLst>
+                          </p:cTn>
+                        </p:par>
+                      </p:childTnLst>
+                    </p:cTn>
+                  </p:par>
+                  <p:par>
+                    <p:cTn id="15" fill="hold">
+                      <p:stCondLst>
+                        <p:cond delay="indefinite"/>
+                      </p:stCondLst>
+                      <p:childTnLst>
+                        <p:par>
+                          <p:cTn id="16" fill="hold">
+                            <p:stCondLst>
+                              <p:cond delay="0"/>
+                            </p:stCondLst>
+                            <p:childTnLst>
+                              <p:par>
+                                <p:cTn id="17" presetID="1" presetClass="entr" presetSubtype="0" fill="hold" grpId="0" nodeType="clickEffect">
+                                  <p:stCondLst>
+                                    <p:cond delay="0"/>
+                                  </p:stCondLst>
+                                  <p:childTnLst>
+                                    <p:set>
+                                      <p:cBhvr>
+                                        <p:cTn id="18" dur="1" fill="hold">
+                                          <p:stCondLst>
+                                            <p:cond delay="0"/>
+                                          </p:stCondLst>
+                                        </p:cTn>
+                                        <p:tgtEl>
+                                          <p:spTgt spid="3">
+                                            <p:txEl>
+                                              <p:pRg st="6" end="6"/>
+                                            </p:txEl>
+                                          </p:spTgt>
+                                        </p:tgtEl>
+                                        <p:attrNameLst>
+                                          <p:attrName>style.visibility</p:attrName>
+                                        </p:attrNameLst>
+                                      </p:cBhvr>
+                                      <p:to>
+                                        <p:strVal val="visible"/>
+                                      </p:to>
+                                    </p:set>
+                                  </p:childTnLst>
+                                </p:cTn>
+                              </p:par>
+                            </p:childTnLst>
+                          </p:cTn>
+                        </p:par>
+                      </p:childTnLst>
+                    </p:cTn>
+                  </p:par>
+                </p:childTnLst>
+              </p:cTn>
+              <p:prevCondLst>
+                <p:cond evt="onPrev" delay="0">
+                  <p:tgtEl>
+                    <p:sldTgt/>
+                  </p:tgtEl>
+                </p:cond>
+              </p:prevCondLst>
+              <p:nextCondLst>
+                <p:cond evt="onNext" delay="0">
+                  <p:tgtEl>
+                    <p:sldTgt/>
+                  </p:tgtEl>
+                </p:cond>
+              </p:nextCondLst>
+            </p:seq>
+          </p:childTnLst>
+        </p:cTn>
+      </p:par>
+    </p:tnLst>
+    <p:bldLst>
+      <p:bldP spid="3" grpId="0" build="p"/>
+    </p:bldLst>
+  </p:timing>
 </p:sld>
 </file>
 
@@ -20585,7 +24768,7 @@
               <a:buFont typeface="Wingdings" pitchFamily="2" charset="2"/>
               <a:buChar char="ü"/>
             </a:pPr>
-            <a:endParaRPr lang="pt-BR" sz="3200"/>
+            <a:endParaRPr lang="pt-BR" sz="3200" dirty="0"/>
           </a:p>
           <a:p>
             <a:pPr marL="459000" indent="-457200">
@@ -20597,12 +24780,8 @@
               <a:buChar char="ü"/>
             </a:pPr>
             <a:r>
-              <a:rPr lang="pt-BR" sz="3200"/>
-              <a:t>É </a:t>
-            </a:r>
-            <a:r>
               <a:rPr lang="pt-BR" sz="3200" dirty="0"/>
-              <a:t>possível compor imagens a partir de camadas de outras imagens</a:t>
+              <a:t>É possível compor imagens a partir de camadas de outras imagens</a:t>
             </a:r>
           </a:p>
           <a:p>
@@ -20839,6 +25018,15 @@
           <a:p>
             <a:pPr lvl="1"/>
             <a:r>
+              <a:rPr lang="pt-BR" sz="1600" b="1" dirty="0">
+                <a:solidFill>
+                  <a:schemeClr val="bg1"/>
+                </a:solidFill>
+                <a:latin typeface="Avenir Next Condensed" panose="020B0506020202020204" pitchFamily="34" charset="0"/>
+              </a:rPr>
+              <a:t>Criando Ambientes de Desenvolvimento com </a:t>
+            </a:r>
+            <a:r>
               <a:rPr lang="pt-BR" sz="1600" b="1" dirty="0" err="1">
                 <a:solidFill>
                   <a:schemeClr val="bg1"/>
@@ -20854,7 +25042,7 @@
                 </a:solidFill>
                 <a:latin typeface="Avenir Next Condensed" panose="020B0506020202020204" pitchFamily="34" charset="0"/>
               </a:rPr>
-              <a:t>: Montando um ambiente de desenvolvimento | Prof. Me Fernando Salles Claro</a:t>
+              <a:t> | Prof. Me Fernando Salles Claro</a:t>
             </a:r>
           </a:p>
         </p:txBody>
@@ -21053,6 +25241,186 @@
   <p:clrMapOvr>
     <a:masterClrMapping/>
   </p:clrMapOvr>
+  <p:timing>
+    <p:tnLst>
+      <p:par>
+        <p:cTn id="1" dur="indefinite" restart="never" nodeType="tmRoot">
+          <p:childTnLst>
+            <p:seq concurrent="1" nextAc="seek">
+              <p:cTn id="2" dur="indefinite" nodeType="mainSeq">
+                <p:childTnLst>
+                  <p:par>
+                    <p:cTn id="3" fill="hold">
+                      <p:stCondLst>
+                        <p:cond delay="indefinite"/>
+                      </p:stCondLst>
+                      <p:childTnLst>
+                        <p:par>
+                          <p:cTn id="4" fill="hold">
+                            <p:stCondLst>
+                              <p:cond delay="0"/>
+                            </p:stCondLst>
+                            <p:childTnLst>
+                              <p:par>
+                                <p:cTn id="5" presetID="1" presetClass="entr" presetSubtype="0" fill="hold" grpId="0" nodeType="clickEffect">
+                                  <p:stCondLst>
+                                    <p:cond delay="0"/>
+                                  </p:stCondLst>
+                                  <p:childTnLst>
+                                    <p:set>
+                                      <p:cBhvr>
+                                        <p:cTn id="6" dur="1" fill="hold">
+                                          <p:stCondLst>
+                                            <p:cond delay="0"/>
+                                          </p:stCondLst>
+                                        </p:cTn>
+                                        <p:tgtEl>
+                                          <p:spTgt spid="3">
+                                            <p:txEl>
+                                              <p:pRg st="0" end="0"/>
+                                            </p:txEl>
+                                          </p:spTgt>
+                                        </p:tgtEl>
+                                        <p:attrNameLst>
+                                          <p:attrName>style.visibility</p:attrName>
+                                        </p:attrNameLst>
+                                      </p:cBhvr>
+                                      <p:to>
+                                        <p:strVal val="visible"/>
+                                      </p:to>
+                                    </p:set>
+                                  </p:childTnLst>
+                                </p:cTn>
+                              </p:par>
+                            </p:childTnLst>
+                          </p:cTn>
+                        </p:par>
+                      </p:childTnLst>
+                    </p:cTn>
+                  </p:par>
+                  <p:par>
+                    <p:cTn id="7" fill="hold">
+                      <p:stCondLst>
+                        <p:cond delay="indefinite"/>
+                      </p:stCondLst>
+                      <p:childTnLst>
+                        <p:par>
+                          <p:cTn id="8" fill="hold">
+                            <p:stCondLst>
+                              <p:cond delay="0"/>
+                            </p:stCondLst>
+                            <p:childTnLst>
+                              <p:par>
+                                <p:cTn id="9" presetID="1" presetClass="entr" presetSubtype="0" fill="hold" grpId="0" nodeType="clickEffect">
+                                  <p:stCondLst>
+                                    <p:cond delay="0"/>
+                                  </p:stCondLst>
+                                  <p:childTnLst>
+                                    <p:set>
+                                      <p:cBhvr>
+                                        <p:cTn id="10" dur="1" fill="hold">
+                                          <p:stCondLst>
+                                            <p:cond delay="0"/>
+                                          </p:stCondLst>
+                                        </p:cTn>
+                                        <p:tgtEl>
+                                          <p:spTgt spid="3">
+                                            <p:txEl>
+                                              <p:pRg st="2" end="2"/>
+                                            </p:txEl>
+                                          </p:spTgt>
+                                        </p:tgtEl>
+                                        <p:attrNameLst>
+                                          <p:attrName>style.visibility</p:attrName>
+                                        </p:attrNameLst>
+                                      </p:cBhvr>
+                                      <p:to>
+                                        <p:strVal val="visible"/>
+                                      </p:to>
+                                    </p:set>
+                                  </p:childTnLst>
+                                </p:cTn>
+                              </p:par>
+                            </p:childTnLst>
+                          </p:cTn>
+                        </p:par>
+                      </p:childTnLst>
+                    </p:cTn>
+                  </p:par>
+                  <p:par>
+                    <p:cTn id="11" fill="hold">
+                      <p:stCondLst>
+                        <p:cond delay="indefinite"/>
+                      </p:stCondLst>
+                      <p:childTnLst>
+                        <p:par>
+                          <p:cTn id="12" fill="hold">
+                            <p:stCondLst>
+                              <p:cond delay="0"/>
+                            </p:stCondLst>
+                            <p:childTnLst>
+                              <p:par>
+                                <p:cTn id="13" presetID="1" presetClass="entr" presetSubtype="0" fill="hold" grpId="0" nodeType="clickEffect">
+                                  <p:stCondLst>
+                                    <p:cond delay="0"/>
+                                  </p:stCondLst>
+                                  <p:childTnLst>
+                                    <p:set>
+                                      <p:cBhvr>
+                                        <p:cTn id="14" dur="1" fill="hold">
+                                          <p:stCondLst>
+                                            <p:cond delay="0"/>
+                                          </p:stCondLst>
+                                        </p:cTn>
+                                        <p:tgtEl>
+                                          <p:spTgt spid="3">
+                                            <p:txEl>
+                                              <p:pRg st="4" end="4"/>
+                                            </p:txEl>
+                                          </p:spTgt>
+                                        </p:tgtEl>
+                                        <p:attrNameLst>
+                                          <p:attrName>style.visibility</p:attrName>
+                                        </p:attrNameLst>
+                                      </p:cBhvr>
+                                      <p:to>
+                                        <p:strVal val="visible"/>
+                                      </p:to>
+                                    </p:set>
+                                  </p:childTnLst>
+                                </p:cTn>
+                              </p:par>
+                            </p:childTnLst>
+                          </p:cTn>
+                        </p:par>
+                      </p:childTnLst>
+                    </p:cTn>
+                  </p:par>
+                </p:childTnLst>
+              </p:cTn>
+              <p:prevCondLst>
+                <p:cond evt="onPrev" delay="0">
+                  <p:tgtEl>
+                    <p:sldTgt/>
+                  </p:tgtEl>
+                </p:cond>
+              </p:prevCondLst>
+              <p:nextCondLst>
+                <p:cond evt="onNext" delay="0">
+                  <p:tgtEl>
+                    <p:sldTgt/>
+                  </p:tgtEl>
+                </p:cond>
+              </p:nextCondLst>
+            </p:seq>
+          </p:childTnLst>
+        </p:cTn>
+      </p:par>
+    </p:tnLst>
+    <p:bldLst>
+      <p:bldP spid="3" grpId="0" build="p"/>
+    </p:bldLst>
+  </p:timing>
 </p:sld>
 </file>
 

--- a/Palestra Docker.pptx
+++ b/Palestra Docker.pptx
@@ -3764,12 +3764,8 @@
               <a:buChar char="ü"/>
             </a:pPr>
             <a:r>
-              <a:rPr lang="pt-BR" sz="3200" dirty="0" err="1"/>
-              <a:t>Análogamente</a:t>
-            </a:r>
-            <a:r>
               <a:rPr lang="pt-BR" sz="3200" dirty="0"/>
-              <a:t> em relação aos conceitos de classes e instâncias estudadas em Orientação a Objetos, temos então:</a:t>
+              <a:t>Analogamente em relação aos conceitos de classes e instâncias estudadas em Orientação a Objetos, temos então:</a:t>
             </a:r>
           </a:p>
           <a:p>
